--- a/presentations/day 2/15-45--17-00_reading cleaning/intro-to-data-cleaning.pptx
+++ b/presentations/day 2/15-45--17-00_reading cleaning/intro-to-data-cleaning.pptx
@@ -15,28 +15,18 @@
     <p:sldId id="302" r:id="rId9"/>
     <p:sldId id="320" r:id="rId10"/>
     <p:sldId id="299" r:id="rId11"/>
-    <p:sldId id="321" r:id="rId12"/>
-    <p:sldId id="295" r:id="rId13"/>
-    <p:sldId id="260" r:id="rId14"/>
-    <p:sldId id="286" r:id="rId15"/>
-    <p:sldId id="287" r:id="rId16"/>
-    <p:sldId id="294" r:id="rId17"/>
-    <p:sldId id="263" r:id="rId18"/>
-    <p:sldId id="264" r:id="rId19"/>
-    <p:sldId id="289" r:id="rId20"/>
-    <p:sldId id="308" r:id="rId21"/>
-    <p:sldId id="265" r:id="rId22"/>
-    <p:sldId id="309" r:id="rId23"/>
-    <p:sldId id="266" r:id="rId24"/>
-    <p:sldId id="267" r:id="rId25"/>
-    <p:sldId id="278" r:id="rId26"/>
-    <p:sldId id="279" r:id="rId27"/>
-    <p:sldId id="268" r:id="rId28"/>
-    <p:sldId id="269" r:id="rId29"/>
-    <p:sldId id="270" r:id="rId30"/>
-    <p:sldId id="271" r:id="rId31"/>
-    <p:sldId id="273" r:id="rId32"/>
-    <p:sldId id="310" r:id="rId33"/>
+    <p:sldId id="295" r:id="rId12"/>
+    <p:sldId id="260" r:id="rId13"/>
+    <p:sldId id="286" r:id="rId14"/>
+    <p:sldId id="287" r:id="rId15"/>
+    <p:sldId id="294" r:id="rId16"/>
+    <p:sldId id="263" r:id="rId17"/>
+    <p:sldId id="264" r:id="rId18"/>
+    <p:sldId id="289" r:id="rId19"/>
+    <p:sldId id="265" r:id="rId20"/>
+    <p:sldId id="266" r:id="rId21"/>
+    <p:sldId id="267" r:id="rId22"/>
+    <p:sldId id="268" r:id="rId23"/>
   </p:sldIdLst>
   <p:sldSz cx="9144000" cy="6858000" type="screen4x3"/>
   <p:notesSz cx="6858000" cy="9144000"/>
@@ -335,7 +325,7 @@
           <a:p>
             <a:fld id="{76EAECC6-B4FC-4708-A3A7-5CC81EDF2896}" type="datetimeFigureOut">
               <a:rPr lang="en-GB" smtClean="0"/>
-              <a:t>15/09/2019</a:t>
+              <a:t>18/09/2019</a:t>
             </a:fld>
             <a:endParaRPr lang="en-GB"/>
           </a:p>
@@ -500,7 +490,7 @@
           <a:p>
             <a:fld id="{76EAECC6-B4FC-4708-A3A7-5CC81EDF2896}" type="datetimeFigureOut">
               <a:rPr lang="en-GB" smtClean="0"/>
-              <a:t>15/09/2019</a:t>
+              <a:t>18/09/2019</a:t>
             </a:fld>
             <a:endParaRPr lang="en-GB"/>
           </a:p>
@@ -675,7 +665,7 @@
           <a:p>
             <a:fld id="{76EAECC6-B4FC-4708-A3A7-5CC81EDF2896}" type="datetimeFigureOut">
               <a:rPr lang="en-GB" smtClean="0"/>
-              <a:t>15/09/2019</a:t>
+              <a:t>18/09/2019</a:t>
             </a:fld>
             <a:endParaRPr lang="en-GB"/>
           </a:p>
@@ -840,7 +830,7 @@
           <a:p>
             <a:fld id="{76EAECC6-B4FC-4708-A3A7-5CC81EDF2896}" type="datetimeFigureOut">
               <a:rPr lang="en-GB" smtClean="0"/>
-              <a:t>15/09/2019</a:t>
+              <a:t>18/09/2019</a:t>
             </a:fld>
             <a:endParaRPr lang="en-GB"/>
           </a:p>
@@ -1081,7 +1071,7 @@
           <a:p>
             <a:fld id="{76EAECC6-B4FC-4708-A3A7-5CC81EDF2896}" type="datetimeFigureOut">
               <a:rPr lang="en-GB" smtClean="0"/>
-              <a:t>15/09/2019</a:t>
+              <a:t>18/09/2019</a:t>
             </a:fld>
             <a:endParaRPr lang="en-GB"/>
           </a:p>
@@ -1364,7 +1354,7 @@
           <a:p>
             <a:fld id="{76EAECC6-B4FC-4708-A3A7-5CC81EDF2896}" type="datetimeFigureOut">
               <a:rPr lang="en-GB" smtClean="0"/>
-              <a:t>15/09/2019</a:t>
+              <a:t>18/09/2019</a:t>
             </a:fld>
             <a:endParaRPr lang="en-GB"/>
           </a:p>
@@ -1781,7 +1771,7 @@
           <a:p>
             <a:fld id="{76EAECC6-B4FC-4708-A3A7-5CC81EDF2896}" type="datetimeFigureOut">
               <a:rPr lang="en-GB" smtClean="0"/>
-              <a:t>15/09/2019</a:t>
+              <a:t>18/09/2019</a:t>
             </a:fld>
             <a:endParaRPr lang="en-GB"/>
           </a:p>
@@ -1894,7 +1884,7 @@
           <a:p>
             <a:fld id="{76EAECC6-B4FC-4708-A3A7-5CC81EDF2896}" type="datetimeFigureOut">
               <a:rPr lang="en-GB" smtClean="0"/>
-              <a:t>15/09/2019</a:t>
+              <a:t>18/09/2019</a:t>
             </a:fld>
             <a:endParaRPr lang="en-GB"/>
           </a:p>
@@ -1984,7 +1974,7 @@
           <a:p>
             <a:fld id="{76EAECC6-B4FC-4708-A3A7-5CC81EDF2896}" type="datetimeFigureOut">
               <a:rPr lang="en-GB" smtClean="0"/>
-              <a:t>15/09/2019</a:t>
+              <a:t>18/09/2019</a:t>
             </a:fld>
             <a:endParaRPr lang="en-GB"/>
           </a:p>
@@ -2256,7 +2246,7 @@
           <a:p>
             <a:fld id="{76EAECC6-B4FC-4708-A3A7-5CC81EDF2896}" type="datetimeFigureOut">
               <a:rPr lang="en-GB" smtClean="0"/>
-              <a:t>15/09/2019</a:t>
+              <a:t>18/09/2019</a:t>
             </a:fld>
             <a:endParaRPr lang="en-GB"/>
           </a:p>
@@ -2504,7 +2494,7 @@
           <a:p>
             <a:fld id="{76EAECC6-B4FC-4708-A3A7-5CC81EDF2896}" type="datetimeFigureOut">
               <a:rPr lang="en-GB" smtClean="0"/>
-              <a:t>15/09/2019</a:t>
+              <a:t>18/09/2019</a:t>
             </a:fld>
             <a:endParaRPr lang="en-GB"/>
           </a:p>
@@ -2712,7 +2702,7 @@
           <a:p>
             <a:fld id="{76EAECC6-B4FC-4708-A3A7-5CC81EDF2896}" type="datetimeFigureOut">
               <a:rPr lang="en-GB" smtClean="0"/>
-              <a:t>15/09/2019</a:t>
+              <a:t>18/09/2019</a:t>
             </a:fld>
             <a:endParaRPr lang="en-GB"/>
           </a:p>
@@ -3267,162 +3257,6 @@
 </file>
 
 <file path=ppt/slides/slide11.xml><?xml version="1.0" encoding="utf-8"?>
-<p:sld xmlns:a="http://schemas.openxmlformats.org/drawingml/2006/main" xmlns:r="http://schemas.openxmlformats.org/officeDocument/2006/relationships" xmlns:p="http://schemas.openxmlformats.org/presentationml/2006/main">
-  <p:cSld>
-    <p:spTree>
-      <p:nvGrpSpPr>
-        <p:cNvPr id="1" name=""/>
-        <p:cNvGrpSpPr/>
-        <p:nvPr/>
-      </p:nvGrpSpPr>
-      <p:grpSpPr>
-        <a:xfrm>
-          <a:off x="0" y="0"/>
-          <a:ext cx="0" cy="0"/>
-          <a:chOff x="0" y="0"/>
-          <a:chExt cx="0" cy="0"/>
-        </a:xfrm>
-      </p:grpSpPr>
-      <p:sp>
-        <p:nvSpPr>
-          <p:cNvPr id="2" name="Title 1">
-            <a:extLst>
-              <a:ext uri="{FF2B5EF4-FFF2-40B4-BE49-F238E27FC236}">
-                <a16:creationId xmlns:a16="http://schemas.microsoft.com/office/drawing/2014/main" id="{09F776DD-6224-4A95-8132-3D6428A8258C}"/>
-              </a:ext>
-            </a:extLst>
-          </p:cNvPr>
-          <p:cNvSpPr>
-            <a:spLocks noGrp="1"/>
-          </p:cNvSpPr>
-          <p:nvPr>
-            <p:ph type="title"/>
-          </p:nvPr>
-        </p:nvSpPr>
-        <p:spPr/>
-        <p:txBody>
-          <a:bodyPr/>
-          <a:lstStyle/>
-          <a:p>
-            <a:r>
-              <a:rPr lang="en-GB" dirty="0"/>
-              <a:t>Reading data from GitHub</a:t>
-            </a:r>
-          </a:p>
-        </p:txBody>
-      </p:sp>
-      <p:sp>
-        <p:nvSpPr>
-          <p:cNvPr id="3" name="Content Placeholder 2">
-            <a:extLst>
-              <a:ext uri="{FF2B5EF4-FFF2-40B4-BE49-F238E27FC236}">
-                <a16:creationId xmlns:a16="http://schemas.microsoft.com/office/drawing/2014/main" id="{B92A79FF-A5D1-4754-9A8C-04F1688CBAE7}"/>
-              </a:ext>
-            </a:extLst>
-          </p:cNvPr>
-          <p:cNvSpPr>
-            <a:spLocks noGrp="1"/>
-          </p:cNvSpPr>
-          <p:nvPr>
-            <p:ph idx="1"/>
-          </p:nvPr>
-        </p:nvSpPr>
-        <p:spPr/>
-        <p:txBody>
-          <a:bodyPr/>
-          <a:lstStyle/>
-          <a:p>
-            <a:pPr marL="0" indent="0">
-              <a:buNone/>
-            </a:pPr>
-            <a:r>
-              <a:rPr lang="en-GB" dirty="0">
-                <a:latin typeface="Courier New" panose="02070309020205020404" pitchFamily="49" charset="0"/>
-                <a:cs typeface="Courier New" panose="02070309020205020404" pitchFamily="49" charset="0"/>
-              </a:rPr>
-              <a:t>library(</a:t>
-            </a:r>
-            <a:r>
-              <a:rPr lang="en-GB" dirty="0" err="1">
-                <a:latin typeface="Courier New" panose="02070309020205020404" pitchFamily="49" charset="0"/>
-                <a:cs typeface="Courier New" panose="02070309020205020404" pitchFamily="49" charset="0"/>
-              </a:rPr>
-              <a:t>readr</a:t>
-            </a:r>
-            <a:r>
-              <a:rPr lang="en-GB" dirty="0">
-                <a:latin typeface="Courier New" panose="02070309020205020404" pitchFamily="49" charset="0"/>
-                <a:cs typeface="Courier New" panose="02070309020205020404" pitchFamily="49" charset="0"/>
-              </a:rPr>
-              <a:t>)</a:t>
-            </a:r>
-          </a:p>
-          <a:p>
-            <a:pPr marL="0" indent="0">
-              <a:buNone/>
-            </a:pPr>
-            <a:endParaRPr lang="en-GB" dirty="0">
-              <a:latin typeface="Courier New" panose="02070309020205020404" pitchFamily="49" charset="0"/>
-              <a:cs typeface="Courier New" panose="02070309020205020404" pitchFamily="49" charset="0"/>
-            </a:endParaRPr>
-          </a:p>
-          <a:p>
-            <a:pPr marL="0" indent="0">
-              <a:buNone/>
-            </a:pPr>
-            <a:r>
-              <a:rPr lang="en-GB" dirty="0">
-                <a:latin typeface="Courier New" panose="02070309020205020404" pitchFamily="49" charset="0"/>
-                <a:cs typeface="Courier New" panose="02070309020205020404" pitchFamily="49" charset="0"/>
-              </a:rPr>
-              <a:t>conception &lt;- </a:t>
-            </a:r>
-            <a:r>
-              <a:rPr lang="en-GB" dirty="0" err="1">
-                <a:latin typeface="Courier New" panose="02070309020205020404" pitchFamily="49" charset="0"/>
-                <a:cs typeface="Courier New" panose="02070309020205020404" pitchFamily="49" charset="0"/>
-              </a:rPr>
-              <a:t>read_csv</a:t>
-            </a:r>
-            <a:r>
-              <a:rPr lang="en-GB" dirty="0">
-                <a:latin typeface="Courier New" panose="02070309020205020404" pitchFamily="49" charset="0"/>
-                <a:cs typeface="Courier New" panose="02070309020205020404" pitchFamily="49" charset="0"/>
-              </a:rPr>
-              <a:t>("https://raw.githubusercontent.com/n8thangreen/ONS/master/conception-under18.csv")</a:t>
-            </a:r>
-          </a:p>
-          <a:p>
-            <a:pPr marL="0" indent="0">
-              <a:buNone/>
-            </a:pPr>
-            <a:r>
-              <a:rPr lang="en-GB" dirty="0">
-                <a:latin typeface="Courier New" panose="02070309020205020404" pitchFamily="49" charset="0"/>
-                <a:cs typeface="Courier New" panose="02070309020205020404" pitchFamily="49" charset="0"/>
-              </a:rPr>
-              <a:t>View(conception)</a:t>
-            </a:r>
-          </a:p>
-          <a:p>
-            <a:endParaRPr lang="en-GB" dirty="0"/>
-          </a:p>
-        </p:txBody>
-      </p:sp>
-    </p:spTree>
-    <p:extLst>
-      <p:ext uri="{BB962C8B-B14F-4D97-AF65-F5344CB8AC3E}">
-        <p14:creationId xmlns:p14="http://schemas.microsoft.com/office/powerpoint/2010/main" val="1198561707"/>
-      </p:ext>
-    </p:extLst>
-  </p:cSld>
-  <p:clrMapOvr>
-    <a:masterClrMapping/>
-  </p:clrMapOvr>
-</p:sld>
-</file>
-
-<file path=ppt/slides/slide12.xml><?xml version="1.0" encoding="utf-8"?>
 <p:sld xmlns:a="http://schemas.openxmlformats.org/drawingml/2006/main" xmlns:r="http://schemas.openxmlformats.org/officeDocument/2006/relationships" xmlns:p="http://schemas.openxmlformats.org/presentationml/2006/main">
   <p:cSld>
     <p:spTree>
@@ -5040,6 +4874,197 @@
 </p:sld>
 </file>
 
+<file path=ppt/slides/slide12.xml><?xml version="1.0" encoding="utf-8"?>
+<p:sld xmlns:a="http://schemas.openxmlformats.org/drawingml/2006/main" xmlns:r="http://schemas.openxmlformats.org/officeDocument/2006/relationships" xmlns:p="http://schemas.openxmlformats.org/presentationml/2006/main">
+  <p:cSld>
+    <p:spTree>
+      <p:nvGrpSpPr>
+        <p:cNvPr id="1" name=""/>
+        <p:cNvGrpSpPr/>
+        <p:nvPr/>
+      </p:nvGrpSpPr>
+      <p:grpSpPr>
+        <a:xfrm>
+          <a:off x="0" y="0"/>
+          <a:ext cx="0" cy="0"/>
+          <a:chOff x="0" y="0"/>
+          <a:chExt cx="0" cy="0"/>
+        </a:xfrm>
+      </p:grpSpPr>
+      <p:sp>
+        <p:nvSpPr>
+          <p:cNvPr id="2" name="Title 1"/>
+          <p:cNvSpPr>
+            <a:spLocks noGrp="1"/>
+          </p:cNvSpPr>
+          <p:nvPr>
+            <p:ph type="title"/>
+          </p:nvPr>
+        </p:nvSpPr>
+        <p:spPr/>
+        <p:txBody>
+          <a:bodyPr>
+            <a:normAutofit fontScale="90000"/>
+          </a:bodyPr>
+          <a:lstStyle/>
+          <a:p>
+            <a:r>
+              <a:rPr lang="en-GB" dirty="0"/>
+              <a:t>Variables types and indexing</a:t>
+            </a:r>
+            <a:br>
+              <a:rPr lang="en-GB" dirty="0"/>
+            </a:br>
+            <a:endParaRPr lang="en-GB" dirty="0"/>
+          </a:p>
+        </p:txBody>
+      </p:sp>
+      <p:sp>
+        <p:nvSpPr>
+          <p:cNvPr id="3" name="Content Placeholder 2"/>
+          <p:cNvSpPr>
+            <a:spLocks noGrp="1"/>
+          </p:cNvSpPr>
+          <p:nvPr>
+            <p:ph idx="1"/>
+          </p:nvPr>
+        </p:nvSpPr>
+        <p:spPr/>
+        <p:txBody>
+          <a:bodyPr>
+            <a:normAutofit fontScale="70000" lnSpcReduction="20000"/>
+          </a:bodyPr>
+          <a:lstStyle/>
+          <a:p>
+            <a:r>
+              <a:rPr lang="en-GB" dirty="0">
+                <a:latin typeface="Courier New" pitchFamily="49" charset="0"/>
+                <a:cs typeface="Courier New" pitchFamily="49" charset="0"/>
+              </a:rPr>
+              <a:t>numeric</a:t>
+            </a:r>
+            <a:r>
+              <a:rPr lang="en-GB" dirty="0"/>
+              <a:t> </a:t>
+            </a:r>
+            <a:r>
+              <a:rPr lang="en-GB" dirty="0" err="1"/>
+              <a:t>Numeric</a:t>
+            </a:r>
+            <a:r>
+              <a:rPr lang="en-GB" dirty="0"/>
+              <a:t> data (approximations of the real numbers, ℝ)</a:t>
+            </a:r>
+          </a:p>
+          <a:p>
+            <a:endParaRPr lang="en-GB" dirty="0"/>
+          </a:p>
+          <a:p>
+            <a:r>
+              <a:rPr lang="en-GB" dirty="0">
+                <a:latin typeface="Courier New" pitchFamily="49" charset="0"/>
+                <a:cs typeface="Courier New" pitchFamily="49" charset="0"/>
+              </a:rPr>
+              <a:t>integer</a:t>
+            </a:r>
+            <a:r>
+              <a:rPr lang="en-GB" dirty="0"/>
+              <a:t> </a:t>
+            </a:r>
+            <a:r>
+              <a:rPr lang="en-GB" dirty="0" err="1"/>
+              <a:t>Integer</a:t>
+            </a:r>
+            <a:r>
+              <a:rPr lang="en-GB" dirty="0"/>
+              <a:t> data (whole numbers, ℤ)</a:t>
+            </a:r>
+          </a:p>
+          <a:p>
+            <a:endParaRPr lang="en-GB" dirty="0"/>
+          </a:p>
+          <a:p>
+            <a:r>
+              <a:rPr lang="en-GB" dirty="0">
+                <a:latin typeface="Courier New" panose="02070309020205020404" pitchFamily="49" charset="0"/>
+                <a:cs typeface="Courier New" panose="02070309020205020404" pitchFamily="49" charset="0"/>
+              </a:rPr>
+              <a:t>factor</a:t>
+            </a:r>
+            <a:r>
+              <a:rPr lang="en-GB" dirty="0"/>
+              <a:t> Categorical data (simple classifications, like gender)</a:t>
+            </a:r>
+          </a:p>
+          <a:p>
+            <a:endParaRPr lang="en-GB" dirty="0"/>
+          </a:p>
+          <a:p>
+            <a:r>
+              <a:rPr lang="en-GB" dirty="0">
+                <a:latin typeface="Courier New" pitchFamily="49" charset="0"/>
+                <a:cs typeface="Courier New" pitchFamily="49" charset="0"/>
+              </a:rPr>
+              <a:t>ordered</a:t>
+            </a:r>
+            <a:r>
+              <a:rPr lang="en-GB" dirty="0"/>
+              <a:t> Ordinal data (ordered classifications, like educational level)</a:t>
+            </a:r>
+          </a:p>
+          <a:p>
+            <a:endParaRPr lang="en-GB" dirty="0"/>
+          </a:p>
+          <a:p>
+            <a:r>
+              <a:rPr lang="en-GB" dirty="0">
+                <a:latin typeface="Courier New" pitchFamily="49" charset="0"/>
+                <a:cs typeface="Courier New" pitchFamily="49" charset="0"/>
+              </a:rPr>
+              <a:t>character</a:t>
+            </a:r>
+            <a:r>
+              <a:rPr lang="en-GB" dirty="0"/>
+              <a:t> </a:t>
+            </a:r>
+            <a:r>
+              <a:rPr lang="en-GB" dirty="0" err="1"/>
+              <a:t>Character</a:t>
+            </a:r>
+            <a:r>
+              <a:rPr lang="en-GB" dirty="0"/>
+              <a:t> data (strings)</a:t>
+            </a:r>
+          </a:p>
+          <a:p>
+            <a:endParaRPr lang="en-GB" dirty="0"/>
+          </a:p>
+          <a:p>
+            <a:r>
+              <a:rPr lang="en-GB" dirty="0">
+                <a:latin typeface="Courier New" pitchFamily="49" charset="0"/>
+                <a:cs typeface="Courier New" pitchFamily="49" charset="0"/>
+              </a:rPr>
+              <a:t>raw</a:t>
+            </a:r>
+            <a:r>
+              <a:rPr lang="en-GB" dirty="0"/>
+              <a:t> Binary data</a:t>
+            </a:r>
+          </a:p>
+          <a:p>
+            <a:endParaRPr lang="en-GB" dirty="0"/>
+          </a:p>
+        </p:txBody>
+      </p:sp>
+    </p:spTree>
+  </p:cSld>
+  <p:clrMapOvr>
+    <a:masterClrMapping/>
+  </p:clrMapOvr>
+</p:sld>
+</file>
+
 <file path=ppt/slides/slide13.xml><?xml version="1.0" encoding="utf-8"?>
 <p:sld xmlns:a="http://schemas.openxmlformats.org/drawingml/2006/main" xmlns:r="http://schemas.openxmlformats.org/officeDocument/2006/relationships" xmlns:p="http://schemas.openxmlformats.org/presentationml/2006/main">
   <p:cSld>
@@ -5059,167 +5084,247 @@
       </p:grpSpPr>
       <p:sp>
         <p:nvSpPr>
-          <p:cNvPr id="2" name="Title 1"/>
-          <p:cNvSpPr>
-            <a:spLocks noGrp="1"/>
-          </p:cNvSpPr>
-          <p:nvPr>
-            <p:ph type="title"/>
-          </p:nvPr>
-        </p:nvSpPr>
-        <p:spPr/>
+          <p:cNvPr id="3" name="Content Placeholder 2"/>
+          <p:cNvSpPr>
+            <a:spLocks noGrp="1"/>
+          </p:cNvSpPr>
+          <p:nvPr>
+            <p:ph idx="1"/>
+          </p:nvPr>
+        </p:nvSpPr>
+        <p:spPr>
+          <a:xfrm>
+            <a:off x="457200" y="476672"/>
+            <a:ext cx="8229600" cy="5649491"/>
+          </a:xfrm>
+        </p:spPr>
         <p:txBody>
           <a:bodyPr>
-            <a:normAutofit fontScale="90000"/>
+            <a:normAutofit fontScale="62500" lnSpcReduction="20000"/>
           </a:bodyPr>
           <a:lstStyle/>
           <a:p>
-            <a:r>
-              <a:rPr lang="en-GB" dirty="0"/>
-              <a:t>Variables types and indexing</a:t>
-            </a:r>
-            <a:br>
-              <a:rPr lang="en-GB" dirty="0"/>
-            </a:br>
-            <a:endParaRPr lang="en-GB" dirty="0"/>
-          </a:p>
-        </p:txBody>
-      </p:sp>
-      <p:sp>
-        <p:nvSpPr>
-          <p:cNvPr id="3" name="Content Placeholder 2"/>
-          <p:cNvSpPr>
-            <a:spLocks noGrp="1"/>
-          </p:cNvSpPr>
-          <p:nvPr>
-            <p:ph idx="1"/>
-          </p:nvPr>
-        </p:nvSpPr>
-        <p:spPr/>
-        <p:txBody>
-          <a:bodyPr>
-            <a:normAutofit fontScale="70000" lnSpcReduction="20000"/>
-          </a:bodyPr>
-          <a:lstStyle/>
-          <a:p>
+            <a:pPr marL="0" indent="0">
+              <a:buNone/>
+            </a:pPr>
+            <a:r>
+              <a:rPr lang="en-GB" dirty="0" err="1">
+                <a:latin typeface="Courier New" pitchFamily="49" charset="0"/>
+                <a:cs typeface="Courier New" pitchFamily="49" charset="0"/>
+              </a:rPr>
+              <a:t>typeof</a:t>
+            </a:r>
             <a:r>
               <a:rPr lang="en-GB" dirty="0">
                 <a:latin typeface="Courier New" pitchFamily="49" charset="0"/>
                 <a:cs typeface="Courier New" pitchFamily="49" charset="0"/>
               </a:rPr>
-              <a:t>numeric</a:t>
-            </a:r>
-            <a:r>
-              <a:rPr lang="en-GB" dirty="0"/>
-              <a:t> </a:t>
-            </a:r>
-            <a:r>
-              <a:rPr lang="en-GB" dirty="0" err="1"/>
-              <a:t>Numeric</a:t>
-            </a:r>
-            <a:r>
-              <a:rPr lang="en-GB" dirty="0"/>
-              <a:t> data (approximations of the real numbers, ℝ)</a:t>
-            </a:r>
-          </a:p>
-          <a:p>
-            <a:endParaRPr lang="en-GB" dirty="0"/>
-          </a:p>
-          <a:p>
+              <a:t>()  # what is it?</a:t>
+            </a:r>
+          </a:p>
+          <a:p>
+            <a:pPr marL="0" indent="0">
+              <a:buNone/>
+            </a:pPr>
             <a:r>
               <a:rPr lang="en-GB" dirty="0">
                 <a:latin typeface="Courier New" pitchFamily="49" charset="0"/>
                 <a:cs typeface="Courier New" pitchFamily="49" charset="0"/>
               </a:rPr>
-              <a:t>integer</a:t>
-            </a:r>
-            <a:r>
-              <a:rPr lang="en-GB" dirty="0"/>
-              <a:t> </a:t>
-            </a:r>
-            <a:r>
-              <a:rPr lang="en-GB" dirty="0" err="1"/>
-              <a:t>Integer</a:t>
-            </a:r>
-            <a:r>
-              <a:rPr lang="en-GB" dirty="0"/>
-              <a:t> data (whole numbers, ℤ)</a:t>
-            </a:r>
-          </a:p>
-          <a:p>
-            <a:endParaRPr lang="en-GB" dirty="0"/>
-          </a:p>
-          <a:p>
+              <a:t>length()  # how long is it? What about two dimensional objects?</a:t>
+            </a:r>
+          </a:p>
+          <a:p>
+            <a:pPr marL="0" indent="0">
+              <a:buNone/>
+            </a:pPr>
             <a:r>
               <a:rPr lang="en-GB" dirty="0">
-                <a:latin typeface="Courier New" panose="02070309020205020404" pitchFamily="49" charset="0"/>
-                <a:cs typeface="Courier New" panose="02070309020205020404" pitchFamily="49" charset="0"/>
-              </a:rPr>
-              <a:t>factor</a:t>
-            </a:r>
-            <a:r>
-              <a:rPr lang="en-GB" dirty="0"/>
-              <a:t> Categorical data (simple classifications, like gender)</a:t>
-            </a:r>
-          </a:p>
-          <a:p>
-            <a:endParaRPr lang="en-GB" dirty="0"/>
-          </a:p>
-          <a:p>
+                <a:latin typeface="Courier New" pitchFamily="49" charset="0"/>
+                <a:cs typeface="Courier New" pitchFamily="49" charset="0"/>
+              </a:rPr>
+              <a:t>attributes()  # does it have any metadata?</a:t>
+            </a:r>
+          </a:p>
+          <a:p>
+            <a:pPr marL="0" indent="0">
+              <a:buNone/>
+            </a:pPr>
+            <a:endParaRPr lang="en-GB" dirty="0">
+              <a:latin typeface="Courier New" pitchFamily="49" charset="0"/>
+              <a:cs typeface="Courier New" pitchFamily="49" charset="0"/>
+            </a:endParaRPr>
+          </a:p>
+          <a:p>
+            <a:pPr marL="0" indent="0">
+              <a:buNone/>
+            </a:pPr>
             <a:r>
               <a:rPr lang="en-GB" dirty="0">
-                <a:latin typeface="Courier New" pitchFamily="49" charset="0"/>
-                <a:cs typeface="Courier New" pitchFamily="49" charset="0"/>
-              </a:rPr>
-              <a:t>ordered</a:t>
-            </a:r>
-            <a:r>
-              <a:rPr lang="en-GB" dirty="0"/>
-              <a:t> Ordinal data (ordered classifications, like educational level)</a:t>
-            </a:r>
-          </a:p>
-          <a:p>
-            <a:endParaRPr lang="en-GB" dirty="0"/>
-          </a:p>
-          <a:p>
+                <a:solidFill>
+                  <a:srgbClr val="0070C0"/>
+                </a:solidFill>
+                <a:latin typeface="Courier New" pitchFamily="49" charset="0"/>
+                <a:cs typeface="Courier New" pitchFamily="49" charset="0"/>
+              </a:rPr>
+              <a:t># Example</a:t>
+            </a:r>
+          </a:p>
+          <a:p>
+            <a:pPr marL="0" indent="0">
+              <a:buNone/>
+            </a:pPr>
+            <a:endParaRPr lang="en-GB" dirty="0">
+              <a:latin typeface="Courier New" pitchFamily="49" charset="0"/>
+              <a:cs typeface="Courier New" pitchFamily="49" charset="0"/>
+            </a:endParaRPr>
+          </a:p>
+          <a:p>
+            <a:pPr marL="0" indent="0">
+              <a:buNone/>
+            </a:pPr>
             <a:r>
               <a:rPr lang="en-GB" dirty="0">
                 <a:latin typeface="Courier New" pitchFamily="49" charset="0"/>
                 <a:cs typeface="Courier New" pitchFamily="49" charset="0"/>
               </a:rPr>
-              <a:t>character</a:t>
-            </a:r>
-            <a:r>
-              <a:rPr lang="en-GB" dirty="0"/>
-              <a:t> </a:t>
-            </a:r>
-            <a:r>
-              <a:rPr lang="en-GB" dirty="0" err="1"/>
-              <a:t>Character</a:t>
-            </a:r>
-            <a:r>
-              <a:rPr lang="en-GB" dirty="0"/>
-              <a:t> data (strings)</a:t>
-            </a:r>
-          </a:p>
-          <a:p>
-            <a:endParaRPr lang="en-GB" dirty="0"/>
-          </a:p>
-          <a:p>
+              <a:t>x &lt;- "dataset"</a:t>
+            </a:r>
+          </a:p>
+          <a:p>
+            <a:pPr marL="0" indent="0">
+              <a:buNone/>
+            </a:pPr>
+            <a:r>
+              <a:rPr lang="en-GB" dirty="0" err="1">
+                <a:latin typeface="Courier New" pitchFamily="49" charset="0"/>
+                <a:cs typeface="Courier New" pitchFamily="49" charset="0"/>
+              </a:rPr>
+              <a:t>typeof</a:t>
+            </a:r>
             <a:r>
               <a:rPr lang="en-GB" dirty="0">
                 <a:latin typeface="Courier New" pitchFamily="49" charset="0"/>
                 <a:cs typeface="Courier New" pitchFamily="49" charset="0"/>
               </a:rPr>
-              <a:t>raw</a:t>
-            </a:r>
-            <a:r>
-              <a:rPr lang="en-GB" dirty="0"/>
-              <a:t> Binary data</a:t>
-            </a:r>
-          </a:p>
-          <a:p>
-            <a:endParaRPr lang="en-GB" dirty="0"/>
+              <a:t>(x)</a:t>
+            </a:r>
+          </a:p>
+          <a:p>
+            <a:pPr marL="0" indent="0">
+              <a:buNone/>
+            </a:pPr>
+            <a:r>
+              <a:rPr lang="en-GB" dirty="0">
+                <a:latin typeface="Courier New" pitchFamily="49" charset="0"/>
+                <a:cs typeface="Courier New" pitchFamily="49" charset="0"/>
+              </a:rPr>
+              <a:t>attributes(x)</a:t>
+            </a:r>
+          </a:p>
+          <a:p>
+            <a:pPr marL="0" indent="0">
+              <a:buNone/>
+            </a:pPr>
+            <a:endParaRPr lang="en-GB" dirty="0">
+              <a:latin typeface="Courier New" pitchFamily="49" charset="0"/>
+              <a:cs typeface="Courier New" pitchFamily="49" charset="0"/>
+            </a:endParaRPr>
+          </a:p>
+          <a:p>
+            <a:pPr marL="0" indent="0">
+              <a:buNone/>
+            </a:pPr>
+            <a:r>
+              <a:rPr lang="en-GB" dirty="0">
+                <a:latin typeface="Courier New" pitchFamily="49" charset="0"/>
+                <a:cs typeface="Courier New" pitchFamily="49" charset="0"/>
+              </a:rPr>
+              <a:t>y &lt;- 1:10</a:t>
+            </a:r>
+          </a:p>
+          <a:p>
+            <a:pPr marL="0" indent="0">
+              <a:buNone/>
+            </a:pPr>
+            <a:r>
+              <a:rPr lang="en-GB" dirty="0" err="1">
+                <a:latin typeface="Courier New" pitchFamily="49" charset="0"/>
+                <a:cs typeface="Courier New" pitchFamily="49" charset="0"/>
+              </a:rPr>
+              <a:t>typeof</a:t>
+            </a:r>
+            <a:r>
+              <a:rPr lang="en-GB" dirty="0">
+                <a:latin typeface="Courier New" pitchFamily="49" charset="0"/>
+                <a:cs typeface="Courier New" pitchFamily="49" charset="0"/>
+              </a:rPr>
+              <a:t>(y)</a:t>
+            </a:r>
+          </a:p>
+          <a:p>
+            <a:pPr marL="0" indent="0">
+              <a:buNone/>
+            </a:pPr>
+            <a:r>
+              <a:rPr lang="en-GB" dirty="0">
+                <a:latin typeface="Courier New" pitchFamily="49" charset="0"/>
+                <a:cs typeface="Courier New" pitchFamily="49" charset="0"/>
+              </a:rPr>
+              <a:t>length(y)</a:t>
+            </a:r>
+          </a:p>
+          <a:p>
+            <a:pPr marL="0" indent="0">
+              <a:buNone/>
+            </a:pPr>
+            <a:r>
+              <a:rPr lang="en-GB" dirty="0">
+                <a:latin typeface="Courier New" pitchFamily="49" charset="0"/>
+                <a:cs typeface="Courier New" pitchFamily="49" charset="0"/>
+              </a:rPr>
+              <a:t>attributes(y)</a:t>
+            </a:r>
+          </a:p>
+          <a:p>
+            <a:pPr marL="0" indent="0">
+              <a:buNone/>
+            </a:pPr>
+            <a:endParaRPr lang="en-GB" dirty="0">
+              <a:latin typeface="Courier New" pitchFamily="49" charset="0"/>
+              <a:cs typeface="Courier New" pitchFamily="49" charset="0"/>
+            </a:endParaRPr>
+          </a:p>
+          <a:p>
+            <a:pPr marL="0" indent="0">
+              <a:buNone/>
+            </a:pPr>
+            <a:r>
+              <a:rPr lang="en-GB" dirty="0">
+                <a:latin typeface="Courier New" pitchFamily="49" charset="0"/>
+                <a:cs typeface="Courier New" pitchFamily="49" charset="0"/>
+              </a:rPr>
+              <a:t>z &lt;- c(1L, 2L, 3L)</a:t>
+            </a:r>
+          </a:p>
+          <a:p>
+            <a:pPr marL="0" indent="0">
+              <a:buNone/>
+            </a:pPr>
+            <a:r>
+              <a:rPr lang="en-GB" dirty="0" err="1">
+                <a:latin typeface="Courier New" pitchFamily="49" charset="0"/>
+                <a:cs typeface="Courier New" pitchFamily="49" charset="0"/>
+              </a:rPr>
+              <a:t>typeof</a:t>
+            </a:r>
+            <a:r>
+              <a:rPr lang="en-GB" dirty="0">
+                <a:latin typeface="Courier New" pitchFamily="49" charset="0"/>
+                <a:cs typeface="Courier New" pitchFamily="49" charset="0"/>
+              </a:rPr>
+              <a:t>(z)</a:t>
+            </a:r>
           </a:p>
         </p:txBody>
       </p:sp>
@@ -5250,247 +5355,200 @@
       </p:grpSpPr>
       <p:sp>
         <p:nvSpPr>
-          <p:cNvPr id="3" name="Content Placeholder 2"/>
-          <p:cNvSpPr>
-            <a:spLocks noGrp="1"/>
-          </p:cNvSpPr>
-          <p:nvPr>
-            <p:ph idx="1"/>
-          </p:nvPr>
-        </p:nvSpPr>
-        <p:spPr>
-          <a:xfrm>
-            <a:off x="457200" y="476672"/>
-            <a:ext cx="8229600" cy="5649491"/>
-          </a:xfrm>
-        </p:spPr>
+          <p:cNvPr id="2" name="Title 1"/>
+          <p:cNvSpPr>
+            <a:spLocks noGrp="1"/>
+          </p:cNvSpPr>
+          <p:nvPr>
+            <p:ph type="title"/>
+          </p:nvPr>
+        </p:nvSpPr>
+        <p:spPr/>
         <p:txBody>
           <a:bodyPr>
-            <a:normAutofit fontScale="62500" lnSpcReduction="20000"/>
+            <a:normAutofit/>
           </a:bodyPr>
           <a:lstStyle/>
           <a:p>
-            <a:pPr marL="0" indent="0">
-              <a:buNone/>
-            </a:pPr>
+            <a:r>
+              <a:rPr lang="en-GB" b="1" dirty="0">
+                <a:cs typeface="Courier New" pitchFamily="49" charset="0"/>
+              </a:rPr>
+              <a:t>Useful functions</a:t>
+            </a:r>
+            <a:endParaRPr lang="en-GB" dirty="0"/>
+          </a:p>
+        </p:txBody>
+      </p:sp>
+      <p:sp>
+        <p:nvSpPr>
+          <p:cNvPr id="3" name="Content Placeholder 2"/>
+          <p:cNvSpPr>
+            <a:spLocks noGrp="1"/>
+          </p:cNvSpPr>
+          <p:nvPr>
+            <p:ph idx="1"/>
+          </p:nvPr>
+        </p:nvSpPr>
+        <p:spPr/>
+        <p:txBody>
+          <a:bodyPr>
+            <a:normAutofit fontScale="85000" lnSpcReduction="20000"/>
+          </a:bodyPr>
+          <a:lstStyle/>
+          <a:p>
+            <a:r>
+              <a:rPr lang="en-GB" dirty="0">
+                <a:latin typeface="Courier New" pitchFamily="49" charset="0"/>
+                <a:cs typeface="Courier New" pitchFamily="49" charset="0"/>
+              </a:rPr>
+              <a:t>head() - </a:t>
+            </a:r>
+            <a:r>
+              <a:rPr lang="en-GB" dirty="0">
+                <a:latin typeface="+mj-lt"/>
+                <a:cs typeface="Courier New" pitchFamily="49" charset="0"/>
+              </a:rPr>
+              <a:t>see first 6 rows</a:t>
+            </a:r>
+          </a:p>
+          <a:p>
+            <a:r>
+              <a:rPr lang="en-GB" dirty="0">
+                <a:latin typeface="Courier New" pitchFamily="49" charset="0"/>
+                <a:cs typeface="Courier New" pitchFamily="49" charset="0"/>
+              </a:rPr>
+              <a:t>tail() - </a:t>
+            </a:r>
+            <a:r>
+              <a:rPr lang="en-GB" dirty="0">
+                <a:latin typeface="+mj-lt"/>
+                <a:cs typeface="Courier New" pitchFamily="49" charset="0"/>
+              </a:rPr>
+              <a:t>see last 6 rows</a:t>
+            </a:r>
+          </a:p>
+          <a:p>
+            <a:r>
+              <a:rPr lang="en-GB" dirty="0">
+                <a:latin typeface="Courier New" pitchFamily="49" charset="0"/>
+                <a:cs typeface="Courier New" pitchFamily="49" charset="0"/>
+              </a:rPr>
+              <a:t>dim() - </a:t>
+            </a:r>
+            <a:r>
+              <a:rPr lang="en-GB" dirty="0">
+                <a:latin typeface="+mj-lt"/>
+                <a:cs typeface="Courier New" pitchFamily="49" charset="0"/>
+              </a:rPr>
+              <a:t>see dimensions</a:t>
+            </a:r>
+          </a:p>
+          <a:p>
             <a:r>
               <a:rPr lang="en-GB" dirty="0" err="1">
                 <a:latin typeface="Courier New" pitchFamily="49" charset="0"/>
                 <a:cs typeface="Courier New" pitchFamily="49" charset="0"/>
               </a:rPr>
-              <a:t>typeof</a:t>
+              <a:t>nrow</a:t>
             </a:r>
             <a:r>
               <a:rPr lang="en-GB" dirty="0">
                 <a:latin typeface="Courier New" pitchFamily="49" charset="0"/>
                 <a:cs typeface="Courier New" pitchFamily="49" charset="0"/>
               </a:rPr>
-              <a:t>()  # what is it?</a:t>
-            </a:r>
-          </a:p>
-          <a:p>
-            <a:pPr marL="0" indent="0">
-              <a:buNone/>
-            </a:pPr>
+              <a:t>() - </a:t>
+            </a:r>
             <a:r>
               <a:rPr lang="en-GB" dirty="0">
-                <a:latin typeface="Courier New" pitchFamily="49" charset="0"/>
-                <a:cs typeface="Courier New" pitchFamily="49" charset="0"/>
-              </a:rPr>
-              <a:t>length()  # how long is it? What about two dimensional objects?</a:t>
-            </a:r>
-          </a:p>
-          <a:p>
-            <a:pPr marL="0" indent="0">
-              <a:buNone/>
-            </a:pPr>
+                <a:latin typeface="+mj-lt"/>
+                <a:cs typeface="Courier New" pitchFamily="49" charset="0"/>
+              </a:rPr>
+              <a:t>number of rows</a:t>
+            </a:r>
+          </a:p>
+          <a:p>
+            <a:r>
+              <a:rPr lang="en-GB" dirty="0" err="1">
+                <a:latin typeface="Courier New" pitchFamily="49" charset="0"/>
+                <a:cs typeface="Courier New" pitchFamily="49" charset="0"/>
+              </a:rPr>
+              <a:t>ncol</a:t>
+            </a:r>
             <a:r>
               <a:rPr lang="en-GB" dirty="0">
                 <a:latin typeface="Courier New" pitchFamily="49" charset="0"/>
                 <a:cs typeface="Courier New" pitchFamily="49" charset="0"/>
               </a:rPr>
-              <a:t>attributes()  # does it have any metadata?</a:t>
-            </a:r>
-          </a:p>
-          <a:p>
-            <a:pPr marL="0" indent="0">
-              <a:buNone/>
-            </a:pPr>
-            <a:endParaRPr lang="en-GB" dirty="0">
-              <a:latin typeface="Courier New" pitchFamily="49" charset="0"/>
-              <a:cs typeface="Courier New" pitchFamily="49" charset="0"/>
-            </a:endParaRPr>
-          </a:p>
-          <a:p>
-            <a:pPr marL="0" indent="0">
-              <a:buNone/>
-            </a:pPr>
+              <a:t>() - </a:t>
+            </a:r>
             <a:r>
               <a:rPr lang="en-GB" dirty="0">
-                <a:solidFill>
-                  <a:srgbClr val="0070C0"/>
-                </a:solidFill>
-                <a:latin typeface="Courier New" pitchFamily="49" charset="0"/>
-                <a:cs typeface="Courier New" pitchFamily="49" charset="0"/>
-              </a:rPr>
-              <a:t># Example</a:t>
-            </a:r>
-          </a:p>
-          <a:p>
-            <a:pPr marL="0" indent="0">
-              <a:buNone/>
-            </a:pPr>
-            <a:endParaRPr lang="en-GB" dirty="0">
-              <a:latin typeface="Courier New" pitchFamily="49" charset="0"/>
-              <a:cs typeface="Courier New" pitchFamily="49" charset="0"/>
-            </a:endParaRPr>
-          </a:p>
-          <a:p>
-            <a:pPr marL="0" indent="0">
-              <a:buNone/>
-            </a:pPr>
+                <a:latin typeface="+mj-lt"/>
+                <a:cs typeface="Courier New" pitchFamily="49" charset="0"/>
+              </a:rPr>
+              <a:t>number of columns</a:t>
+            </a:r>
+          </a:p>
+          <a:p>
+            <a:r>
+              <a:rPr lang="en-GB" dirty="0" err="1">
+                <a:latin typeface="Courier New" pitchFamily="49" charset="0"/>
+                <a:cs typeface="Courier New" pitchFamily="49" charset="0"/>
+              </a:rPr>
+              <a:t>str</a:t>
+            </a:r>
             <a:r>
               <a:rPr lang="en-GB" dirty="0">
                 <a:latin typeface="Courier New" pitchFamily="49" charset="0"/>
                 <a:cs typeface="Courier New" pitchFamily="49" charset="0"/>
               </a:rPr>
-              <a:t>x &lt;- "dataset"</a:t>
-            </a:r>
-          </a:p>
-          <a:p>
-            <a:pPr marL="0" indent="0">
-              <a:buNone/>
-            </a:pPr>
-            <a:r>
-              <a:rPr lang="en-GB" dirty="0" err="1">
-                <a:latin typeface="Courier New" pitchFamily="49" charset="0"/>
-                <a:cs typeface="Courier New" pitchFamily="49" charset="0"/>
-              </a:rPr>
-              <a:t>typeof</a:t>
+              <a:t>() - </a:t>
             </a:r>
             <a:r>
               <a:rPr lang="en-GB" dirty="0">
-                <a:latin typeface="Courier New" pitchFamily="49" charset="0"/>
-                <a:cs typeface="Courier New" pitchFamily="49" charset="0"/>
-              </a:rPr>
-              <a:t>(x)</a:t>
-            </a:r>
-          </a:p>
-          <a:p>
-            <a:pPr marL="0" indent="0">
-              <a:buNone/>
-            </a:pPr>
+                <a:latin typeface="+mj-lt"/>
+                <a:cs typeface="Courier New" pitchFamily="49" charset="0"/>
+              </a:rPr>
+              <a:t>structure of each column</a:t>
+            </a:r>
+          </a:p>
+          <a:p>
             <a:r>
               <a:rPr lang="en-GB" dirty="0">
                 <a:latin typeface="Courier New" pitchFamily="49" charset="0"/>
                 <a:cs typeface="Courier New" pitchFamily="49" charset="0"/>
               </a:rPr>
-              <a:t>attributes(x)</a:t>
-            </a:r>
-          </a:p>
-          <a:p>
-            <a:pPr marL="0" indent="0">
-              <a:buNone/>
-            </a:pPr>
-            <a:endParaRPr lang="en-GB" dirty="0">
-              <a:latin typeface="Courier New" pitchFamily="49" charset="0"/>
-              <a:cs typeface="Courier New" pitchFamily="49" charset="0"/>
-            </a:endParaRPr>
-          </a:p>
-          <a:p>
-            <a:pPr marL="0" indent="0">
-              <a:buNone/>
-            </a:pPr>
+              <a:t>names() - </a:t>
+            </a:r>
             <a:r>
               <a:rPr lang="en-GB" dirty="0">
-                <a:latin typeface="Courier New" pitchFamily="49" charset="0"/>
-                <a:cs typeface="Courier New" pitchFamily="49" charset="0"/>
-              </a:rPr>
-              <a:t>y &lt;- 1:10</a:t>
-            </a:r>
-          </a:p>
-          <a:p>
-            <a:pPr marL="0" indent="0">
-              <a:buNone/>
-            </a:pPr>
-            <a:r>
-              <a:rPr lang="en-GB" dirty="0" err="1">
-                <a:latin typeface="Courier New" pitchFamily="49" charset="0"/>
-                <a:cs typeface="Courier New" pitchFamily="49" charset="0"/>
-              </a:rPr>
-              <a:t>typeof</a:t>
-            </a:r>
+                <a:latin typeface="+mj-lt"/>
+                <a:cs typeface="Courier New" pitchFamily="49" charset="0"/>
+              </a:rPr>
+              <a:t>will list the names attribute for a data frame (or any object really), which gives the column names.</a:t>
+            </a:r>
+          </a:p>
+          <a:p>
             <a:r>
               <a:rPr lang="en-GB" dirty="0">
                 <a:latin typeface="Courier New" pitchFamily="49" charset="0"/>
                 <a:cs typeface="Courier New" pitchFamily="49" charset="0"/>
               </a:rPr>
-              <a:t>(y)</a:t>
-            </a:r>
-          </a:p>
-          <a:p>
-            <a:pPr marL="0" indent="0">
-              <a:buNone/>
-            </a:pPr>
+              <a:t>table()</a:t>
+            </a:r>
+          </a:p>
+          <a:p>
             <a:r>
               <a:rPr lang="en-GB" dirty="0">
                 <a:latin typeface="Courier New" pitchFamily="49" charset="0"/>
                 <a:cs typeface="Courier New" pitchFamily="49" charset="0"/>
               </a:rPr>
-              <a:t>length(y)</a:t>
-            </a:r>
-          </a:p>
-          <a:p>
-            <a:pPr marL="0" indent="0">
-              <a:buNone/>
-            </a:pPr>
-            <a:r>
-              <a:rPr lang="en-GB" dirty="0">
-                <a:latin typeface="Courier New" pitchFamily="49" charset="0"/>
-                <a:cs typeface="Courier New" pitchFamily="49" charset="0"/>
-              </a:rPr>
-              <a:t>attributes(y)</a:t>
-            </a:r>
-          </a:p>
-          <a:p>
-            <a:pPr marL="0" indent="0">
-              <a:buNone/>
-            </a:pPr>
-            <a:endParaRPr lang="en-GB" dirty="0">
-              <a:latin typeface="Courier New" pitchFamily="49" charset="0"/>
-              <a:cs typeface="Courier New" pitchFamily="49" charset="0"/>
-            </a:endParaRPr>
-          </a:p>
-          <a:p>
-            <a:pPr marL="0" indent="0">
-              <a:buNone/>
-            </a:pPr>
-            <a:r>
-              <a:rPr lang="en-GB" dirty="0">
-                <a:latin typeface="Courier New" pitchFamily="49" charset="0"/>
-                <a:cs typeface="Courier New" pitchFamily="49" charset="0"/>
-              </a:rPr>
-              <a:t>z &lt;- c(1L, 2L, 3L)</a:t>
-            </a:r>
-          </a:p>
-          <a:p>
-            <a:pPr marL="0" indent="0">
-              <a:buNone/>
-            </a:pPr>
-            <a:r>
-              <a:rPr lang="en-GB" dirty="0" err="1">
-                <a:latin typeface="Courier New" pitchFamily="49" charset="0"/>
-                <a:cs typeface="Courier New" pitchFamily="49" charset="0"/>
-              </a:rPr>
-              <a:t>typeof</a:t>
-            </a:r>
-            <a:r>
-              <a:rPr lang="en-GB" dirty="0">
-                <a:latin typeface="Courier New" pitchFamily="49" charset="0"/>
-                <a:cs typeface="Courier New" pitchFamily="49" charset="0"/>
-              </a:rPr>
-              <a:t>(z)</a:t>
-            </a:r>
+              <a:t>unique(); duplicated()</a:t>
+            </a:r>
+          </a:p>
+          <a:p>
+            <a:endParaRPr lang="en-GB" dirty="0"/>
           </a:p>
         </p:txBody>
       </p:sp>
@@ -5503,6 +5561,77 @@
 </file>
 
 <file path=ppt/slides/slide15.xml><?xml version="1.0" encoding="utf-8"?>
+<p:sld xmlns:a="http://schemas.openxmlformats.org/drawingml/2006/main" xmlns:r="http://schemas.openxmlformats.org/officeDocument/2006/relationships" xmlns:p="http://schemas.openxmlformats.org/presentationml/2006/main" show="0">
+  <p:cSld>
+    <p:spTree>
+      <p:nvGrpSpPr>
+        <p:cNvPr id="1" name=""/>
+        <p:cNvGrpSpPr/>
+        <p:nvPr/>
+      </p:nvGrpSpPr>
+      <p:grpSpPr>
+        <a:xfrm>
+          <a:off x="0" y="0"/>
+          <a:ext cx="0" cy="0"/>
+          <a:chOff x="0" y="0"/>
+          <a:chExt cx="0" cy="0"/>
+        </a:xfrm>
+      </p:grpSpPr>
+      <p:sp>
+        <p:nvSpPr>
+          <p:cNvPr id="2" name="Title 1"/>
+          <p:cNvSpPr>
+            <a:spLocks noGrp="1"/>
+          </p:cNvSpPr>
+          <p:nvPr>
+            <p:ph type="title"/>
+          </p:nvPr>
+        </p:nvSpPr>
+        <p:spPr/>
+        <p:txBody>
+          <a:bodyPr/>
+          <a:lstStyle/>
+          <a:p>
+            <a:r>
+              <a:rPr lang="en-GB" dirty="0"/>
+              <a:t>Dates</a:t>
+            </a:r>
+          </a:p>
+        </p:txBody>
+      </p:sp>
+      <p:sp>
+        <p:nvSpPr>
+          <p:cNvPr id="3" name="Content Placeholder 2"/>
+          <p:cNvSpPr>
+            <a:spLocks noGrp="1"/>
+          </p:cNvSpPr>
+          <p:nvPr>
+            <p:ph idx="1"/>
+          </p:nvPr>
+        </p:nvSpPr>
+        <p:spPr/>
+        <p:txBody>
+          <a:bodyPr/>
+          <a:lstStyle/>
+          <a:p>
+            <a:endParaRPr lang="en-GB"/>
+          </a:p>
+        </p:txBody>
+      </p:sp>
+    </p:spTree>
+    <p:extLst>
+      <p:ext uri="{BB962C8B-B14F-4D97-AF65-F5344CB8AC3E}">
+        <p14:creationId xmlns:p14="http://schemas.microsoft.com/office/powerpoint/2010/main" val="1111830712"/>
+      </p:ext>
+    </p:extLst>
+  </p:cSld>
+  <p:clrMapOvr>
+    <a:masterClrMapping/>
+  </p:clrMapOvr>
+</p:sld>
+</file>
+
+<file path=ppt/slides/slide16.xml><?xml version="1.0" encoding="utf-8"?>
 <p:sld xmlns:a="http://schemas.openxmlformats.org/drawingml/2006/main" xmlns:r="http://schemas.openxmlformats.org/officeDocument/2006/relationships" xmlns:p="http://schemas.openxmlformats.org/presentationml/2006/main">
   <p:cSld>
     <p:spTree>
@@ -5531,265 +5660,246 @@
         </p:nvSpPr>
         <p:spPr/>
         <p:txBody>
+          <a:bodyPr/>
+          <a:lstStyle/>
+          <a:p>
+            <a:r>
+              <a:rPr lang="en-GB" dirty="0"/>
+              <a:t>String normalisation</a:t>
+            </a:r>
+          </a:p>
+        </p:txBody>
+      </p:sp>
+      <p:sp>
+        <p:nvSpPr>
+          <p:cNvPr id="3" name="Content Placeholder 2"/>
+          <p:cNvSpPr>
+            <a:spLocks noGrp="1"/>
+          </p:cNvSpPr>
+          <p:nvPr>
+            <p:ph idx="1"/>
+          </p:nvPr>
+        </p:nvSpPr>
+        <p:spPr/>
+        <p:txBody>
           <a:bodyPr>
             <a:normAutofit/>
           </a:bodyPr>
           <a:lstStyle/>
           <a:p>
-            <a:r>
-              <a:rPr lang="en-GB" b="1" dirty="0">
-                <a:cs typeface="Courier New" pitchFamily="49" charset="0"/>
-              </a:rPr>
-              <a:t>Useful functions</a:t>
-            </a:r>
-            <a:endParaRPr lang="en-GB" dirty="0"/>
-          </a:p>
-        </p:txBody>
-      </p:sp>
-      <p:sp>
-        <p:nvSpPr>
-          <p:cNvPr id="3" name="Content Placeholder 2"/>
-          <p:cNvSpPr>
-            <a:spLocks noGrp="1"/>
-          </p:cNvSpPr>
-          <p:nvPr>
-            <p:ph idx="1"/>
-          </p:nvPr>
-        </p:nvSpPr>
-        <p:spPr/>
-        <p:txBody>
-          <a:bodyPr>
-            <a:normAutofit fontScale="85000" lnSpcReduction="20000"/>
-          </a:bodyPr>
-          <a:lstStyle/>
-          <a:p>
-            <a:r>
-              <a:rPr lang="en-GB" dirty="0">
-                <a:latin typeface="Courier New" pitchFamily="49" charset="0"/>
-                <a:cs typeface="Courier New" pitchFamily="49" charset="0"/>
-              </a:rPr>
-              <a:t>head() - </a:t>
-            </a:r>
-            <a:r>
-              <a:rPr lang="en-GB" dirty="0">
-                <a:latin typeface="+mj-lt"/>
-                <a:cs typeface="Courier New" pitchFamily="49" charset="0"/>
-              </a:rPr>
-              <a:t>see first 6 rows</a:t>
-            </a:r>
-          </a:p>
-          <a:p>
-            <a:r>
-              <a:rPr lang="en-GB" dirty="0">
-                <a:latin typeface="Courier New" pitchFamily="49" charset="0"/>
-                <a:cs typeface="Courier New" pitchFamily="49" charset="0"/>
-              </a:rPr>
-              <a:t>tail() - </a:t>
-            </a:r>
-            <a:r>
-              <a:rPr lang="en-GB" dirty="0">
-                <a:latin typeface="+mj-lt"/>
-                <a:cs typeface="Courier New" pitchFamily="49" charset="0"/>
-              </a:rPr>
-              <a:t>see last 6 rows</a:t>
-            </a:r>
-          </a:p>
-          <a:p>
-            <a:r>
-              <a:rPr lang="en-GB" dirty="0">
-                <a:latin typeface="Courier New" pitchFamily="49" charset="0"/>
-                <a:cs typeface="Courier New" pitchFamily="49" charset="0"/>
-              </a:rPr>
-              <a:t>dim() - </a:t>
-            </a:r>
-            <a:r>
-              <a:rPr lang="en-GB" dirty="0">
-                <a:latin typeface="+mj-lt"/>
-                <a:cs typeface="Courier New" pitchFamily="49" charset="0"/>
-              </a:rPr>
-              <a:t>see dimensions</a:t>
-            </a:r>
-          </a:p>
-          <a:p>
-            <a:r>
-              <a:rPr lang="en-GB" dirty="0" err="1">
-                <a:latin typeface="Courier New" pitchFamily="49" charset="0"/>
-                <a:cs typeface="Courier New" pitchFamily="49" charset="0"/>
-              </a:rPr>
-              <a:t>nrow</a:t>
-            </a:r>
-            <a:r>
-              <a:rPr lang="en-GB" dirty="0">
-                <a:latin typeface="Courier New" pitchFamily="49" charset="0"/>
-                <a:cs typeface="Courier New" pitchFamily="49" charset="0"/>
-              </a:rPr>
-              <a:t>() - </a:t>
-            </a:r>
-            <a:r>
-              <a:rPr lang="en-GB" dirty="0">
-                <a:latin typeface="+mj-lt"/>
-                <a:cs typeface="Courier New" pitchFamily="49" charset="0"/>
-              </a:rPr>
-              <a:t>number of rows</a:t>
-            </a:r>
-          </a:p>
-          <a:p>
-            <a:r>
-              <a:rPr lang="en-GB" dirty="0" err="1">
-                <a:latin typeface="Courier New" pitchFamily="49" charset="0"/>
-                <a:cs typeface="Courier New" pitchFamily="49" charset="0"/>
-              </a:rPr>
-              <a:t>ncol</a:t>
-            </a:r>
-            <a:r>
-              <a:rPr lang="en-GB" dirty="0">
-                <a:latin typeface="Courier New" pitchFamily="49" charset="0"/>
-                <a:cs typeface="Courier New" pitchFamily="49" charset="0"/>
-              </a:rPr>
-              <a:t>() - </a:t>
-            </a:r>
-            <a:r>
-              <a:rPr lang="en-GB" dirty="0">
-                <a:latin typeface="+mj-lt"/>
-                <a:cs typeface="Courier New" pitchFamily="49" charset="0"/>
-              </a:rPr>
-              <a:t>number of columns</a:t>
-            </a:r>
-          </a:p>
-          <a:p>
-            <a:r>
-              <a:rPr lang="en-GB" dirty="0" err="1">
-                <a:latin typeface="Courier New" pitchFamily="49" charset="0"/>
-                <a:cs typeface="Courier New" pitchFamily="49" charset="0"/>
-              </a:rPr>
-              <a:t>str</a:t>
-            </a:r>
-            <a:r>
-              <a:rPr lang="en-GB" dirty="0">
-                <a:latin typeface="Courier New" pitchFamily="49" charset="0"/>
-                <a:cs typeface="Courier New" pitchFamily="49" charset="0"/>
-              </a:rPr>
-              <a:t>() - </a:t>
-            </a:r>
-            <a:r>
-              <a:rPr lang="en-GB" dirty="0">
-                <a:latin typeface="+mj-lt"/>
-                <a:cs typeface="Courier New" pitchFamily="49" charset="0"/>
-              </a:rPr>
-              <a:t>structure of each column</a:t>
-            </a:r>
-          </a:p>
-          <a:p>
-            <a:r>
-              <a:rPr lang="en-GB" dirty="0">
-                <a:latin typeface="Courier New" pitchFamily="49" charset="0"/>
-                <a:cs typeface="Courier New" pitchFamily="49" charset="0"/>
-              </a:rPr>
-              <a:t>names() - </a:t>
-            </a:r>
-            <a:r>
-              <a:rPr lang="en-GB" dirty="0">
-                <a:latin typeface="+mj-lt"/>
-                <a:cs typeface="Courier New" pitchFamily="49" charset="0"/>
-              </a:rPr>
-              <a:t>will list the names attribute for a data frame (or any object really), which gives the column names.</a:t>
-            </a:r>
-          </a:p>
-          <a:p>
-            <a:r>
-              <a:rPr lang="en-GB" dirty="0">
-                <a:latin typeface="Courier New" pitchFamily="49" charset="0"/>
-                <a:cs typeface="Courier New" pitchFamily="49" charset="0"/>
-              </a:rPr>
-              <a:t>table()</a:t>
-            </a:r>
-          </a:p>
-          <a:p>
-            <a:r>
-              <a:rPr lang="en-GB" dirty="0">
-                <a:latin typeface="Courier New" pitchFamily="49" charset="0"/>
-                <a:cs typeface="Courier New" pitchFamily="49" charset="0"/>
-              </a:rPr>
-              <a:t>unique(); duplicated()</a:t>
-            </a:r>
-          </a:p>
-          <a:p>
-            <a:endParaRPr lang="en-GB" dirty="0"/>
+            <a:pPr marL="0" indent="0">
+              <a:buNone/>
+            </a:pPr>
+            <a:r>
+              <a:rPr lang="en-GB" sz="2000" dirty="0">
+                <a:latin typeface="Courier New" pitchFamily="49" charset="0"/>
+                <a:cs typeface="Courier New" pitchFamily="49" charset="0"/>
+              </a:rPr>
+              <a:t>library(</a:t>
+            </a:r>
+            <a:r>
+              <a:rPr lang="en-GB" sz="2000" dirty="0" err="1">
+                <a:latin typeface="Courier New" pitchFamily="49" charset="0"/>
+                <a:cs typeface="Courier New" pitchFamily="49" charset="0"/>
+              </a:rPr>
+              <a:t>stringr</a:t>
+            </a:r>
+            <a:r>
+              <a:rPr lang="en-GB" sz="2000" dirty="0">
+                <a:latin typeface="Courier New" pitchFamily="49" charset="0"/>
+                <a:cs typeface="Courier New" pitchFamily="49" charset="0"/>
+              </a:rPr>
+              <a:t>)</a:t>
+            </a:r>
+          </a:p>
+          <a:p>
+            <a:pPr marL="0" indent="0">
+              <a:buNone/>
+            </a:pPr>
+            <a:r>
+              <a:rPr lang="en-GB" sz="2000" dirty="0" err="1">
+                <a:latin typeface="Courier New" pitchFamily="49" charset="0"/>
+                <a:cs typeface="Courier New" pitchFamily="49" charset="0"/>
+              </a:rPr>
+              <a:t>str_trim</a:t>
+            </a:r>
+            <a:r>
+              <a:rPr lang="en-GB" sz="2000" dirty="0">
+                <a:latin typeface="Courier New" pitchFamily="49" charset="0"/>
+                <a:cs typeface="Courier New" pitchFamily="49" charset="0"/>
+              </a:rPr>
+              <a:t>(" hello world ")</a:t>
+            </a:r>
+          </a:p>
+          <a:p>
+            <a:pPr marL="0" indent="0">
+              <a:buNone/>
+            </a:pPr>
+            <a:r>
+              <a:rPr lang="en-GB" sz="2000" dirty="0">
+                <a:solidFill>
+                  <a:srgbClr val="0070C0"/>
+                </a:solidFill>
+                <a:latin typeface="Courier New" pitchFamily="49" charset="0"/>
+                <a:cs typeface="Courier New" pitchFamily="49" charset="0"/>
+              </a:rPr>
+              <a:t>## [1] "hello world"</a:t>
+            </a:r>
+          </a:p>
+          <a:p>
+            <a:pPr marL="0" indent="0">
+              <a:buNone/>
+            </a:pPr>
+            <a:r>
+              <a:rPr lang="en-GB" sz="2000" dirty="0" err="1">
+                <a:latin typeface="Courier New" pitchFamily="49" charset="0"/>
+                <a:cs typeface="Courier New" pitchFamily="49" charset="0"/>
+              </a:rPr>
+              <a:t>str_trim</a:t>
+            </a:r>
+            <a:r>
+              <a:rPr lang="en-GB" sz="2000" dirty="0">
+                <a:latin typeface="Courier New" pitchFamily="49" charset="0"/>
+                <a:cs typeface="Courier New" pitchFamily="49" charset="0"/>
+              </a:rPr>
+              <a:t>(" hello world ", side = "left")</a:t>
+            </a:r>
+          </a:p>
+          <a:p>
+            <a:pPr marL="0" indent="0">
+              <a:buNone/>
+            </a:pPr>
+            <a:r>
+              <a:rPr lang="en-GB" sz="2000" dirty="0">
+                <a:solidFill>
+                  <a:srgbClr val="0070C0"/>
+                </a:solidFill>
+                <a:latin typeface="Courier New" pitchFamily="49" charset="0"/>
+                <a:cs typeface="Courier New" pitchFamily="49" charset="0"/>
+              </a:rPr>
+              <a:t>## [1] "hello world "</a:t>
+            </a:r>
+          </a:p>
+          <a:p>
+            <a:pPr marL="0" indent="0">
+              <a:buNone/>
+            </a:pPr>
+            <a:r>
+              <a:rPr lang="en-GB" sz="2000" dirty="0" err="1">
+                <a:latin typeface="Courier New" pitchFamily="49" charset="0"/>
+                <a:cs typeface="Courier New" pitchFamily="49" charset="0"/>
+              </a:rPr>
+              <a:t>str_trim</a:t>
+            </a:r>
+            <a:r>
+              <a:rPr lang="en-GB" sz="2000" dirty="0">
+                <a:latin typeface="Courier New" pitchFamily="49" charset="0"/>
+                <a:cs typeface="Courier New" pitchFamily="49" charset="0"/>
+              </a:rPr>
+              <a:t>(" hello world ", side = "right")</a:t>
+            </a:r>
+          </a:p>
+          <a:p>
+            <a:pPr marL="0" indent="0">
+              <a:buNone/>
+            </a:pPr>
+            <a:r>
+              <a:rPr lang="en-GB" sz="2000" dirty="0">
+                <a:solidFill>
+                  <a:srgbClr val="0070C0"/>
+                </a:solidFill>
+                <a:latin typeface="Courier New" pitchFamily="49" charset="0"/>
+                <a:cs typeface="Courier New" pitchFamily="49" charset="0"/>
+              </a:rPr>
+              <a:t>## [1] " hello world“</a:t>
+            </a:r>
+          </a:p>
+          <a:p>
+            <a:pPr marL="0" indent="0">
+              <a:buNone/>
+            </a:pPr>
+            <a:endParaRPr lang="en-GB" sz="2000" dirty="0">
+              <a:latin typeface="Courier New" pitchFamily="49" charset="0"/>
+              <a:cs typeface="Courier New" pitchFamily="49" charset="0"/>
+            </a:endParaRPr>
+          </a:p>
+          <a:p>
+            <a:pPr marL="0" indent="0">
+              <a:buNone/>
+            </a:pPr>
+            <a:r>
+              <a:rPr lang="en-GB" sz="2000" dirty="0" err="1">
+                <a:latin typeface="Courier New" pitchFamily="49" charset="0"/>
+                <a:cs typeface="Courier New" pitchFamily="49" charset="0"/>
+              </a:rPr>
+              <a:t>toupper</a:t>
+            </a:r>
+            <a:r>
+              <a:rPr lang="en-GB" sz="2000" dirty="0">
+                <a:latin typeface="Courier New" pitchFamily="49" charset="0"/>
+                <a:cs typeface="Courier New" pitchFamily="49" charset="0"/>
+              </a:rPr>
+              <a:t>("Hello world")</a:t>
+            </a:r>
+          </a:p>
+          <a:p>
+            <a:pPr marL="0" indent="0">
+              <a:buNone/>
+            </a:pPr>
+            <a:r>
+              <a:rPr lang="en-GB" sz="2000" dirty="0">
+                <a:solidFill>
+                  <a:srgbClr val="0070C0"/>
+                </a:solidFill>
+                <a:latin typeface="Courier New" pitchFamily="49" charset="0"/>
+                <a:cs typeface="Courier New" pitchFamily="49" charset="0"/>
+              </a:rPr>
+              <a:t>## [1] "HELLO WORLD"</a:t>
+            </a:r>
+          </a:p>
+          <a:p>
+            <a:pPr marL="0" indent="0">
+              <a:buNone/>
+            </a:pPr>
+            <a:r>
+              <a:rPr lang="en-GB" sz="2000" dirty="0" err="1">
+                <a:latin typeface="Courier New" pitchFamily="49" charset="0"/>
+                <a:cs typeface="Courier New" pitchFamily="49" charset="0"/>
+              </a:rPr>
+              <a:t>tolower</a:t>
+            </a:r>
+            <a:r>
+              <a:rPr lang="en-GB" sz="2000" dirty="0">
+                <a:latin typeface="Courier New" pitchFamily="49" charset="0"/>
+                <a:cs typeface="Courier New" pitchFamily="49" charset="0"/>
+              </a:rPr>
+              <a:t>("Hello World")</a:t>
+            </a:r>
+          </a:p>
+          <a:p>
+            <a:pPr marL="0" indent="0">
+              <a:buNone/>
+            </a:pPr>
+            <a:r>
+              <a:rPr lang="en-GB" sz="2000" dirty="0">
+                <a:solidFill>
+                  <a:srgbClr val="0070C0"/>
+                </a:solidFill>
+                <a:latin typeface="Courier New" pitchFamily="49" charset="0"/>
+                <a:cs typeface="Courier New" pitchFamily="49" charset="0"/>
+              </a:rPr>
+              <a:t>## [1] "hello world"</a:t>
+            </a:r>
+          </a:p>
+          <a:p>
+            <a:endParaRPr lang="en-GB" sz="2000" dirty="0">
+              <a:latin typeface="Courier New" pitchFamily="49" charset="0"/>
+              <a:cs typeface="Courier New" pitchFamily="49" charset="0"/>
+            </a:endParaRPr>
           </a:p>
         </p:txBody>
       </p:sp>
     </p:spTree>
-  </p:cSld>
-  <p:clrMapOvr>
-    <a:masterClrMapping/>
-  </p:clrMapOvr>
-</p:sld>
-</file>
-
-<file path=ppt/slides/slide16.xml><?xml version="1.0" encoding="utf-8"?>
-<p:sld xmlns:a="http://schemas.openxmlformats.org/drawingml/2006/main" xmlns:r="http://schemas.openxmlformats.org/officeDocument/2006/relationships" xmlns:p="http://schemas.openxmlformats.org/presentationml/2006/main" show="0">
-  <p:cSld>
-    <p:spTree>
-      <p:nvGrpSpPr>
-        <p:cNvPr id="1" name=""/>
-        <p:cNvGrpSpPr/>
-        <p:nvPr/>
-      </p:nvGrpSpPr>
-      <p:grpSpPr>
-        <a:xfrm>
-          <a:off x="0" y="0"/>
-          <a:ext cx="0" cy="0"/>
-          <a:chOff x="0" y="0"/>
-          <a:chExt cx="0" cy="0"/>
-        </a:xfrm>
-      </p:grpSpPr>
-      <p:sp>
-        <p:nvSpPr>
-          <p:cNvPr id="2" name="Title 1"/>
-          <p:cNvSpPr>
-            <a:spLocks noGrp="1"/>
-          </p:cNvSpPr>
-          <p:nvPr>
-            <p:ph type="title"/>
-          </p:nvPr>
-        </p:nvSpPr>
-        <p:spPr/>
-        <p:txBody>
-          <a:bodyPr/>
-          <a:lstStyle/>
-          <a:p>
-            <a:r>
-              <a:rPr lang="en-GB" dirty="0"/>
-              <a:t>Dates</a:t>
-            </a:r>
-          </a:p>
-        </p:txBody>
-      </p:sp>
-      <p:sp>
-        <p:nvSpPr>
-          <p:cNvPr id="3" name="Content Placeholder 2"/>
-          <p:cNvSpPr>
-            <a:spLocks noGrp="1"/>
-          </p:cNvSpPr>
-          <p:nvPr>
-            <p:ph idx="1"/>
-          </p:nvPr>
-        </p:nvSpPr>
-        <p:spPr/>
-        <p:txBody>
-          <a:bodyPr/>
-          <a:lstStyle/>
-          <a:p>
-            <a:endParaRPr lang="en-GB"/>
-          </a:p>
-        </p:txBody>
-      </p:sp>
-    </p:spTree>
-    <p:extLst>
-      <p:ext uri="{BB962C8B-B14F-4D97-AF65-F5344CB8AC3E}">
-        <p14:creationId xmlns:p14="http://schemas.microsoft.com/office/powerpoint/2010/main" val="1111830712"/>
-      </p:ext>
-    </p:extLst>
   </p:cSld>
   <p:clrMapOvr>
     <a:masterClrMapping/>
@@ -5826,56 +5936,44 @@
         </p:nvSpPr>
         <p:spPr/>
         <p:txBody>
-          <a:bodyPr/>
-          <a:lstStyle/>
-          <a:p>
-            <a:r>
-              <a:rPr lang="en-GB" dirty="0"/>
-              <a:t>String normalisation</a:t>
-            </a:r>
-          </a:p>
-        </p:txBody>
-      </p:sp>
-      <p:sp>
-        <p:nvSpPr>
-          <p:cNvPr id="3" name="Content Placeholder 2"/>
-          <p:cNvSpPr>
-            <a:spLocks noGrp="1"/>
-          </p:cNvSpPr>
-          <p:nvPr>
-            <p:ph idx="1"/>
-          </p:nvPr>
-        </p:nvSpPr>
-        <p:spPr/>
-        <p:txBody>
           <a:bodyPr>
-            <a:normAutofit/>
+            <a:normAutofit fontScale="90000"/>
           </a:bodyPr>
           <a:lstStyle/>
           <a:p>
+            <a:r>
+              <a:rPr lang="en-GB" dirty="0"/>
+              <a:t>String matching (regular expressions)</a:t>
+            </a:r>
+          </a:p>
+        </p:txBody>
+      </p:sp>
+      <p:sp>
+        <p:nvSpPr>
+          <p:cNvPr id="3" name="Content Placeholder 2"/>
+          <p:cNvSpPr>
+            <a:spLocks noGrp="1"/>
+          </p:cNvSpPr>
+          <p:nvPr>
+            <p:ph idx="1"/>
+          </p:nvPr>
+        </p:nvSpPr>
+        <p:spPr/>
+        <p:txBody>
+          <a:bodyPr>
+            <a:normAutofit fontScale="77500" lnSpcReduction="20000"/>
+          </a:bodyPr>
+          <a:lstStyle/>
+          <a:p>
             <a:pPr marL="0" indent="0">
               <a:buNone/>
             </a:pPr>
             <a:r>
-              <a:rPr lang="en-GB" sz="2000" dirty="0">
-                <a:latin typeface="Courier New" pitchFamily="49" charset="0"/>
-                <a:cs typeface="Courier New" pitchFamily="49" charset="0"/>
-              </a:rPr>
-              <a:t>library(</a:t>
-            </a:r>
-            <a:r>
-              <a:rPr lang="en-GB" sz="2000" dirty="0" err="1">
-                <a:latin typeface="Courier New" pitchFamily="49" charset="0"/>
-                <a:cs typeface="Courier New" pitchFamily="49" charset="0"/>
-              </a:rPr>
-              <a:t>stringr</a:t>
-            </a:r>
-            <a:r>
-              <a:rPr lang="en-GB" sz="2000" dirty="0">
-                <a:latin typeface="Courier New" pitchFamily="49" charset="0"/>
-                <a:cs typeface="Courier New" pitchFamily="49" charset="0"/>
-              </a:rPr>
-              <a:t>)</a:t>
+              <a:rPr lang="en-GB" dirty="0">
+                <a:latin typeface="Courier New" pitchFamily="49" charset="0"/>
+                <a:cs typeface="Courier New" pitchFamily="49" charset="0"/>
+              </a:rPr>
+              <a:t>gender &lt;- c("M", "male ", "Female", "fem.")</a:t>
             </a:r>
           </a:p>
           <a:p>
@@ -5883,18 +5981,18 @@
               <a:buNone/>
             </a:pPr>
             <a:r>
-              <a:rPr lang="en-GB" sz="2000" dirty="0" err="1">
-                <a:latin typeface="Courier New" pitchFamily="49" charset="0"/>
-                <a:cs typeface="Courier New" pitchFamily="49" charset="0"/>
-              </a:rPr>
-              <a:t>str_trim</a:t>
-            </a:r>
-            <a:r>
-              <a:rPr lang="en-GB" sz="2000" dirty="0">
-                <a:latin typeface="Courier New" pitchFamily="49" charset="0"/>
-                <a:cs typeface="Courier New" pitchFamily="49" charset="0"/>
-              </a:rPr>
-              <a:t>(" hello world ")</a:t>
+              <a:rPr lang="en-GB" dirty="0" err="1">
+                <a:latin typeface="Courier New" pitchFamily="49" charset="0"/>
+                <a:cs typeface="Courier New" pitchFamily="49" charset="0"/>
+              </a:rPr>
+              <a:t>grepl</a:t>
+            </a:r>
+            <a:r>
+              <a:rPr lang="en-GB" dirty="0">
+                <a:latin typeface="Courier New" pitchFamily="49" charset="0"/>
+                <a:cs typeface="Courier New" pitchFamily="49" charset="0"/>
+              </a:rPr>
+              <a:t>("m", gender)</a:t>
             </a:r>
           </a:p>
           <a:p>
@@ -5902,89 +6000,49 @@
               <a:buNone/>
             </a:pPr>
             <a:r>
-              <a:rPr lang="en-GB" sz="2000" dirty="0">
+              <a:rPr lang="en-GB" dirty="0">
                 <a:solidFill>
                   <a:srgbClr val="0070C0"/>
                 </a:solidFill>
                 <a:latin typeface="Courier New" pitchFamily="49" charset="0"/>
                 <a:cs typeface="Courier New" pitchFamily="49" charset="0"/>
               </a:rPr>
-              <a:t>## [1] "hello world"</a:t>
-            </a:r>
-          </a:p>
-          <a:p>
-            <a:pPr marL="0" indent="0">
-              <a:buNone/>
-            </a:pPr>
-            <a:r>
-              <a:rPr lang="en-GB" sz="2000" dirty="0" err="1">
-                <a:latin typeface="Courier New" pitchFamily="49" charset="0"/>
-                <a:cs typeface="Courier New" pitchFamily="49" charset="0"/>
-              </a:rPr>
-              <a:t>str_trim</a:t>
-            </a:r>
-            <a:r>
-              <a:rPr lang="en-GB" sz="2000" dirty="0">
-                <a:latin typeface="Courier New" pitchFamily="49" charset="0"/>
-                <a:cs typeface="Courier New" pitchFamily="49" charset="0"/>
-              </a:rPr>
-              <a:t>(" hello world ", side = "left")</a:t>
-            </a:r>
-          </a:p>
-          <a:p>
-            <a:pPr marL="0" indent="0">
-              <a:buNone/>
-            </a:pPr>
-            <a:r>
-              <a:rPr lang="en-GB" sz="2000" dirty="0">
+              <a:t>## [1] FALSE TRUE </a:t>
+            </a:r>
+            <a:r>
+              <a:rPr lang="en-GB" dirty="0" err="1">
                 <a:solidFill>
                   <a:srgbClr val="0070C0"/>
                 </a:solidFill>
                 <a:latin typeface="Courier New" pitchFamily="49" charset="0"/>
                 <a:cs typeface="Courier New" pitchFamily="49" charset="0"/>
               </a:rPr>
-              <a:t>## [1] "hello world "</a:t>
-            </a:r>
-          </a:p>
-          <a:p>
-            <a:pPr marL="0" indent="0">
-              <a:buNone/>
-            </a:pPr>
-            <a:r>
-              <a:rPr lang="en-GB" sz="2000" dirty="0" err="1">
-                <a:latin typeface="Courier New" pitchFamily="49" charset="0"/>
-                <a:cs typeface="Courier New" pitchFamily="49" charset="0"/>
-              </a:rPr>
-              <a:t>str_trim</a:t>
-            </a:r>
-            <a:r>
-              <a:rPr lang="en-GB" sz="2000" dirty="0">
-                <a:latin typeface="Courier New" pitchFamily="49" charset="0"/>
-                <a:cs typeface="Courier New" pitchFamily="49" charset="0"/>
-              </a:rPr>
-              <a:t>(" hello world ", side = "right")</a:t>
-            </a:r>
-          </a:p>
-          <a:p>
-            <a:pPr marL="0" indent="0">
-              <a:buNone/>
-            </a:pPr>
-            <a:r>
-              <a:rPr lang="en-GB" sz="2000" dirty="0">
+              <a:t>TRUE</a:t>
+            </a:r>
+            <a:r>
+              <a:rPr lang="en-GB" dirty="0">
                 <a:solidFill>
                   <a:srgbClr val="0070C0"/>
                 </a:solidFill>
                 <a:latin typeface="Courier New" pitchFamily="49" charset="0"/>
                 <a:cs typeface="Courier New" pitchFamily="49" charset="0"/>
               </a:rPr>
-              <a:t>## [1] " hello world“</a:t>
-            </a:r>
-          </a:p>
-          <a:p>
-            <a:pPr marL="0" indent="0">
-              <a:buNone/>
-            </a:pPr>
-            <a:endParaRPr lang="en-GB" sz="2000" dirty="0">
+              <a:t> </a:t>
+            </a:r>
+            <a:r>
+              <a:rPr lang="en-GB" dirty="0" err="1">
+                <a:solidFill>
+                  <a:srgbClr val="0070C0"/>
+                </a:solidFill>
+                <a:latin typeface="Courier New" pitchFamily="49" charset="0"/>
+                <a:cs typeface="Courier New" pitchFamily="49" charset="0"/>
+              </a:rPr>
+              <a:t>TRUE</a:t>
+            </a:r>
+            <a:endParaRPr lang="en-GB" dirty="0">
+              <a:solidFill>
+                <a:srgbClr val="0070C0"/>
+              </a:solidFill>
               <a:latin typeface="Courier New" pitchFamily="49" charset="0"/>
               <a:cs typeface="Courier New" pitchFamily="49" charset="0"/>
             </a:endParaRPr>
@@ -5994,18 +6052,18 @@
               <a:buNone/>
             </a:pPr>
             <a:r>
-              <a:rPr lang="en-GB" sz="2000" dirty="0" err="1">
-                <a:latin typeface="Courier New" pitchFamily="49" charset="0"/>
-                <a:cs typeface="Courier New" pitchFamily="49" charset="0"/>
-              </a:rPr>
-              <a:t>toupper</a:t>
-            </a:r>
-            <a:r>
-              <a:rPr lang="en-GB" sz="2000" dirty="0">
-                <a:latin typeface="Courier New" pitchFamily="49" charset="0"/>
-                <a:cs typeface="Courier New" pitchFamily="49" charset="0"/>
-              </a:rPr>
-              <a:t>("Hello world")</a:t>
+              <a:rPr lang="en-GB" dirty="0" err="1">
+                <a:latin typeface="Courier New" pitchFamily="49" charset="0"/>
+                <a:cs typeface="Courier New" pitchFamily="49" charset="0"/>
+              </a:rPr>
+              <a:t>grep</a:t>
+            </a:r>
+            <a:r>
+              <a:rPr lang="en-GB" dirty="0">
+                <a:latin typeface="Courier New" pitchFamily="49" charset="0"/>
+                <a:cs typeface="Courier New" pitchFamily="49" charset="0"/>
+              </a:rPr>
+              <a:t>("m", gender)</a:t>
             </a:r>
           </a:p>
           <a:p>
@@ -6013,14 +6071,14 @@
               <a:buNone/>
             </a:pPr>
             <a:r>
-              <a:rPr lang="en-GB" sz="2000" dirty="0">
+              <a:rPr lang="en-GB" dirty="0">
                 <a:solidFill>
                   <a:srgbClr val="0070C0"/>
                 </a:solidFill>
                 <a:latin typeface="Courier New" pitchFamily="49" charset="0"/>
                 <a:cs typeface="Courier New" pitchFamily="49" charset="0"/>
               </a:rPr>
-              <a:t>## [1] "HELLO WORLD"</a:t>
+              <a:t>## [1] 2 3 4</a:t>
             </a:r>
           </a:p>
           <a:p>
@@ -6028,18 +6086,32 @@
               <a:buNone/>
             </a:pPr>
             <a:r>
-              <a:rPr lang="en-GB" sz="2000" dirty="0" err="1">
-                <a:latin typeface="Courier New" pitchFamily="49" charset="0"/>
-                <a:cs typeface="Courier New" pitchFamily="49" charset="0"/>
-              </a:rPr>
-              <a:t>tolower</a:t>
-            </a:r>
-            <a:r>
-              <a:rPr lang="en-GB" sz="2000" dirty="0">
-                <a:latin typeface="Courier New" pitchFamily="49" charset="0"/>
-                <a:cs typeface="Courier New" pitchFamily="49" charset="0"/>
-              </a:rPr>
-              <a:t>("Hello World")</a:t>
+              <a:rPr lang="en-GB" dirty="0" err="1">
+                <a:latin typeface="Courier New" pitchFamily="49" charset="0"/>
+                <a:cs typeface="Courier New" pitchFamily="49" charset="0"/>
+              </a:rPr>
+              <a:t>grepl</a:t>
+            </a:r>
+            <a:r>
+              <a:rPr lang="en-GB" dirty="0">
+                <a:latin typeface="Courier New" pitchFamily="49" charset="0"/>
+                <a:cs typeface="Courier New" pitchFamily="49" charset="0"/>
+              </a:rPr>
+              <a:t>("m", gender, </a:t>
+            </a:r>
+            <a:r>
+              <a:rPr lang="en-GB" dirty="0" err="1">
+                <a:latin typeface="Courier New" pitchFamily="49" charset="0"/>
+                <a:cs typeface="Courier New" pitchFamily="49" charset="0"/>
+              </a:rPr>
+              <a:t>ignore.case</a:t>
+            </a:r>
+            <a:r>
+              <a:rPr lang="en-GB" dirty="0">
+                <a:latin typeface="Courier New" pitchFamily="49" charset="0"/>
+                <a:cs typeface="Courier New" pitchFamily="49" charset="0"/>
+              </a:rPr>
+              <a:t> = TRUE)</a:t>
             </a:r>
           </a:p>
           <a:p>
@@ -6047,18 +6119,254 @@
               <a:buNone/>
             </a:pPr>
             <a:r>
-              <a:rPr lang="en-GB" sz="2000" dirty="0">
+              <a:rPr lang="en-GB" dirty="0">
                 <a:solidFill>
                   <a:srgbClr val="0070C0"/>
                 </a:solidFill>
                 <a:latin typeface="Courier New" pitchFamily="49" charset="0"/>
                 <a:cs typeface="Courier New" pitchFamily="49" charset="0"/>
               </a:rPr>
-              <a:t>## [1] "hello world"</a:t>
-            </a:r>
-          </a:p>
-          <a:p>
-            <a:endParaRPr lang="en-GB" sz="2000" dirty="0">
+              <a:t>## [1] TRUE </a:t>
+            </a:r>
+            <a:r>
+              <a:rPr lang="en-GB" dirty="0" err="1">
+                <a:solidFill>
+                  <a:srgbClr val="0070C0"/>
+                </a:solidFill>
+                <a:latin typeface="Courier New" pitchFamily="49" charset="0"/>
+                <a:cs typeface="Courier New" pitchFamily="49" charset="0"/>
+              </a:rPr>
+              <a:t>TRUE</a:t>
+            </a:r>
+            <a:r>
+              <a:rPr lang="en-GB" dirty="0">
+                <a:solidFill>
+                  <a:srgbClr val="0070C0"/>
+                </a:solidFill>
+                <a:latin typeface="Courier New" pitchFamily="49" charset="0"/>
+                <a:cs typeface="Courier New" pitchFamily="49" charset="0"/>
+              </a:rPr>
+              <a:t> </a:t>
+            </a:r>
+            <a:r>
+              <a:rPr lang="en-GB" dirty="0" err="1">
+                <a:solidFill>
+                  <a:srgbClr val="0070C0"/>
+                </a:solidFill>
+                <a:latin typeface="Courier New" pitchFamily="49" charset="0"/>
+                <a:cs typeface="Courier New" pitchFamily="49" charset="0"/>
+              </a:rPr>
+              <a:t>TRUE</a:t>
+            </a:r>
+            <a:r>
+              <a:rPr lang="en-GB" dirty="0">
+                <a:solidFill>
+                  <a:srgbClr val="0070C0"/>
+                </a:solidFill>
+                <a:latin typeface="Courier New" pitchFamily="49" charset="0"/>
+                <a:cs typeface="Courier New" pitchFamily="49" charset="0"/>
+              </a:rPr>
+              <a:t> </a:t>
+            </a:r>
+            <a:r>
+              <a:rPr lang="en-GB" dirty="0" err="1">
+                <a:solidFill>
+                  <a:srgbClr val="0070C0"/>
+                </a:solidFill>
+                <a:latin typeface="Courier New" pitchFamily="49" charset="0"/>
+                <a:cs typeface="Courier New" pitchFamily="49" charset="0"/>
+              </a:rPr>
+              <a:t>TRUE</a:t>
+            </a:r>
+            <a:endParaRPr lang="en-GB" dirty="0">
+              <a:solidFill>
+                <a:srgbClr val="0070C0"/>
+              </a:solidFill>
+              <a:latin typeface="Courier New" pitchFamily="49" charset="0"/>
+              <a:cs typeface="Courier New" pitchFamily="49" charset="0"/>
+            </a:endParaRPr>
+          </a:p>
+          <a:p>
+            <a:pPr marL="0" indent="0">
+              <a:buNone/>
+            </a:pPr>
+            <a:r>
+              <a:rPr lang="en-GB" dirty="0" err="1">
+                <a:latin typeface="Courier New" pitchFamily="49" charset="0"/>
+                <a:cs typeface="Courier New" pitchFamily="49" charset="0"/>
+              </a:rPr>
+              <a:t>grepl</a:t>
+            </a:r>
+            <a:r>
+              <a:rPr lang="en-GB" dirty="0">
+                <a:latin typeface="Courier New" pitchFamily="49" charset="0"/>
+                <a:cs typeface="Courier New" pitchFamily="49" charset="0"/>
+              </a:rPr>
+              <a:t>("m", </a:t>
+            </a:r>
+            <a:r>
+              <a:rPr lang="en-GB" dirty="0" err="1">
+                <a:latin typeface="Courier New" pitchFamily="49" charset="0"/>
+                <a:cs typeface="Courier New" pitchFamily="49" charset="0"/>
+              </a:rPr>
+              <a:t>tolower</a:t>
+            </a:r>
+            <a:r>
+              <a:rPr lang="en-GB" dirty="0">
+                <a:latin typeface="Courier New" pitchFamily="49" charset="0"/>
+                <a:cs typeface="Courier New" pitchFamily="49" charset="0"/>
+              </a:rPr>
+              <a:t>(gender))</a:t>
+            </a:r>
+          </a:p>
+          <a:p>
+            <a:pPr marL="0" indent="0">
+              <a:buNone/>
+            </a:pPr>
+            <a:r>
+              <a:rPr lang="en-GB" dirty="0">
+                <a:solidFill>
+                  <a:srgbClr val="0070C0"/>
+                </a:solidFill>
+                <a:latin typeface="Courier New" pitchFamily="49" charset="0"/>
+                <a:cs typeface="Courier New" pitchFamily="49" charset="0"/>
+              </a:rPr>
+              <a:t>## [1] TRUE </a:t>
+            </a:r>
+            <a:r>
+              <a:rPr lang="en-GB" dirty="0" err="1">
+                <a:solidFill>
+                  <a:srgbClr val="0070C0"/>
+                </a:solidFill>
+                <a:latin typeface="Courier New" pitchFamily="49" charset="0"/>
+                <a:cs typeface="Courier New" pitchFamily="49" charset="0"/>
+              </a:rPr>
+              <a:t>TRUE</a:t>
+            </a:r>
+            <a:r>
+              <a:rPr lang="en-GB" dirty="0">
+                <a:solidFill>
+                  <a:srgbClr val="0070C0"/>
+                </a:solidFill>
+                <a:latin typeface="Courier New" pitchFamily="49" charset="0"/>
+                <a:cs typeface="Courier New" pitchFamily="49" charset="0"/>
+              </a:rPr>
+              <a:t> </a:t>
+            </a:r>
+            <a:r>
+              <a:rPr lang="en-GB" dirty="0" err="1">
+                <a:solidFill>
+                  <a:srgbClr val="0070C0"/>
+                </a:solidFill>
+                <a:latin typeface="Courier New" pitchFamily="49" charset="0"/>
+                <a:cs typeface="Courier New" pitchFamily="49" charset="0"/>
+              </a:rPr>
+              <a:t>TRUE</a:t>
+            </a:r>
+            <a:r>
+              <a:rPr lang="en-GB" dirty="0">
+                <a:solidFill>
+                  <a:srgbClr val="0070C0"/>
+                </a:solidFill>
+                <a:latin typeface="Courier New" pitchFamily="49" charset="0"/>
+                <a:cs typeface="Courier New" pitchFamily="49" charset="0"/>
+              </a:rPr>
+              <a:t> </a:t>
+            </a:r>
+            <a:r>
+              <a:rPr lang="en-GB" dirty="0" err="1">
+                <a:solidFill>
+                  <a:srgbClr val="0070C0"/>
+                </a:solidFill>
+                <a:latin typeface="Courier New" pitchFamily="49" charset="0"/>
+                <a:cs typeface="Courier New" pitchFamily="49" charset="0"/>
+              </a:rPr>
+              <a:t>TRUE</a:t>
+            </a:r>
+            <a:endParaRPr lang="en-GB" dirty="0">
+              <a:solidFill>
+                <a:srgbClr val="0070C0"/>
+              </a:solidFill>
+              <a:latin typeface="Courier New" pitchFamily="49" charset="0"/>
+              <a:cs typeface="Courier New" pitchFamily="49" charset="0"/>
+            </a:endParaRPr>
+          </a:p>
+          <a:p>
+            <a:pPr marL="0" indent="0">
+              <a:buNone/>
+            </a:pPr>
+            <a:r>
+              <a:rPr lang="en-GB" dirty="0" err="1">
+                <a:latin typeface="Courier New" pitchFamily="49" charset="0"/>
+                <a:cs typeface="Courier New" pitchFamily="49" charset="0"/>
+              </a:rPr>
+              <a:t>grepl</a:t>
+            </a:r>
+            <a:r>
+              <a:rPr lang="en-GB" dirty="0">
+                <a:latin typeface="Courier New" pitchFamily="49" charset="0"/>
+                <a:cs typeface="Courier New" pitchFamily="49" charset="0"/>
+              </a:rPr>
+              <a:t>("^m", gender, </a:t>
+            </a:r>
+            <a:r>
+              <a:rPr lang="en-GB" dirty="0" err="1">
+                <a:latin typeface="Courier New" pitchFamily="49" charset="0"/>
+                <a:cs typeface="Courier New" pitchFamily="49" charset="0"/>
+              </a:rPr>
+              <a:t>ignore.case</a:t>
+            </a:r>
+            <a:r>
+              <a:rPr lang="en-GB" dirty="0">
+                <a:latin typeface="Courier New" pitchFamily="49" charset="0"/>
+                <a:cs typeface="Courier New" pitchFamily="49" charset="0"/>
+              </a:rPr>
+              <a:t> = TRUE) </a:t>
+            </a:r>
+            <a:r>
+              <a:rPr lang="en-GB" dirty="0">
+                <a:solidFill>
+                  <a:srgbClr val="0070C0"/>
+                </a:solidFill>
+                <a:latin typeface="Courier New" pitchFamily="49" charset="0"/>
+                <a:cs typeface="Courier New" pitchFamily="49" charset="0"/>
+              </a:rPr>
+              <a:t>## [1] TRUE </a:t>
+            </a:r>
+            <a:r>
+              <a:rPr lang="en-GB" dirty="0" err="1">
+                <a:solidFill>
+                  <a:srgbClr val="0070C0"/>
+                </a:solidFill>
+                <a:latin typeface="Courier New" pitchFamily="49" charset="0"/>
+                <a:cs typeface="Courier New" pitchFamily="49" charset="0"/>
+              </a:rPr>
+              <a:t>TRUE</a:t>
+            </a:r>
+            <a:r>
+              <a:rPr lang="en-GB" dirty="0">
+                <a:solidFill>
+                  <a:srgbClr val="0070C0"/>
+                </a:solidFill>
+                <a:latin typeface="Courier New" pitchFamily="49" charset="0"/>
+                <a:cs typeface="Courier New" pitchFamily="49" charset="0"/>
+              </a:rPr>
+              <a:t> FALSE </a:t>
+            </a:r>
+            <a:r>
+              <a:rPr lang="en-GB" dirty="0" err="1">
+                <a:solidFill>
+                  <a:srgbClr val="0070C0"/>
+                </a:solidFill>
+                <a:latin typeface="Courier New" pitchFamily="49" charset="0"/>
+                <a:cs typeface="Courier New" pitchFamily="49" charset="0"/>
+              </a:rPr>
+              <a:t>FALSE</a:t>
+            </a:r>
+            <a:endParaRPr lang="en-GB" dirty="0">
+              <a:solidFill>
+                <a:srgbClr val="0070C0"/>
+              </a:solidFill>
               <a:latin typeface="Courier New" pitchFamily="49" charset="0"/>
               <a:cs typeface="Courier New" pitchFamily="49" charset="0"/>
             </a:endParaRPr>
@@ -6074,6 +6382,121 @@
 </file>
 
 <file path=ppt/slides/slide18.xml><?xml version="1.0" encoding="utf-8"?>
+<p:sld xmlns:a="http://schemas.openxmlformats.org/drawingml/2006/main" xmlns:r="http://schemas.openxmlformats.org/officeDocument/2006/relationships" xmlns:p="http://schemas.openxmlformats.org/presentationml/2006/main" show="0">
+  <p:cSld>
+    <p:spTree>
+      <p:nvGrpSpPr>
+        <p:cNvPr id="1" name=""/>
+        <p:cNvGrpSpPr/>
+        <p:nvPr/>
+      </p:nvGrpSpPr>
+      <p:grpSpPr>
+        <a:xfrm>
+          <a:off x="0" y="0"/>
+          <a:ext cx="0" cy="0"/>
+          <a:chOff x="0" y="0"/>
+          <a:chExt cx="0" cy="0"/>
+        </a:xfrm>
+      </p:grpSpPr>
+      <p:sp>
+        <p:nvSpPr>
+          <p:cNvPr id="2" name="Title 1"/>
+          <p:cNvSpPr>
+            <a:spLocks noGrp="1"/>
+          </p:cNvSpPr>
+          <p:nvPr>
+            <p:ph type="title"/>
+          </p:nvPr>
+        </p:nvSpPr>
+        <p:spPr/>
+        <p:txBody>
+          <a:bodyPr/>
+          <a:lstStyle/>
+          <a:p>
+            <a:endParaRPr lang="en-GB"/>
+          </a:p>
+        </p:txBody>
+      </p:sp>
+      <p:sp>
+        <p:nvSpPr>
+          <p:cNvPr id="3" name="Content Placeholder 2"/>
+          <p:cNvSpPr>
+            <a:spLocks noGrp="1"/>
+          </p:cNvSpPr>
+          <p:nvPr>
+            <p:ph idx="1"/>
+          </p:nvPr>
+        </p:nvSpPr>
+        <p:spPr/>
+        <p:txBody>
+          <a:bodyPr>
+            <a:normAutofit/>
+          </a:bodyPr>
+          <a:lstStyle/>
+          <a:p>
+            <a:pPr marL="0" indent="0">
+              <a:buNone/>
+            </a:pPr>
+            <a:r>
+              <a:rPr lang="en-GB" sz="2400" dirty="0">
+                <a:latin typeface="Courier New" pitchFamily="49" charset="0"/>
+                <a:cs typeface="Courier New" pitchFamily="49" charset="0"/>
+              </a:rPr>
+              <a:t>text &lt;- "We want to develop new regular expression." </a:t>
+            </a:r>
+          </a:p>
+          <a:p>
+            <a:pPr marL="0" indent="0">
+              <a:buNone/>
+            </a:pPr>
+            <a:r>
+              <a:rPr lang="en-GB" sz="2400" dirty="0">
+                <a:latin typeface="Courier New" pitchFamily="49" charset="0"/>
+                <a:cs typeface="Courier New" pitchFamily="49" charset="0"/>
+              </a:rPr>
+              <a:t>grep("</a:t>
+            </a:r>
+            <a:r>
+              <a:rPr lang="en-GB" sz="2400" dirty="0" err="1">
+                <a:latin typeface="Courier New" pitchFamily="49" charset="0"/>
+                <a:cs typeface="Courier New" pitchFamily="49" charset="0"/>
+              </a:rPr>
+              <a:t>want|develop</a:t>
+            </a:r>
+            <a:r>
+              <a:rPr lang="en-GB" sz="2400" dirty="0">
+                <a:latin typeface="Courier New" pitchFamily="49" charset="0"/>
+                <a:cs typeface="Courier New" pitchFamily="49" charset="0"/>
+              </a:rPr>
+              <a:t>", text, value=TRUE) </a:t>
+            </a:r>
+          </a:p>
+          <a:p>
+            <a:pPr marL="0" indent="0">
+              <a:buNone/>
+            </a:pPr>
+            <a:r>
+              <a:rPr lang="en-GB" sz="2400" dirty="0">
+                <a:solidFill>
+                  <a:srgbClr val="0070C0"/>
+                </a:solidFill>
+                <a:latin typeface="Courier New" pitchFamily="49" charset="0"/>
+                <a:cs typeface="Courier New" pitchFamily="49" charset="0"/>
+              </a:rPr>
+              <a:t>[1] "We want to develop new regular expression."</a:t>
+            </a:r>
+          </a:p>
+        </p:txBody>
+      </p:sp>
+    </p:spTree>
+  </p:cSld>
+  <p:clrMapOvr>
+    <a:masterClrMapping/>
+  </p:clrMapOvr>
+</p:sld>
+</file>
+
+<file path=ppt/slides/slide19.xml><?xml version="1.0" encoding="utf-8"?>
 <p:sld xmlns:a="http://schemas.openxmlformats.org/drawingml/2006/main" xmlns:r="http://schemas.openxmlformats.org/officeDocument/2006/relationships" xmlns:p="http://schemas.openxmlformats.org/presentationml/2006/main">
   <p:cSld>
     <p:spTree>
@@ -6102,555 +6525,205 @@
         </p:nvSpPr>
         <p:spPr/>
         <p:txBody>
+          <a:bodyPr/>
+          <a:lstStyle/>
+          <a:p>
+            <a:r>
+              <a:rPr lang="en-GB" dirty="0"/>
+              <a:t>Consistent data</a:t>
+            </a:r>
+          </a:p>
+        </p:txBody>
+      </p:sp>
+      <p:sp>
+        <p:nvSpPr>
+          <p:cNvPr id="3" name="Content Placeholder 2"/>
+          <p:cNvSpPr>
+            <a:spLocks noGrp="1"/>
+          </p:cNvSpPr>
+          <p:nvPr>
+            <p:ph idx="1"/>
+          </p:nvPr>
+        </p:nvSpPr>
+        <p:spPr>
+          <a:xfrm>
+            <a:off x="457200" y="1600200"/>
+            <a:ext cx="8229600" cy="4853136"/>
+          </a:xfrm>
+        </p:spPr>
+        <p:txBody>
           <a:bodyPr>
-            <a:normAutofit fontScale="90000"/>
+            <a:normAutofit fontScale="92500" lnSpcReduction="10000"/>
           </a:bodyPr>
           <a:lstStyle/>
           <a:p>
             <a:r>
               <a:rPr lang="en-GB" dirty="0"/>
-              <a:t>String matching (regular expressions)</a:t>
-            </a:r>
-          </a:p>
-        </p:txBody>
-      </p:sp>
-      <p:sp>
-        <p:nvSpPr>
-          <p:cNvPr id="3" name="Content Placeholder 2"/>
-          <p:cNvSpPr>
-            <a:spLocks noGrp="1"/>
-          </p:cNvSpPr>
-          <p:nvPr>
-            <p:ph idx="1"/>
-          </p:nvPr>
-        </p:nvSpPr>
-        <p:spPr/>
-        <p:txBody>
-          <a:bodyPr>
-            <a:normAutofit fontScale="77500" lnSpcReduction="20000"/>
-          </a:bodyPr>
-          <a:lstStyle/>
-          <a:p>
-            <a:pPr marL="0" indent="0">
+              <a:t>Missing values</a:t>
+            </a:r>
+          </a:p>
+          <a:p>
+            <a:pPr marL="457200" lvl="1" indent="0">
               <a:buNone/>
             </a:pPr>
             <a:r>
-              <a:rPr lang="en-GB" dirty="0">
-                <a:latin typeface="Courier New" pitchFamily="49" charset="0"/>
-                <a:cs typeface="Courier New" pitchFamily="49" charset="0"/>
-              </a:rPr>
-              <a:t>gender &lt;- c("M", "male ", "Female", "fem.")</a:t>
-            </a:r>
-          </a:p>
-          <a:p>
-            <a:pPr marL="0" indent="0">
+              <a:rPr lang="en-GB" sz="2100" dirty="0">
+                <a:latin typeface="Courier New" pitchFamily="49" charset="0"/>
+                <a:cs typeface="Courier New" pitchFamily="49" charset="0"/>
+              </a:rPr>
+              <a:t>age &lt;- c(23, 16, NA)</a:t>
+            </a:r>
+          </a:p>
+          <a:p>
+            <a:pPr marL="457200" lvl="1" indent="0">
               <a:buNone/>
             </a:pPr>
             <a:r>
-              <a:rPr lang="en-GB" dirty="0" err="1">
-                <a:latin typeface="Courier New" pitchFamily="49" charset="0"/>
-                <a:cs typeface="Courier New" pitchFamily="49" charset="0"/>
-              </a:rPr>
-              <a:t>grepl</a:t>
-            </a:r>
-            <a:r>
-              <a:rPr lang="en-GB" dirty="0">
-                <a:latin typeface="Courier New" pitchFamily="49" charset="0"/>
-                <a:cs typeface="Courier New" pitchFamily="49" charset="0"/>
-              </a:rPr>
-              <a:t>("m", gender)</a:t>
-            </a:r>
-          </a:p>
-          <a:p>
-            <a:pPr marL="0" indent="0">
+              <a:rPr lang="en-GB" sz="2100" dirty="0">
+                <a:latin typeface="Courier New" pitchFamily="49" charset="0"/>
+                <a:cs typeface="Courier New" pitchFamily="49" charset="0"/>
+              </a:rPr>
+              <a:t>mean(age)</a:t>
+            </a:r>
+          </a:p>
+          <a:p>
+            <a:pPr marL="457200" lvl="1" indent="0">
               <a:buNone/>
             </a:pPr>
             <a:r>
-              <a:rPr lang="en-GB" dirty="0">
+              <a:rPr lang="en-GB" sz="2100" dirty="0">
                 <a:solidFill>
                   <a:srgbClr val="0070C0"/>
                 </a:solidFill>
                 <a:latin typeface="Courier New" pitchFamily="49" charset="0"/>
                 <a:cs typeface="Courier New" pitchFamily="49" charset="0"/>
               </a:rPr>
-              <a:t>## [1] FALSE TRUE </a:t>
-            </a:r>
-            <a:r>
-              <a:rPr lang="en-GB" dirty="0" err="1">
+              <a:t>## [1] NA</a:t>
+            </a:r>
+          </a:p>
+          <a:p>
+            <a:pPr marL="457200" lvl="1" indent="0">
+              <a:buNone/>
+            </a:pPr>
+            <a:r>
+              <a:rPr lang="en-GB" sz="2100" dirty="0">
+                <a:latin typeface="Courier New" pitchFamily="49" charset="0"/>
+                <a:cs typeface="Courier New" pitchFamily="49" charset="0"/>
+              </a:rPr>
+              <a:t>mean(age, </a:t>
+            </a:r>
+            <a:r>
+              <a:rPr lang="en-GB" sz="2100" b="1" dirty="0">
+                <a:solidFill>
+                  <a:srgbClr val="FF0000"/>
+                </a:solidFill>
+                <a:latin typeface="Courier New" pitchFamily="49" charset="0"/>
+                <a:cs typeface="Courier New" pitchFamily="49" charset="0"/>
+              </a:rPr>
+              <a:t>na.rm = TRUE</a:t>
+            </a:r>
+            <a:r>
+              <a:rPr lang="en-GB" sz="2100" dirty="0">
+                <a:latin typeface="Courier New" pitchFamily="49" charset="0"/>
+                <a:cs typeface="Courier New" pitchFamily="49" charset="0"/>
+              </a:rPr>
+              <a:t>)</a:t>
+            </a:r>
+          </a:p>
+          <a:p>
+            <a:pPr marL="457200" lvl="1" indent="0">
+              <a:buNone/>
+            </a:pPr>
+            <a:r>
+              <a:rPr lang="en-GB" sz="2100" dirty="0">
                 <a:solidFill>
                   <a:srgbClr val="0070C0"/>
                 </a:solidFill>
                 <a:latin typeface="Courier New" pitchFamily="49" charset="0"/>
                 <a:cs typeface="Courier New" pitchFamily="49" charset="0"/>
               </a:rPr>
-              <a:t>TRUE</a:t>
-            </a:r>
+              <a:t>## [1] 19.5</a:t>
+            </a:r>
+          </a:p>
+          <a:p>
             <a:r>
               <a:rPr lang="en-GB" dirty="0">
-                <a:solidFill>
-                  <a:srgbClr val="0070C0"/>
-                </a:solidFill>
-                <a:latin typeface="Courier New" pitchFamily="49" charset="0"/>
-                <a:cs typeface="Courier New" pitchFamily="49" charset="0"/>
-              </a:rPr>
-              <a:t> </a:t>
-            </a:r>
+                <a:latin typeface="+mj-lt"/>
+                <a:cs typeface="Courier New" pitchFamily="49" charset="0"/>
+              </a:rPr>
+              <a:t>Checks</a:t>
+            </a:r>
+          </a:p>
+          <a:p>
+            <a:pPr lvl="1"/>
+            <a:r>
+              <a:rPr lang="en-GB" dirty="0">
+                <a:latin typeface="Courier New" pitchFamily="49" charset="0"/>
+                <a:cs typeface="Courier New" pitchFamily="49" charset="0"/>
+              </a:rPr>
+              <a:t>is.na()</a:t>
+            </a:r>
+          </a:p>
+          <a:p>
+            <a:pPr lvl="1"/>
             <a:r>
               <a:rPr lang="en-GB" dirty="0" err="1">
-                <a:solidFill>
-                  <a:srgbClr val="0070C0"/>
-                </a:solidFill>
-                <a:latin typeface="Courier New" pitchFamily="49" charset="0"/>
-                <a:cs typeface="Courier New" pitchFamily="49" charset="0"/>
-              </a:rPr>
-              <a:t>TRUE</a:t>
-            </a:r>
+                <a:latin typeface="Courier New" pitchFamily="49" charset="0"/>
+                <a:cs typeface="Courier New" pitchFamily="49" charset="0"/>
+              </a:rPr>
+              <a:t>is.nan</a:t>
+            </a:r>
+            <a:r>
+              <a:rPr lang="en-GB" dirty="0">
+                <a:latin typeface="Courier New" pitchFamily="49" charset="0"/>
+                <a:cs typeface="Courier New" pitchFamily="49" charset="0"/>
+              </a:rPr>
+              <a:t>()</a:t>
+            </a:r>
+          </a:p>
+          <a:p>
+            <a:pPr marL="914400" lvl="1" indent="-457200"/>
+            <a:r>
+              <a:rPr lang="en-GB" sz="2100" dirty="0" err="1">
+                <a:latin typeface="Courier New" pitchFamily="49" charset="0"/>
+                <a:cs typeface="Courier New" pitchFamily="49" charset="0"/>
+              </a:rPr>
+              <a:t>na.omit</a:t>
+            </a:r>
+            <a:r>
+              <a:rPr lang="en-GB" sz="2100" dirty="0">
+                <a:latin typeface="Courier New" pitchFamily="49" charset="0"/>
+                <a:cs typeface="Courier New" pitchFamily="49" charset="0"/>
+              </a:rPr>
+              <a:t>()</a:t>
+            </a:r>
+          </a:p>
+          <a:p>
+            <a:pPr marL="914400" lvl="1" indent="-457200"/>
+            <a:r>
+              <a:rPr lang="en-GB" sz="2100" dirty="0" err="1">
+                <a:latin typeface="Courier New" pitchFamily="49" charset="0"/>
+                <a:cs typeface="Courier New" pitchFamily="49" charset="0"/>
+              </a:rPr>
+              <a:t>complete.cases</a:t>
+            </a:r>
+            <a:r>
+              <a:rPr lang="en-GB" sz="2100" dirty="0">
+                <a:latin typeface="Courier New" pitchFamily="49" charset="0"/>
+                <a:cs typeface="Courier New" pitchFamily="49" charset="0"/>
+              </a:rPr>
+              <a:t>(x)</a:t>
+            </a:r>
+            <a:br>
+              <a:rPr lang="en-GB" dirty="0">
+                <a:latin typeface="Courier New" pitchFamily="49" charset="0"/>
+                <a:cs typeface="Courier New" pitchFamily="49" charset="0"/>
+              </a:rPr>
+            </a:br>
             <a:endParaRPr lang="en-GB" dirty="0">
-              <a:solidFill>
-                <a:srgbClr val="0070C0"/>
-              </a:solidFill>
               <a:latin typeface="Courier New" pitchFamily="49" charset="0"/>
               <a:cs typeface="Courier New" pitchFamily="49" charset="0"/>
             </a:endParaRPr>
-          </a:p>
-          <a:p>
-            <a:pPr marL="0" indent="0">
-              <a:buNone/>
-            </a:pPr>
-            <a:r>
-              <a:rPr lang="en-GB" dirty="0" err="1">
-                <a:latin typeface="Courier New" pitchFamily="49" charset="0"/>
-                <a:cs typeface="Courier New" pitchFamily="49" charset="0"/>
-              </a:rPr>
-              <a:t>grep</a:t>
-            </a:r>
-            <a:r>
-              <a:rPr lang="en-GB" dirty="0">
-                <a:latin typeface="Courier New" pitchFamily="49" charset="0"/>
-                <a:cs typeface="Courier New" pitchFamily="49" charset="0"/>
-              </a:rPr>
-              <a:t>("m", gender)</a:t>
-            </a:r>
-          </a:p>
-          <a:p>
-            <a:pPr marL="0" indent="0">
-              <a:buNone/>
-            </a:pPr>
-            <a:r>
-              <a:rPr lang="en-GB" dirty="0">
-                <a:solidFill>
-                  <a:srgbClr val="0070C0"/>
-                </a:solidFill>
-                <a:latin typeface="Courier New" pitchFamily="49" charset="0"/>
-                <a:cs typeface="Courier New" pitchFamily="49" charset="0"/>
-              </a:rPr>
-              <a:t>## [1] 2 3 4</a:t>
-            </a:r>
-          </a:p>
-          <a:p>
-            <a:pPr marL="0" indent="0">
-              <a:buNone/>
-            </a:pPr>
-            <a:r>
-              <a:rPr lang="en-GB" dirty="0" err="1">
-                <a:latin typeface="Courier New" pitchFamily="49" charset="0"/>
-                <a:cs typeface="Courier New" pitchFamily="49" charset="0"/>
-              </a:rPr>
-              <a:t>grepl</a:t>
-            </a:r>
-            <a:r>
-              <a:rPr lang="en-GB" dirty="0">
-                <a:latin typeface="Courier New" pitchFamily="49" charset="0"/>
-                <a:cs typeface="Courier New" pitchFamily="49" charset="0"/>
-              </a:rPr>
-              <a:t>("m", gender, </a:t>
-            </a:r>
-            <a:r>
-              <a:rPr lang="en-GB" dirty="0" err="1">
-                <a:latin typeface="Courier New" pitchFamily="49" charset="0"/>
-                <a:cs typeface="Courier New" pitchFamily="49" charset="0"/>
-              </a:rPr>
-              <a:t>ignore.case</a:t>
-            </a:r>
-            <a:r>
-              <a:rPr lang="en-GB" dirty="0">
-                <a:latin typeface="Courier New" pitchFamily="49" charset="0"/>
-                <a:cs typeface="Courier New" pitchFamily="49" charset="0"/>
-              </a:rPr>
-              <a:t> = TRUE)</a:t>
-            </a:r>
-          </a:p>
-          <a:p>
-            <a:pPr marL="0" indent="0">
-              <a:buNone/>
-            </a:pPr>
-            <a:r>
-              <a:rPr lang="en-GB" dirty="0">
-                <a:solidFill>
-                  <a:srgbClr val="0070C0"/>
-                </a:solidFill>
-                <a:latin typeface="Courier New" pitchFamily="49" charset="0"/>
-                <a:cs typeface="Courier New" pitchFamily="49" charset="0"/>
-              </a:rPr>
-              <a:t>## [1] TRUE </a:t>
-            </a:r>
-            <a:r>
-              <a:rPr lang="en-GB" dirty="0" err="1">
-                <a:solidFill>
-                  <a:srgbClr val="0070C0"/>
-                </a:solidFill>
-                <a:latin typeface="Courier New" pitchFamily="49" charset="0"/>
-                <a:cs typeface="Courier New" pitchFamily="49" charset="0"/>
-              </a:rPr>
-              <a:t>TRUE</a:t>
-            </a:r>
-            <a:r>
-              <a:rPr lang="en-GB" dirty="0">
-                <a:solidFill>
-                  <a:srgbClr val="0070C0"/>
-                </a:solidFill>
-                <a:latin typeface="Courier New" pitchFamily="49" charset="0"/>
-                <a:cs typeface="Courier New" pitchFamily="49" charset="0"/>
-              </a:rPr>
-              <a:t> </a:t>
-            </a:r>
-            <a:r>
-              <a:rPr lang="en-GB" dirty="0" err="1">
-                <a:solidFill>
-                  <a:srgbClr val="0070C0"/>
-                </a:solidFill>
-                <a:latin typeface="Courier New" pitchFamily="49" charset="0"/>
-                <a:cs typeface="Courier New" pitchFamily="49" charset="0"/>
-              </a:rPr>
-              <a:t>TRUE</a:t>
-            </a:r>
-            <a:r>
-              <a:rPr lang="en-GB" dirty="0">
-                <a:solidFill>
-                  <a:srgbClr val="0070C0"/>
-                </a:solidFill>
-                <a:latin typeface="Courier New" pitchFamily="49" charset="0"/>
-                <a:cs typeface="Courier New" pitchFamily="49" charset="0"/>
-              </a:rPr>
-              <a:t> </a:t>
-            </a:r>
-            <a:r>
-              <a:rPr lang="en-GB" dirty="0" err="1">
-                <a:solidFill>
-                  <a:srgbClr val="0070C0"/>
-                </a:solidFill>
-                <a:latin typeface="Courier New" pitchFamily="49" charset="0"/>
-                <a:cs typeface="Courier New" pitchFamily="49" charset="0"/>
-              </a:rPr>
-              <a:t>TRUE</a:t>
-            </a:r>
-            <a:endParaRPr lang="en-GB" dirty="0">
-              <a:solidFill>
-                <a:srgbClr val="0070C0"/>
-              </a:solidFill>
-              <a:latin typeface="Courier New" pitchFamily="49" charset="0"/>
-              <a:cs typeface="Courier New" pitchFamily="49" charset="0"/>
-            </a:endParaRPr>
-          </a:p>
-          <a:p>
-            <a:pPr marL="0" indent="0">
-              <a:buNone/>
-            </a:pPr>
-            <a:r>
-              <a:rPr lang="en-GB" dirty="0" err="1">
-                <a:latin typeface="Courier New" pitchFamily="49" charset="0"/>
-                <a:cs typeface="Courier New" pitchFamily="49" charset="0"/>
-              </a:rPr>
-              <a:t>grepl</a:t>
-            </a:r>
-            <a:r>
-              <a:rPr lang="en-GB" dirty="0">
-                <a:latin typeface="Courier New" pitchFamily="49" charset="0"/>
-                <a:cs typeface="Courier New" pitchFamily="49" charset="0"/>
-              </a:rPr>
-              <a:t>("m", </a:t>
-            </a:r>
-            <a:r>
-              <a:rPr lang="en-GB" dirty="0" err="1">
-                <a:latin typeface="Courier New" pitchFamily="49" charset="0"/>
-                <a:cs typeface="Courier New" pitchFamily="49" charset="0"/>
-              </a:rPr>
-              <a:t>tolower</a:t>
-            </a:r>
-            <a:r>
-              <a:rPr lang="en-GB" dirty="0">
-                <a:latin typeface="Courier New" pitchFamily="49" charset="0"/>
-                <a:cs typeface="Courier New" pitchFamily="49" charset="0"/>
-              </a:rPr>
-              <a:t>(gender))</a:t>
-            </a:r>
-          </a:p>
-          <a:p>
-            <a:pPr marL="0" indent="0">
-              <a:buNone/>
-            </a:pPr>
-            <a:r>
-              <a:rPr lang="en-GB" dirty="0">
-                <a:solidFill>
-                  <a:srgbClr val="0070C0"/>
-                </a:solidFill>
-                <a:latin typeface="Courier New" pitchFamily="49" charset="0"/>
-                <a:cs typeface="Courier New" pitchFamily="49" charset="0"/>
-              </a:rPr>
-              <a:t>## [1] TRUE </a:t>
-            </a:r>
-            <a:r>
-              <a:rPr lang="en-GB" dirty="0" err="1">
-                <a:solidFill>
-                  <a:srgbClr val="0070C0"/>
-                </a:solidFill>
-                <a:latin typeface="Courier New" pitchFamily="49" charset="0"/>
-                <a:cs typeface="Courier New" pitchFamily="49" charset="0"/>
-              </a:rPr>
-              <a:t>TRUE</a:t>
-            </a:r>
-            <a:r>
-              <a:rPr lang="en-GB" dirty="0">
-                <a:solidFill>
-                  <a:srgbClr val="0070C0"/>
-                </a:solidFill>
-                <a:latin typeface="Courier New" pitchFamily="49" charset="0"/>
-                <a:cs typeface="Courier New" pitchFamily="49" charset="0"/>
-              </a:rPr>
-              <a:t> </a:t>
-            </a:r>
-            <a:r>
-              <a:rPr lang="en-GB" dirty="0" err="1">
-                <a:solidFill>
-                  <a:srgbClr val="0070C0"/>
-                </a:solidFill>
-                <a:latin typeface="Courier New" pitchFamily="49" charset="0"/>
-                <a:cs typeface="Courier New" pitchFamily="49" charset="0"/>
-              </a:rPr>
-              <a:t>TRUE</a:t>
-            </a:r>
-            <a:r>
-              <a:rPr lang="en-GB" dirty="0">
-                <a:solidFill>
-                  <a:srgbClr val="0070C0"/>
-                </a:solidFill>
-                <a:latin typeface="Courier New" pitchFamily="49" charset="0"/>
-                <a:cs typeface="Courier New" pitchFamily="49" charset="0"/>
-              </a:rPr>
-              <a:t> </a:t>
-            </a:r>
-            <a:r>
-              <a:rPr lang="en-GB" dirty="0" err="1">
-                <a:solidFill>
-                  <a:srgbClr val="0070C0"/>
-                </a:solidFill>
-                <a:latin typeface="Courier New" pitchFamily="49" charset="0"/>
-                <a:cs typeface="Courier New" pitchFamily="49" charset="0"/>
-              </a:rPr>
-              <a:t>TRUE</a:t>
-            </a:r>
-            <a:endParaRPr lang="en-GB" dirty="0">
-              <a:solidFill>
-                <a:srgbClr val="0070C0"/>
-              </a:solidFill>
-              <a:latin typeface="Courier New" pitchFamily="49" charset="0"/>
-              <a:cs typeface="Courier New" pitchFamily="49" charset="0"/>
-            </a:endParaRPr>
-          </a:p>
-          <a:p>
-            <a:pPr marL="0" indent="0">
-              <a:buNone/>
-            </a:pPr>
-            <a:r>
-              <a:rPr lang="en-GB" dirty="0" err="1">
-                <a:latin typeface="Courier New" pitchFamily="49" charset="0"/>
-                <a:cs typeface="Courier New" pitchFamily="49" charset="0"/>
-              </a:rPr>
-              <a:t>grepl</a:t>
-            </a:r>
-            <a:r>
-              <a:rPr lang="en-GB" dirty="0">
-                <a:latin typeface="Courier New" pitchFamily="49" charset="0"/>
-                <a:cs typeface="Courier New" pitchFamily="49" charset="0"/>
-              </a:rPr>
-              <a:t>("^m", gender, </a:t>
-            </a:r>
-            <a:r>
-              <a:rPr lang="en-GB" dirty="0" err="1">
-                <a:latin typeface="Courier New" pitchFamily="49" charset="0"/>
-                <a:cs typeface="Courier New" pitchFamily="49" charset="0"/>
-              </a:rPr>
-              <a:t>ignore.case</a:t>
-            </a:r>
-            <a:r>
-              <a:rPr lang="en-GB" dirty="0">
-                <a:latin typeface="Courier New" pitchFamily="49" charset="0"/>
-                <a:cs typeface="Courier New" pitchFamily="49" charset="0"/>
-              </a:rPr>
-              <a:t> = TRUE) </a:t>
-            </a:r>
-            <a:r>
-              <a:rPr lang="en-GB" dirty="0">
-                <a:solidFill>
-                  <a:srgbClr val="0070C0"/>
-                </a:solidFill>
-                <a:latin typeface="Courier New" pitchFamily="49" charset="0"/>
-                <a:cs typeface="Courier New" pitchFamily="49" charset="0"/>
-              </a:rPr>
-              <a:t>## [1] TRUE </a:t>
-            </a:r>
-            <a:r>
-              <a:rPr lang="en-GB" dirty="0" err="1">
-                <a:solidFill>
-                  <a:srgbClr val="0070C0"/>
-                </a:solidFill>
-                <a:latin typeface="Courier New" pitchFamily="49" charset="0"/>
-                <a:cs typeface="Courier New" pitchFamily="49" charset="0"/>
-              </a:rPr>
-              <a:t>TRUE</a:t>
-            </a:r>
-            <a:r>
-              <a:rPr lang="en-GB" dirty="0">
-                <a:solidFill>
-                  <a:srgbClr val="0070C0"/>
-                </a:solidFill>
-                <a:latin typeface="Courier New" pitchFamily="49" charset="0"/>
-                <a:cs typeface="Courier New" pitchFamily="49" charset="0"/>
-              </a:rPr>
-              <a:t> FALSE </a:t>
-            </a:r>
-            <a:r>
-              <a:rPr lang="en-GB" dirty="0" err="1">
-                <a:solidFill>
-                  <a:srgbClr val="0070C0"/>
-                </a:solidFill>
-                <a:latin typeface="Courier New" pitchFamily="49" charset="0"/>
-                <a:cs typeface="Courier New" pitchFamily="49" charset="0"/>
-              </a:rPr>
-              <a:t>FALSE</a:t>
-            </a:r>
-            <a:endParaRPr lang="en-GB" dirty="0">
-              <a:solidFill>
-                <a:srgbClr val="0070C0"/>
-              </a:solidFill>
-              <a:latin typeface="Courier New" pitchFamily="49" charset="0"/>
-              <a:cs typeface="Courier New" pitchFamily="49" charset="0"/>
-            </a:endParaRPr>
-          </a:p>
-        </p:txBody>
-      </p:sp>
-    </p:spTree>
-  </p:cSld>
-  <p:clrMapOvr>
-    <a:masterClrMapping/>
-  </p:clrMapOvr>
-</p:sld>
-</file>
-
-<file path=ppt/slides/slide19.xml><?xml version="1.0" encoding="utf-8"?>
-<p:sld xmlns:a="http://schemas.openxmlformats.org/drawingml/2006/main" xmlns:r="http://schemas.openxmlformats.org/officeDocument/2006/relationships" xmlns:p="http://schemas.openxmlformats.org/presentationml/2006/main" show="0">
-  <p:cSld>
-    <p:spTree>
-      <p:nvGrpSpPr>
-        <p:cNvPr id="1" name=""/>
-        <p:cNvGrpSpPr/>
-        <p:nvPr/>
-      </p:nvGrpSpPr>
-      <p:grpSpPr>
-        <a:xfrm>
-          <a:off x="0" y="0"/>
-          <a:ext cx="0" cy="0"/>
-          <a:chOff x="0" y="0"/>
-          <a:chExt cx="0" cy="0"/>
-        </a:xfrm>
-      </p:grpSpPr>
-      <p:sp>
-        <p:nvSpPr>
-          <p:cNvPr id="2" name="Title 1"/>
-          <p:cNvSpPr>
-            <a:spLocks noGrp="1"/>
-          </p:cNvSpPr>
-          <p:nvPr>
-            <p:ph type="title"/>
-          </p:nvPr>
-        </p:nvSpPr>
-        <p:spPr/>
-        <p:txBody>
-          <a:bodyPr/>
-          <a:lstStyle/>
-          <a:p>
-            <a:endParaRPr lang="en-GB"/>
-          </a:p>
-        </p:txBody>
-      </p:sp>
-      <p:sp>
-        <p:nvSpPr>
-          <p:cNvPr id="3" name="Content Placeholder 2"/>
-          <p:cNvSpPr>
-            <a:spLocks noGrp="1"/>
-          </p:cNvSpPr>
-          <p:nvPr>
-            <p:ph idx="1"/>
-          </p:nvPr>
-        </p:nvSpPr>
-        <p:spPr/>
-        <p:txBody>
-          <a:bodyPr>
-            <a:normAutofit/>
-          </a:bodyPr>
-          <a:lstStyle/>
-          <a:p>
-            <a:pPr marL="0" indent="0">
-              <a:buNone/>
-            </a:pPr>
-            <a:r>
-              <a:rPr lang="en-GB" sz="2400" dirty="0">
-                <a:latin typeface="Courier New" pitchFamily="49" charset="0"/>
-                <a:cs typeface="Courier New" pitchFamily="49" charset="0"/>
-              </a:rPr>
-              <a:t>text &lt;- "We want to develop new regular expression." </a:t>
-            </a:r>
-          </a:p>
-          <a:p>
-            <a:pPr marL="0" indent="0">
-              <a:buNone/>
-            </a:pPr>
-            <a:r>
-              <a:rPr lang="en-GB" sz="2400" dirty="0">
-                <a:latin typeface="Courier New" pitchFamily="49" charset="0"/>
-                <a:cs typeface="Courier New" pitchFamily="49" charset="0"/>
-              </a:rPr>
-              <a:t>grep("</a:t>
-            </a:r>
-            <a:r>
-              <a:rPr lang="en-GB" sz="2400" dirty="0" err="1">
-                <a:latin typeface="Courier New" pitchFamily="49" charset="0"/>
-                <a:cs typeface="Courier New" pitchFamily="49" charset="0"/>
-              </a:rPr>
-              <a:t>want|develop</a:t>
-            </a:r>
-            <a:r>
-              <a:rPr lang="en-GB" sz="2400" dirty="0">
-                <a:latin typeface="Courier New" pitchFamily="49" charset="0"/>
-                <a:cs typeface="Courier New" pitchFamily="49" charset="0"/>
-              </a:rPr>
-              <a:t>", text, value=TRUE) </a:t>
-            </a:r>
-          </a:p>
-          <a:p>
-            <a:pPr marL="0" indent="0">
-              <a:buNone/>
-            </a:pPr>
-            <a:r>
-              <a:rPr lang="en-GB" sz="2400" dirty="0">
-                <a:solidFill>
-                  <a:srgbClr val="0070C0"/>
-                </a:solidFill>
-                <a:latin typeface="Courier New" pitchFamily="49" charset="0"/>
-                <a:cs typeface="Courier New" pitchFamily="49" charset="0"/>
-              </a:rPr>
-              <a:t>[1] "We want to develop new regular expression."</a:t>
-            </a:r>
           </a:p>
         </p:txBody>
       </p:sp>
@@ -6767,10 +6840,7 @@
           <a:bodyPr/>
           <a:lstStyle/>
           <a:p>
-            <a:r>
-              <a:rPr lang="en-GB" dirty="0"/>
-              <a:t>Running example</a:t>
-            </a:r>
+            <a:endParaRPr lang="en-GB"/>
           </a:p>
         </p:txBody>
       </p:sp>
@@ -6787,191 +6857,100 @@
         <p:spPr/>
         <p:txBody>
           <a:bodyPr>
-            <a:normAutofit/>
+            <a:normAutofit fontScale="92500" lnSpcReduction="20000"/>
           </a:bodyPr>
           <a:lstStyle/>
           <a:p>
-            <a:pPr marL="0" indent="0">
+            <a:r>
+              <a:rPr lang="en-GB" dirty="0"/>
+              <a:t>Outliers</a:t>
+            </a:r>
+          </a:p>
+          <a:p>
+            <a:pPr lvl="1"/>
+            <a:r>
+              <a:rPr lang="en-GB" dirty="0"/>
+              <a:t>What’s realistic? Permissible (integrity)?</a:t>
+            </a:r>
+          </a:p>
+          <a:p>
+            <a:pPr marL="457200" lvl="1" indent="0">
               <a:buNone/>
             </a:pPr>
             <a:r>
-              <a:rPr lang="en-GB" sz="2000" dirty="0">
-                <a:latin typeface="Courier New" panose="02070309020205020404" pitchFamily="49" charset="0"/>
-                <a:cs typeface="Courier New" panose="02070309020205020404" pitchFamily="49" charset="0"/>
-              </a:rPr>
-              <a:t>library("</a:t>
-            </a:r>
-            <a:r>
-              <a:rPr lang="en-GB" sz="2000" dirty="0" err="1">
-                <a:latin typeface="Courier New" panose="02070309020205020404" pitchFamily="49" charset="0"/>
-                <a:cs typeface="Courier New" panose="02070309020205020404" pitchFamily="49" charset="0"/>
-              </a:rPr>
-              <a:t>stringr</a:t>
-            </a:r>
-            <a:r>
-              <a:rPr lang="en-GB" sz="2000" dirty="0">
-                <a:latin typeface="Courier New" panose="02070309020205020404" pitchFamily="49" charset="0"/>
-                <a:cs typeface="Courier New" panose="02070309020205020404" pitchFamily="49" charset="0"/>
-              </a:rPr>
-              <a:t>", </a:t>
-            </a:r>
-            <a:r>
-              <a:rPr lang="en-GB" sz="2000" dirty="0" err="1">
-                <a:latin typeface="Courier New" panose="02070309020205020404" pitchFamily="49" charset="0"/>
-                <a:cs typeface="Courier New" panose="02070309020205020404" pitchFamily="49" charset="0"/>
-              </a:rPr>
-              <a:t>lib.loc</a:t>
-            </a:r>
-            <a:r>
-              <a:rPr lang="en-GB" sz="2000" dirty="0">
-                <a:latin typeface="Courier New" panose="02070309020205020404" pitchFamily="49" charset="0"/>
-                <a:cs typeface="Courier New" panose="02070309020205020404" pitchFamily="49" charset="0"/>
-              </a:rPr>
-              <a:t>="~/R/win-library/3.2")</a:t>
-            </a:r>
-          </a:p>
-          <a:p>
-            <a:pPr marL="0" indent="0">
+              <a:rPr lang="en-GB" dirty="0"/>
+              <a:t>(</a:t>
+            </a:r>
+            <a:r>
+              <a:rPr lang="en-GB" i="1" dirty="0"/>
+              <a:t>Outliers: An Evaluation of Methodologies</a:t>
+            </a:r>
+            <a:r>
+              <a:rPr lang="en-GB" dirty="0"/>
+              <a:t>, </a:t>
+            </a:r>
+            <a:r>
+              <a:rPr lang="en-GB" dirty="0" err="1"/>
+              <a:t>Dhiren</a:t>
+            </a:r>
+            <a:r>
+              <a:rPr lang="en-GB" dirty="0"/>
+              <a:t> Ghosh, Andrew Vogt, </a:t>
+            </a:r>
+            <a:r>
+              <a:rPr lang="en-GB" dirty="0">
+                <a:hlinkClick r:id="rId2"/>
+              </a:rPr>
+              <a:t>https://www.amstat.org/sections/srms/proceedings/y2012/files/304068_72402.pdf</a:t>
+            </a:r>
+            <a:r>
+              <a:rPr lang="en-GB" dirty="0"/>
+              <a:t>)</a:t>
+            </a:r>
+          </a:p>
+          <a:p>
+            <a:pPr marL="457200" lvl="1" indent="0">
               <a:buNone/>
             </a:pPr>
-            <a:endParaRPr lang="en-GB" sz="2000" dirty="0">
-              <a:latin typeface="Courier New" panose="02070309020205020404" pitchFamily="49" charset="0"/>
-              <a:cs typeface="Courier New" panose="02070309020205020404" pitchFamily="49" charset="0"/>
-            </a:endParaRPr>
-          </a:p>
-          <a:p>
-            <a:pPr marL="0" indent="0">
-              <a:buNone/>
-            </a:pPr>
-            <a:r>
-              <a:rPr lang="en-GB" sz="2000" dirty="0" err="1">
-                <a:latin typeface="Courier New" panose="02070309020205020404" pitchFamily="49" charset="0"/>
-                <a:cs typeface="Courier New" panose="02070309020205020404" pitchFamily="49" charset="0"/>
-              </a:rPr>
-              <a:t>conception$Name</a:t>
-            </a:r>
-            <a:endParaRPr lang="en-GB" sz="2000" dirty="0">
-              <a:latin typeface="Courier New" panose="02070309020205020404" pitchFamily="49" charset="0"/>
-              <a:cs typeface="Courier New" panose="02070309020205020404" pitchFamily="49" charset="0"/>
-            </a:endParaRPr>
-          </a:p>
-          <a:p>
-            <a:pPr marL="0" indent="0">
-              <a:buNone/>
-            </a:pPr>
-            <a:r>
-              <a:rPr lang="en-GB" sz="2000" dirty="0" err="1">
-                <a:latin typeface="Courier New" panose="02070309020205020404" pitchFamily="49" charset="0"/>
-                <a:cs typeface="Courier New" panose="02070309020205020404" pitchFamily="49" charset="0"/>
-              </a:rPr>
-              <a:t>conception$Name</a:t>
-            </a:r>
-            <a:r>
-              <a:rPr lang="en-GB" sz="2000" dirty="0">
-                <a:latin typeface="Courier New" panose="02070309020205020404" pitchFamily="49" charset="0"/>
-                <a:cs typeface="Courier New" panose="02070309020205020404" pitchFamily="49" charset="0"/>
-              </a:rPr>
-              <a:t> &lt;- </a:t>
-            </a:r>
-            <a:r>
-              <a:rPr lang="en-GB" sz="2000" dirty="0" err="1">
-                <a:latin typeface="Courier New" panose="02070309020205020404" pitchFamily="49" charset="0"/>
-                <a:cs typeface="Courier New" panose="02070309020205020404" pitchFamily="49" charset="0"/>
-              </a:rPr>
-              <a:t>str_trim</a:t>
-            </a:r>
-            <a:r>
-              <a:rPr lang="en-GB" sz="2000" dirty="0">
-                <a:latin typeface="Courier New" panose="02070309020205020404" pitchFamily="49" charset="0"/>
-                <a:cs typeface="Courier New" panose="02070309020205020404" pitchFamily="49" charset="0"/>
-              </a:rPr>
-              <a:t>(</a:t>
-            </a:r>
-            <a:r>
-              <a:rPr lang="en-GB" sz="2000" dirty="0" err="1">
-                <a:latin typeface="Courier New" panose="02070309020205020404" pitchFamily="49" charset="0"/>
-                <a:cs typeface="Courier New" panose="02070309020205020404" pitchFamily="49" charset="0"/>
-              </a:rPr>
-              <a:t>conception$Name</a:t>
-            </a:r>
-            <a:r>
-              <a:rPr lang="en-GB" sz="2000" dirty="0">
-                <a:latin typeface="Courier New" panose="02070309020205020404" pitchFamily="49" charset="0"/>
-                <a:cs typeface="Courier New" panose="02070309020205020404" pitchFamily="49" charset="0"/>
-              </a:rPr>
-              <a:t>)</a:t>
-            </a:r>
-          </a:p>
-          <a:p>
-            <a:pPr marL="0" indent="0">
-              <a:buNone/>
-            </a:pPr>
-            <a:r>
-              <a:rPr lang="en-GB" sz="2000" dirty="0" err="1">
-                <a:latin typeface="Courier New" panose="02070309020205020404" pitchFamily="49" charset="0"/>
-                <a:cs typeface="Courier New" panose="02070309020205020404" pitchFamily="49" charset="0"/>
-              </a:rPr>
-              <a:t>conception$Name</a:t>
-            </a:r>
-            <a:r>
-              <a:rPr lang="en-GB" sz="2000" dirty="0">
-                <a:latin typeface="Courier New" panose="02070309020205020404" pitchFamily="49" charset="0"/>
-                <a:cs typeface="Courier New" panose="02070309020205020404" pitchFamily="49" charset="0"/>
-              </a:rPr>
-              <a:t> &lt;- </a:t>
-            </a:r>
-            <a:r>
-              <a:rPr lang="en-GB" sz="2000" dirty="0" err="1">
-                <a:latin typeface="Courier New" panose="02070309020205020404" pitchFamily="49" charset="0"/>
-                <a:cs typeface="Courier New" panose="02070309020205020404" pitchFamily="49" charset="0"/>
-              </a:rPr>
-              <a:t>gsub</a:t>
-            </a:r>
-            <a:r>
-              <a:rPr lang="en-GB" sz="2000" dirty="0">
-                <a:latin typeface="Courier New" panose="02070309020205020404" pitchFamily="49" charset="0"/>
-                <a:cs typeface="Courier New" panose="02070309020205020404" pitchFamily="49" charset="0"/>
-              </a:rPr>
-              <a:t>(pattern = " UA", replacement = "", </a:t>
-            </a:r>
-            <a:r>
-              <a:rPr lang="en-GB" sz="2000" dirty="0" err="1">
-                <a:latin typeface="Courier New" panose="02070309020205020404" pitchFamily="49" charset="0"/>
-                <a:cs typeface="Courier New" panose="02070309020205020404" pitchFamily="49" charset="0"/>
-              </a:rPr>
-              <a:t>conception$Name</a:t>
-            </a:r>
-            <a:r>
-              <a:rPr lang="en-GB" sz="2000" dirty="0">
-                <a:latin typeface="Courier New" panose="02070309020205020404" pitchFamily="49" charset="0"/>
-                <a:cs typeface="Courier New" panose="02070309020205020404" pitchFamily="49" charset="0"/>
-              </a:rPr>
-              <a:t>)</a:t>
-            </a:r>
-          </a:p>
-          <a:p>
-            <a:endParaRPr lang="en-GB" dirty="0">
-              <a:latin typeface="Courier New" panose="02070309020205020404" pitchFamily="49" charset="0"/>
-              <a:cs typeface="Courier New" panose="02070309020205020404" pitchFamily="49" charset="0"/>
-            </a:endParaRPr>
-          </a:p>
-          <a:p>
-            <a:endParaRPr lang="en-GB" dirty="0">
-              <a:latin typeface="Courier New" panose="02070309020205020404" pitchFamily="49" charset="0"/>
-              <a:cs typeface="Courier New" panose="02070309020205020404" pitchFamily="49" charset="0"/>
-            </a:endParaRPr>
-          </a:p>
-          <a:p>
             <a:endParaRPr lang="en-GB" dirty="0"/>
           </a:p>
+          <a:p>
+            <a:r>
+              <a:rPr lang="en-GB" dirty="0"/>
+              <a:t>What to do?</a:t>
+            </a:r>
+          </a:p>
+          <a:p>
+            <a:pPr lvl="1"/>
+            <a:r>
+              <a:rPr lang="en-GB" dirty="0"/>
+              <a:t>Imputation: substitution mean, logistic regression prediction, matching</a:t>
+            </a:r>
+          </a:p>
+          <a:p>
+            <a:pPr lvl="1"/>
+            <a:r>
+              <a:rPr lang="en-GB" dirty="0"/>
+              <a:t>Truncation, removal, </a:t>
+            </a:r>
+            <a:r>
+              <a:rPr lang="en-GB" dirty="0" err="1"/>
+              <a:t>Winsorising</a:t>
+            </a:r>
+            <a:r>
+              <a:rPr lang="en-GB" dirty="0"/>
+              <a:t>, scaling, judgement</a:t>
+            </a:r>
+          </a:p>
+          <a:p>
+            <a:endParaRPr lang="en-GB" dirty="0"/>
+          </a:p>
+          <a:p>
+            <a:endParaRPr lang="en-GB" dirty="0"/>
+          </a:p>
         </p:txBody>
       </p:sp>
     </p:spTree>
-    <p:extLst>
-      <p:ext uri="{BB962C8B-B14F-4D97-AF65-F5344CB8AC3E}">
-        <p14:creationId xmlns:p14="http://schemas.microsoft.com/office/powerpoint/2010/main" val="2364219758"/>
-      </p:ext>
-    </p:extLst>
   </p:cSld>
   <p:clrMapOvr>
     <a:masterClrMapping/>
@@ -7012,9 +6991,10 @@
           <a:lstStyle/>
           <a:p>
             <a:r>
-              <a:rPr lang="en-GB" dirty="0"/>
-              <a:t>Consistent data</a:t>
-            </a:r>
+              <a:rPr lang="en-GB" dirty="0" err="1"/>
+              <a:t>Subsetting</a:t>
+            </a:r>
+            <a:endParaRPr lang="en-GB" dirty="0"/>
           </a:p>
         </p:txBody>
       </p:sp>
@@ -7028,185 +7008,146 @@
             <p:ph idx="1"/>
           </p:nvPr>
         </p:nvSpPr>
-        <p:spPr>
-          <a:xfrm>
-            <a:off x="457200" y="1600200"/>
-            <a:ext cx="8229600" cy="4853136"/>
-          </a:xfrm>
-        </p:spPr>
+        <p:spPr/>
         <p:txBody>
           <a:bodyPr>
-            <a:normAutofit fontScale="92500" lnSpcReduction="10000"/>
+            <a:normAutofit/>
           </a:bodyPr>
           <a:lstStyle/>
           <a:p>
-            <a:r>
-              <a:rPr lang="en-GB" dirty="0"/>
-              <a:t>Missing values</a:t>
-            </a:r>
-          </a:p>
-          <a:p>
-            <a:pPr marL="457200" lvl="1" indent="0">
+            <a:pPr marL="0" indent="0">
               <a:buNone/>
             </a:pPr>
             <a:r>
-              <a:rPr lang="en-GB" sz="2100" dirty="0">
-                <a:latin typeface="Courier New" pitchFamily="49" charset="0"/>
-                <a:cs typeface="Courier New" pitchFamily="49" charset="0"/>
-              </a:rPr>
-              <a:t>age &lt;- c(23, 16, NA)</a:t>
-            </a:r>
-          </a:p>
-          <a:p>
-            <a:pPr marL="457200" lvl="1" indent="0">
+              <a:rPr lang="en-GB" sz="2400" dirty="0">
+                <a:latin typeface="Courier New" pitchFamily="49" charset="0"/>
+                <a:cs typeface="Courier New" pitchFamily="49" charset="0"/>
+              </a:rPr>
+              <a:t>X[1]</a:t>
+            </a:r>
+          </a:p>
+          <a:p>
+            <a:pPr marL="0" indent="0">
               <a:buNone/>
             </a:pPr>
             <a:r>
-              <a:rPr lang="en-GB" sz="2100" dirty="0">
-                <a:latin typeface="Courier New" pitchFamily="49" charset="0"/>
-                <a:cs typeface="Courier New" pitchFamily="49" charset="0"/>
-              </a:rPr>
-              <a:t>mean(age)</a:t>
-            </a:r>
-          </a:p>
-          <a:p>
-            <a:pPr marL="457200" lvl="1" indent="0">
+              <a:rPr lang="en-GB" sz="2400" dirty="0">
+                <a:latin typeface="Courier New" pitchFamily="49" charset="0"/>
+                <a:cs typeface="Courier New" pitchFamily="49" charset="0"/>
+              </a:rPr>
+              <a:t>x[-c(1, 5)]</a:t>
+            </a:r>
+          </a:p>
+          <a:p>
+            <a:pPr marL="0" indent="0">
               <a:buNone/>
             </a:pPr>
             <a:r>
-              <a:rPr lang="en-GB" sz="2100" dirty="0">
-                <a:solidFill>
-                  <a:srgbClr val="0070C0"/>
-                </a:solidFill>
-                <a:latin typeface="Courier New" pitchFamily="49" charset="0"/>
-                <a:cs typeface="Courier New" pitchFamily="49" charset="0"/>
-              </a:rPr>
-              <a:t>## [1] NA</a:t>
-            </a:r>
-          </a:p>
-          <a:p>
-            <a:pPr marL="457200" lvl="1" indent="0">
+              <a:rPr lang="en-GB" sz="2400" dirty="0">
+                <a:latin typeface="Courier New" pitchFamily="49" charset="0"/>
+                <a:cs typeface="Courier New" pitchFamily="49" charset="0"/>
+              </a:rPr>
+              <a:t>x[c(TRUE, TRUE, FALSE, FALSE)]</a:t>
+            </a:r>
+          </a:p>
+          <a:p>
+            <a:pPr marL="0" indent="0">
               <a:buNone/>
             </a:pPr>
             <a:r>
-              <a:rPr lang="en-GB" sz="2100" dirty="0">
-                <a:latin typeface="Courier New" pitchFamily="49" charset="0"/>
-                <a:cs typeface="Courier New" pitchFamily="49" charset="0"/>
-              </a:rPr>
-              <a:t>mean(age, </a:t>
-            </a:r>
-            <a:r>
-              <a:rPr lang="en-GB" sz="2100" b="1" dirty="0">
-                <a:solidFill>
-                  <a:srgbClr val="FF0000"/>
-                </a:solidFill>
-                <a:latin typeface="Courier New" pitchFamily="49" charset="0"/>
-                <a:cs typeface="Courier New" pitchFamily="49" charset="0"/>
-              </a:rPr>
-              <a:t>na.rm = TRUE</a:t>
-            </a:r>
-            <a:r>
-              <a:rPr lang="en-GB" sz="2100" dirty="0">
-                <a:latin typeface="Courier New" pitchFamily="49" charset="0"/>
-                <a:cs typeface="Courier New" pitchFamily="49" charset="0"/>
-              </a:rPr>
-              <a:t>)</a:t>
-            </a:r>
-          </a:p>
-          <a:p>
-            <a:pPr marL="457200" lvl="1" indent="0">
+              <a:rPr lang="en-GB" sz="2400" dirty="0">
+                <a:latin typeface="Courier New" pitchFamily="49" charset="0"/>
+                <a:cs typeface="Courier New" pitchFamily="49" charset="0"/>
+              </a:rPr>
+              <a:t>x[which(x &gt; 3)]</a:t>
+            </a:r>
+          </a:p>
+          <a:p>
+            <a:pPr marL="0" indent="0">
               <a:buNone/>
             </a:pPr>
             <a:r>
-              <a:rPr lang="en-GB" sz="2100" dirty="0">
-                <a:solidFill>
-                  <a:srgbClr val="0070C0"/>
-                </a:solidFill>
-                <a:latin typeface="Courier New" pitchFamily="49" charset="0"/>
-                <a:cs typeface="Courier New" pitchFamily="49" charset="0"/>
-              </a:rPr>
-              <a:t>## [1] 19.5</a:t>
-            </a:r>
-          </a:p>
-          <a:p>
-            <a:r>
-              <a:rPr lang="en-GB" dirty="0">
-                <a:latin typeface="+mj-lt"/>
-                <a:cs typeface="Courier New" pitchFamily="49" charset="0"/>
-              </a:rPr>
-              <a:t>Checks</a:t>
-            </a:r>
-          </a:p>
-          <a:p>
-            <a:pPr lvl="1"/>
-            <a:r>
-              <a:rPr lang="en-GB" dirty="0">
-                <a:latin typeface="Courier New" pitchFamily="49" charset="0"/>
-                <a:cs typeface="Courier New" pitchFamily="49" charset="0"/>
-              </a:rPr>
-              <a:t>is.na()</a:t>
-            </a:r>
-          </a:p>
-          <a:p>
-            <a:pPr lvl="1"/>
-            <a:r>
-              <a:rPr lang="en-GB" dirty="0" err="1">
-                <a:latin typeface="Courier New" pitchFamily="49" charset="0"/>
-                <a:cs typeface="Courier New" pitchFamily="49" charset="0"/>
-              </a:rPr>
-              <a:t>is.nan</a:t>
-            </a:r>
-            <a:r>
-              <a:rPr lang="en-GB" dirty="0">
-                <a:latin typeface="Courier New" pitchFamily="49" charset="0"/>
-                <a:cs typeface="Courier New" pitchFamily="49" charset="0"/>
-              </a:rPr>
-              <a:t>()</a:t>
-            </a:r>
-          </a:p>
-          <a:p>
-            <a:pPr marL="914400" lvl="1" indent="-457200"/>
-            <a:r>
-              <a:rPr lang="en-GB" sz="2100" dirty="0" err="1">
-                <a:latin typeface="Courier New" pitchFamily="49" charset="0"/>
-                <a:cs typeface="Courier New" pitchFamily="49" charset="0"/>
-              </a:rPr>
-              <a:t>na.omit</a:t>
-            </a:r>
-            <a:r>
-              <a:rPr lang="en-GB" sz="2100" dirty="0">
-                <a:latin typeface="Courier New" pitchFamily="49" charset="0"/>
-                <a:cs typeface="Courier New" pitchFamily="49" charset="0"/>
-              </a:rPr>
-              <a:t>()</a:t>
-            </a:r>
-          </a:p>
-          <a:p>
-            <a:pPr marL="914400" lvl="1" indent="-457200"/>
-            <a:r>
-              <a:rPr lang="en-GB" sz="2100" dirty="0" err="1">
-                <a:latin typeface="Courier New" pitchFamily="49" charset="0"/>
-                <a:cs typeface="Courier New" pitchFamily="49" charset="0"/>
-              </a:rPr>
-              <a:t>complete.cases</a:t>
-            </a:r>
-            <a:r>
-              <a:rPr lang="en-GB" sz="2100" dirty="0">
-                <a:latin typeface="Courier New" pitchFamily="49" charset="0"/>
-                <a:cs typeface="Courier New" pitchFamily="49" charset="0"/>
-              </a:rPr>
-              <a:t>(x)</a:t>
-            </a:r>
-            <a:br>
-              <a:rPr lang="en-GB" dirty="0">
-                <a:latin typeface="Courier New" pitchFamily="49" charset="0"/>
-                <a:cs typeface="Courier New" pitchFamily="49" charset="0"/>
-              </a:rPr>
-            </a:br>
-            <a:endParaRPr lang="en-GB" dirty="0">
+              <a:rPr lang="en-GB" sz="2400" dirty="0">
+                <a:latin typeface="Courier New" pitchFamily="49" charset="0"/>
+                <a:cs typeface="Courier New" pitchFamily="49" charset="0"/>
+              </a:rPr>
+              <a:t>z[c("a", "d")]</a:t>
+            </a:r>
+          </a:p>
+          <a:p>
+            <a:pPr marL="0" indent="0">
+              <a:buNone/>
+            </a:pPr>
+            <a:endParaRPr lang="en-GB" sz="2400" dirty="0">
               <a:latin typeface="Courier New" pitchFamily="49" charset="0"/>
               <a:cs typeface="Courier New" pitchFamily="49" charset="0"/>
             </a:endParaRPr>
+          </a:p>
+          <a:p>
+            <a:pPr marL="0" indent="0">
+              <a:buNone/>
+            </a:pPr>
+            <a:r>
+              <a:rPr lang="en-GB" sz="2000" dirty="0" err="1">
+                <a:latin typeface="Courier New" pitchFamily="49" charset="0"/>
+                <a:cs typeface="Courier New" pitchFamily="49" charset="0"/>
+              </a:rPr>
+              <a:t>df</a:t>
+            </a:r>
+            <a:r>
+              <a:rPr lang="en-GB" sz="2000" dirty="0">
+                <a:latin typeface="Courier New" pitchFamily="49" charset="0"/>
+                <a:cs typeface="Courier New" pitchFamily="49" charset="0"/>
+              </a:rPr>
+              <a:t> &lt;- </a:t>
+            </a:r>
+            <a:r>
+              <a:rPr lang="en-GB" sz="2000" dirty="0" err="1">
+                <a:latin typeface="Courier New" pitchFamily="49" charset="0"/>
+                <a:cs typeface="Courier New" pitchFamily="49" charset="0"/>
+              </a:rPr>
+              <a:t>data.frame</a:t>
+            </a:r>
+            <a:r>
+              <a:rPr lang="en-GB" sz="2000" dirty="0">
+                <a:latin typeface="Courier New" pitchFamily="49" charset="0"/>
+                <a:cs typeface="Courier New" pitchFamily="49" charset="0"/>
+              </a:rPr>
+              <a:t>(x=1:3, y=3:1, z=letters[1:3])</a:t>
+            </a:r>
+          </a:p>
+          <a:p>
+            <a:pPr marL="0" indent="0">
+              <a:buNone/>
+            </a:pPr>
+            <a:r>
+              <a:rPr lang="en-GB" sz="2400" dirty="0" err="1">
+                <a:latin typeface="Courier New" pitchFamily="49" charset="0"/>
+                <a:cs typeface="Courier New" pitchFamily="49" charset="0"/>
+              </a:rPr>
+              <a:t>df</a:t>
+            </a:r>
+            <a:r>
+              <a:rPr lang="en-GB" sz="2400" dirty="0">
+                <a:latin typeface="Courier New" pitchFamily="49" charset="0"/>
+                <a:cs typeface="Courier New" pitchFamily="49" charset="0"/>
+              </a:rPr>
+              <a:t>[</a:t>
+            </a:r>
+            <a:r>
+              <a:rPr lang="en-GB" sz="2400" dirty="0" err="1">
+                <a:latin typeface="Courier New" pitchFamily="49" charset="0"/>
+                <a:cs typeface="Courier New" pitchFamily="49" charset="0"/>
+              </a:rPr>
+              <a:t>df$x</a:t>
+            </a:r>
+            <a:r>
+              <a:rPr lang="en-GB" sz="2400" dirty="0">
+                <a:latin typeface="Courier New" pitchFamily="49" charset="0"/>
+                <a:cs typeface="Courier New" pitchFamily="49" charset="0"/>
+              </a:rPr>
+              <a:t> == 2, ]</a:t>
+            </a:r>
           </a:p>
         </p:txBody>
       </p:sp>
@@ -7252,7 +7193,7 @@
           <a:p>
             <a:r>
               <a:rPr lang="en-GB" dirty="0"/>
-              <a:t>Running example</a:t>
+              <a:t>“Tidy” data</a:t>
             </a:r>
           </a:p>
         </p:txBody>
@@ -7265,187 +7206,6 @@
           </p:cNvSpPr>
           <p:nvPr>
             <p:ph idx="1"/>
-          </p:nvPr>
-        </p:nvSpPr>
-        <p:spPr/>
-        <p:txBody>
-          <a:bodyPr>
-            <a:normAutofit/>
-          </a:bodyPr>
-          <a:lstStyle/>
-          <a:p>
-            <a:pPr marL="0" indent="0">
-              <a:buNone/>
-            </a:pPr>
-            <a:r>
-              <a:rPr lang="en-GB" sz="2000" dirty="0">
-                <a:latin typeface="Courier New" pitchFamily="49" charset="0"/>
-                <a:cs typeface="Courier New" pitchFamily="49" charset="0"/>
-              </a:rPr>
-              <a:t>apply(conception, 2, function(x) any(is.na(x)))</a:t>
-            </a:r>
-          </a:p>
-          <a:p>
-            <a:pPr marL="0" indent="0">
-              <a:buNone/>
-            </a:pPr>
-            <a:endParaRPr lang="en-GB" sz="2400" dirty="0">
-              <a:latin typeface="Courier New" pitchFamily="49" charset="0"/>
-              <a:cs typeface="Courier New" pitchFamily="49" charset="0"/>
-            </a:endParaRPr>
-          </a:p>
-          <a:p>
-            <a:pPr marL="0" indent="0">
-              <a:buNone/>
-            </a:pPr>
-            <a:r>
-              <a:rPr lang="en-GB" sz="2400" dirty="0" err="1">
-                <a:latin typeface="Courier New" pitchFamily="49" charset="0"/>
-                <a:cs typeface="Courier New" pitchFamily="49" charset="0"/>
-              </a:rPr>
-              <a:t>data$Name</a:t>
-            </a:r>
-            <a:r>
-              <a:rPr lang="en-GB" sz="2400" dirty="0">
-                <a:latin typeface="Courier New" pitchFamily="49" charset="0"/>
-                <a:cs typeface="Courier New" pitchFamily="49" charset="0"/>
-              </a:rPr>
-              <a:t> &lt;- </a:t>
-            </a:r>
-            <a:r>
-              <a:rPr lang="en-GB" sz="2400" dirty="0" err="1">
-                <a:latin typeface="Courier New" panose="02070309020205020404" pitchFamily="49" charset="0"/>
-                <a:cs typeface="Courier New" panose="02070309020205020404" pitchFamily="49" charset="0"/>
-              </a:rPr>
-              <a:t>toupper</a:t>
-            </a:r>
-            <a:r>
-              <a:rPr lang="en-GB" sz="2400" dirty="0">
-                <a:latin typeface="Courier New" panose="02070309020205020404" pitchFamily="49" charset="0"/>
-                <a:cs typeface="Courier New" panose="02070309020205020404" pitchFamily="49" charset="0"/>
-              </a:rPr>
-              <a:t>(</a:t>
-            </a:r>
-            <a:r>
-              <a:rPr lang="en-GB" sz="2400" dirty="0" err="1">
-                <a:latin typeface="Courier New" panose="02070309020205020404" pitchFamily="49" charset="0"/>
-                <a:cs typeface="Courier New" panose="02070309020205020404" pitchFamily="49" charset="0"/>
-              </a:rPr>
-              <a:t>conception$Name</a:t>
-            </a:r>
-            <a:r>
-              <a:rPr lang="en-GB" sz="2400" dirty="0">
-                <a:latin typeface="Courier New" panose="02070309020205020404" pitchFamily="49" charset="0"/>
-                <a:cs typeface="Courier New" panose="02070309020205020404" pitchFamily="49" charset="0"/>
-              </a:rPr>
-              <a:t>)</a:t>
-            </a:r>
-          </a:p>
-          <a:p>
-            <a:pPr marL="0" indent="0">
-              <a:buNone/>
-            </a:pPr>
-            <a:endParaRPr lang="en-GB" sz="2400" dirty="0">
-              <a:latin typeface="Courier New" panose="02070309020205020404" pitchFamily="49" charset="0"/>
-              <a:cs typeface="Courier New" panose="02070309020205020404" pitchFamily="49" charset="0"/>
-            </a:endParaRPr>
-          </a:p>
-          <a:p>
-            <a:pPr marL="0" indent="0">
-              <a:buNone/>
-            </a:pPr>
-            <a:r>
-              <a:rPr lang="en-GB" sz="2400" dirty="0" err="1">
-                <a:latin typeface="Courier New" panose="02070309020205020404" pitchFamily="49" charset="0"/>
-                <a:cs typeface="Courier New" panose="02070309020205020404" pitchFamily="49" charset="0"/>
-              </a:rPr>
-              <a:t>chartr</a:t>
-            </a:r>
-            <a:r>
-              <a:rPr lang="en-GB" sz="2400" dirty="0">
-                <a:latin typeface="Courier New" panose="02070309020205020404" pitchFamily="49" charset="0"/>
-                <a:cs typeface="Courier New" panose="02070309020205020404" pitchFamily="49" charset="0"/>
-              </a:rPr>
-              <a:t>(“</a:t>
-            </a:r>
-            <a:r>
-              <a:rPr lang="en-GB" sz="2400" dirty="0" err="1">
-                <a:latin typeface="Courier New" panose="02070309020205020404" pitchFamily="49" charset="0"/>
-                <a:cs typeface="Courier New" panose="02070309020205020404" pitchFamily="49" charset="0"/>
-              </a:rPr>
-              <a:t>AIai</a:t>
-            </a:r>
-            <a:r>
-              <a:rPr lang="en-GB" sz="2400">
-                <a:latin typeface="Courier New" panose="02070309020205020404" pitchFamily="49" charset="0"/>
-                <a:cs typeface="Courier New" panose="02070309020205020404" pitchFamily="49" charset="0"/>
-              </a:rPr>
-              <a:t>", "@!@!", </a:t>
-            </a:r>
-            <a:r>
-              <a:rPr lang="en-GB" sz="2400" dirty="0" err="1">
-                <a:latin typeface="Courier New" panose="02070309020205020404" pitchFamily="49" charset="0"/>
-                <a:cs typeface="Courier New" panose="02070309020205020404" pitchFamily="49" charset="0"/>
-              </a:rPr>
-              <a:t>conception$Name</a:t>
-            </a:r>
-            <a:r>
-              <a:rPr lang="en-GB" sz="2400" dirty="0">
-                <a:latin typeface="Courier New" panose="02070309020205020404" pitchFamily="49" charset="0"/>
-                <a:cs typeface="Courier New" panose="02070309020205020404" pitchFamily="49" charset="0"/>
-              </a:rPr>
-              <a:t>)</a:t>
-            </a:r>
-          </a:p>
-          <a:p>
-            <a:endParaRPr lang="en-GB" dirty="0">
-              <a:latin typeface="Courier New" panose="02070309020205020404" pitchFamily="49" charset="0"/>
-              <a:cs typeface="Courier New" panose="02070309020205020404" pitchFamily="49" charset="0"/>
-            </a:endParaRPr>
-          </a:p>
-          <a:p>
-            <a:endParaRPr lang="en-GB" dirty="0"/>
-          </a:p>
-        </p:txBody>
-      </p:sp>
-    </p:spTree>
-    <p:extLst>
-      <p:ext uri="{BB962C8B-B14F-4D97-AF65-F5344CB8AC3E}">
-        <p14:creationId xmlns:p14="http://schemas.microsoft.com/office/powerpoint/2010/main" val="229296906"/>
-      </p:ext>
-    </p:extLst>
-  </p:cSld>
-  <p:clrMapOvr>
-    <a:masterClrMapping/>
-  </p:clrMapOvr>
-</p:sld>
-</file>
-
-<file path=ppt/slides/slide23.xml><?xml version="1.0" encoding="utf-8"?>
-<p:sld xmlns:a="http://schemas.openxmlformats.org/drawingml/2006/main" xmlns:r="http://schemas.openxmlformats.org/officeDocument/2006/relationships" xmlns:p="http://schemas.openxmlformats.org/presentationml/2006/main">
-  <p:cSld>
-    <p:spTree>
-      <p:nvGrpSpPr>
-        <p:cNvPr id="1" name=""/>
-        <p:cNvGrpSpPr/>
-        <p:nvPr/>
-      </p:nvGrpSpPr>
-      <p:grpSpPr>
-        <a:xfrm>
-          <a:off x="0" y="0"/>
-          <a:ext cx="0" cy="0"/>
-          <a:chOff x="0" y="0"/>
-          <a:chExt cx="0" cy="0"/>
-        </a:xfrm>
-      </p:grpSpPr>
-      <p:sp>
-        <p:nvSpPr>
-          <p:cNvPr id="2" name="Title 1"/>
-          <p:cNvSpPr>
-            <a:spLocks noGrp="1"/>
-          </p:cNvSpPr>
-          <p:nvPr>
-            <p:ph type="title"/>
           </p:nvPr>
         </p:nvSpPr>
         <p:spPr/>
@@ -7453,963 +7213,6 @@
           <a:bodyPr/>
           <a:lstStyle/>
           <a:p>
-            <a:endParaRPr lang="en-GB"/>
-          </a:p>
-        </p:txBody>
-      </p:sp>
-      <p:sp>
-        <p:nvSpPr>
-          <p:cNvPr id="3" name="Content Placeholder 2"/>
-          <p:cNvSpPr>
-            <a:spLocks noGrp="1"/>
-          </p:cNvSpPr>
-          <p:nvPr>
-            <p:ph idx="1"/>
-          </p:nvPr>
-        </p:nvSpPr>
-        <p:spPr/>
-        <p:txBody>
-          <a:bodyPr>
-            <a:normAutofit fontScale="92500" lnSpcReduction="20000"/>
-          </a:bodyPr>
-          <a:lstStyle/>
-          <a:p>
-            <a:r>
-              <a:rPr lang="en-GB" dirty="0"/>
-              <a:t>Outliers</a:t>
-            </a:r>
-          </a:p>
-          <a:p>
-            <a:pPr lvl="1"/>
-            <a:r>
-              <a:rPr lang="en-GB" dirty="0"/>
-              <a:t>What’s realistic? Permissible (integrity)?</a:t>
-            </a:r>
-          </a:p>
-          <a:p>
-            <a:pPr marL="457200" lvl="1" indent="0">
-              <a:buNone/>
-            </a:pPr>
-            <a:r>
-              <a:rPr lang="en-GB" dirty="0"/>
-              <a:t>(</a:t>
-            </a:r>
-            <a:r>
-              <a:rPr lang="en-GB" i="1" dirty="0"/>
-              <a:t>Outliers: An Evaluation of Methodologies</a:t>
-            </a:r>
-            <a:r>
-              <a:rPr lang="en-GB" dirty="0"/>
-              <a:t>, </a:t>
-            </a:r>
-            <a:r>
-              <a:rPr lang="en-GB" dirty="0" err="1"/>
-              <a:t>Dhiren</a:t>
-            </a:r>
-            <a:r>
-              <a:rPr lang="en-GB" dirty="0"/>
-              <a:t> Ghosh, Andrew Vogt, </a:t>
-            </a:r>
-            <a:r>
-              <a:rPr lang="en-GB" dirty="0">
-                <a:hlinkClick r:id="rId2"/>
-              </a:rPr>
-              <a:t>https://www.amstat.org/sections/srms/proceedings/y2012/files/304068_72402.pdf</a:t>
-            </a:r>
-            <a:r>
-              <a:rPr lang="en-GB" dirty="0"/>
-              <a:t>)</a:t>
-            </a:r>
-          </a:p>
-          <a:p>
-            <a:pPr marL="457200" lvl="1" indent="0">
-              <a:buNone/>
-            </a:pPr>
-            <a:endParaRPr lang="en-GB" dirty="0"/>
-          </a:p>
-          <a:p>
-            <a:r>
-              <a:rPr lang="en-GB" dirty="0"/>
-              <a:t>What to do?</a:t>
-            </a:r>
-          </a:p>
-          <a:p>
-            <a:pPr lvl="1"/>
-            <a:r>
-              <a:rPr lang="en-GB" dirty="0"/>
-              <a:t>Imputation: substitution mean, logistic regression prediction, matching</a:t>
-            </a:r>
-          </a:p>
-          <a:p>
-            <a:pPr lvl="1"/>
-            <a:r>
-              <a:rPr lang="en-GB" dirty="0"/>
-              <a:t>Truncation, removal, </a:t>
-            </a:r>
-            <a:r>
-              <a:rPr lang="en-GB" dirty="0" err="1"/>
-              <a:t>Winsorising</a:t>
-            </a:r>
-            <a:r>
-              <a:rPr lang="en-GB" dirty="0"/>
-              <a:t>, scaling, judgement</a:t>
-            </a:r>
-          </a:p>
-          <a:p>
-            <a:endParaRPr lang="en-GB" dirty="0"/>
-          </a:p>
-          <a:p>
-            <a:endParaRPr lang="en-GB" dirty="0"/>
-          </a:p>
-        </p:txBody>
-      </p:sp>
-    </p:spTree>
-  </p:cSld>
-  <p:clrMapOvr>
-    <a:masterClrMapping/>
-  </p:clrMapOvr>
-</p:sld>
-</file>
-
-<file path=ppt/slides/slide24.xml><?xml version="1.0" encoding="utf-8"?>
-<p:sld xmlns:a="http://schemas.openxmlformats.org/drawingml/2006/main" xmlns:r="http://schemas.openxmlformats.org/officeDocument/2006/relationships" xmlns:p="http://schemas.openxmlformats.org/presentationml/2006/main">
-  <p:cSld>
-    <p:spTree>
-      <p:nvGrpSpPr>
-        <p:cNvPr id="1" name=""/>
-        <p:cNvGrpSpPr/>
-        <p:nvPr/>
-      </p:nvGrpSpPr>
-      <p:grpSpPr>
-        <a:xfrm>
-          <a:off x="0" y="0"/>
-          <a:ext cx="0" cy="0"/>
-          <a:chOff x="0" y="0"/>
-          <a:chExt cx="0" cy="0"/>
-        </a:xfrm>
-      </p:grpSpPr>
-      <p:sp>
-        <p:nvSpPr>
-          <p:cNvPr id="2" name="Title 1"/>
-          <p:cNvSpPr>
-            <a:spLocks noGrp="1"/>
-          </p:cNvSpPr>
-          <p:nvPr>
-            <p:ph type="title"/>
-          </p:nvPr>
-        </p:nvSpPr>
-        <p:spPr/>
-        <p:txBody>
-          <a:bodyPr/>
-          <a:lstStyle/>
-          <a:p>
-            <a:r>
-              <a:rPr lang="en-GB" dirty="0" err="1"/>
-              <a:t>Subsetting</a:t>
-            </a:r>
-            <a:endParaRPr lang="en-GB" dirty="0"/>
-          </a:p>
-        </p:txBody>
-      </p:sp>
-      <p:sp>
-        <p:nvSpPr>
-          <p:cNvPr id="3" name="Content Placeholder 2"/>
-          <p:cNvSpPr>
-            <a:spLocks noGrp="1"/>
-          </p:cNvSpPr>
-          <p:nvPr>
-            <p:ph idx="1"/>
-          </p:nvPr>
-        </p:nvSpPr>
-        <p:spPr/>
-        <p:txBody>
-          <a:bodyPr>
-            <a:normAutofit/>
-          </a:bodyPr>
-          <a:lstStyle/>
-          <a:p>
-            <a:pPr marL="0" indent="0">
-              <a:buNone/>
-            </a:pPr>
-            <a:r>
-              <a:rPr lang="en-GB" sz="2400" dirty="0">
-                <a:latin typeface="Courier New" pitchFamily="49" charset="0"/>
-                <a:cs typeface="Courier New" pitchFamily="49" charset="0"/>
-              </a:rPr>
-              <a:t>X[1]</a:t>
-            </a:r>
-          </a:p>
-          <a:p>
-            <a:pPr marL="0" indent="0">
-              <a:buNone/>
-            </a:pPr>
-            <a:r>
-              <a:rPr lang="en-GB" sz="2400" dirty="0">
-                <a:latin typeface="Courier New" pitchFamily="49" charset="0"/>
-                <a:cs typeface="Courier New" pitchFamily="49" charset="0"/>
-              </a:rPr>
-              <a:t>x[-c(1, 5)]</a:t>
-            </a:r>
-          </a:p>
-          <a:p>
-            <a:pPr marL="0" indent="0">
-              <a:buNone/>
-            </a:pPr>
-            <a:r>
-              <a:rPr lang="en-GB" sz="2400" dirty="0">
-                <a:latin typeface="Courier New" pitchFamily="49" charset="0"/>
-                <a:cs typeface="Courier New" pitchFamily="49" charset="0"/>
-              </a:rPr>
-              <a:t>x[c(TRUE, TRUE, FALSE, FALSE)]</a:t>
-            </a:r>
-          </a:p>
-          <a:p>
-            <a:pPr marL="0" indent="0">
-              <a:buNone/>
-            </a:pPr>
-            <a:r>
-              <a:rPr lang="en-GB" sz="2400" dirty="0">
-                <a:latin typeface="Courier New" pitchFamily="49" charset="0"/>
-                <a:cs typeface="Courier New" pitchFamily="49" charset="0"/>
-              </a:rPr>
-              <a:t>x[which(x &gt; 3)]</a:t>
-            </a:r>
-          </a:p>
-          <a:p>
-            <a:pPr marL="0" indent="0">
-              <a:buNone/>
-            </a:pPr>
-            <a:r>
-              <a:rPr lang="en-GB" sz="2400" dirty="0">
-                <a:latin typeface="Courier New" pitchFamily="49" charset="0"/>
-                <a:cs typeface="Courier New" pitchFamily="49" charset="0"/>
-              </a:rPr>
-              <a:t>z[c("a", "d")]</a:t>
-            </a:r>
-          </a:p>
-          <a:p>
-            <a:pPr marL="0" indent="0">
-              <a:buNone/>
-            </a:pPr>
-            <a:endParaRPr lang="en-GB" sz="2400" dirty="0">
-              <a:latin typeface="Courier New" pitchFamily="49" charset="0"/>
-              <a:cs typeface="Courier New" pitchFamily="49" charset="0"/>
-            </a:endParaRPr>
-          </a:p>
-          <a:p>
-            <a:pPr marL="0" indent="0">
-              <a:buNone/>
-            </a:pPr>
-            <a:r>
-              <a:rPr lang="en-GB" sz="2000" dirty="0" err="1">
-                <a:latin typeface="Courier New" pitchFamily="49" charset="0"/>
-                <a:cs typeface="Courier New" pitchFamily="49" charset="0"/>
-              </a:rPr>
-              <a:t>df</a:t>
-            </a:r>
-            <a:r>
-              <a:rPr lang="en-GB" sz="2000" dirty="0">
-                <a:latin typeface="Courier New" pitchFamily="49" charset="0"/>
-                <a:cs typeface="Courier New" pitchFamily="49" charset="0"/>
-              </a:rPr>
-              <a:t> &lt;- </a:t>
-            </a:r>
-            <a:r>
-              <a:rPr lang="en-GB" sz="2000" dirty="0" err="1">
-                <a:latin typeface="Courier New" pitchFamily="49" charset="0"/>
-                <a:cs typeface="Courier New" pitchFamily="49" charset="0"/>
-              </a:rPr>
-              <a:t>data.frame</a:t>
-            </a:r>
-            <a:r>
-              <a:rPr lang="en-GB" sz="2000" dirty="0">
-                <a:latin typeface="Courier New" pitchFamily="49" charset="0"/>
-                <a:cs typeface="Courier New" pitchFamily="49" charset="0"/>
-              </a:rPr>
-              <a:t>(x=1:3, y=3:1, z=letters[1:3])</a:t>
-            </a:r>
-          </a:p>
-          <a:p>
-            <a:pPr marL="0" indent="0">
-              <a:buNone/>
-            </a:pPr>
-            <a:r>
-              <a:rPr lang="en-GB" sz="2400" dirty="0" err="1">
-                <a:latin typeface="Courier New" pitchFamily="49" charset="0"/>
-                <a:cs typeface="Courier New" pitchFamily="49" charset="0"/>
-              </a:rPr>
-              <a:t>df</a:t>
-            </a:r>
-            <a:r>
-              <a:rPr lang="en-GB" sz="2400" dirty="0">
-                <a:latin typeface="Courier New" pitchFamily="49" charset="0"/>
-                <a:cs typeface="Courier New" pitchFamily="49" charset="0"/>
-              </a:rPr>
-              <a:t>[</a:t>
-            </a:r>
-            <a:r>
-              <a:rPr lang="en-GB" sz="2400" dirty="0" err="1">
-                <a:latin typeface="Courier New" pitchFamily="49" charset="0"/>
-                <a:cs typeface="Courier New" pitchFamily="49" charset="0"/>
-              </a:rPr>
-              <a:t>df$x</a:t>
-            </a:r>
-            <a:r>
-              <a:rPr lang="en-GB" sz="2400" dirty="0">
-                <a:latin typeface="Courier New" pitchFamily="49" charset="0"/>
-                <a:cs typeface="Courier New" pitchFamily="49" charset="0"/>
-              </a:rPr>
-              <a:t> == 2, ]</a:t>
-            </a:r>
-          </a:p>
-        </p:txBody>
-      </p:sp>
-    </p:spTree>
-  </p:cSld>
-  <p:clrMapOvr>
-    <a:masterClrMapping/>
-  </p:clrMapOvr>
-</p:sld>
-</file>
-
-<file path=ppt/slides/slide25.xml><?xml version="1.0" encoding="utf-8"?>
-<p:sld xmlns:a="http://schemas.openxmlformats.org/drawingml/2006/main" xmlns:r="http://schemas.openxmlformats.org/officeDocument/2006/relationships" xmlns:p="http://schemas.openxmlformats.org/presentationml/2006/main">
-  <p:cSld>
-    <p:spTree>
-      <p:nvGrpSpPr>
-        <p:cNvPr id="1" name=""/>
-        <p:cNvGrpSpPr/>
-        <p:nvPr/>
-      </p:nvGrpSpPr>
-      <p:grpSpPr>
-        <a:xfrm>
-          <a:off x="0" y="0"/>
-          <a:ext cx="0" cy="0"/>
-          <a:chOff x="0" y="0"/>
-          <a:chExt cx="0" cy="0"/>
-        </a:xfrm>
-      </p:grpSpPr>
-      <p:sp>
-        <p:nvSpPr>
-          <p:cNvPr id="2" name="Title 1"/>
-          <p:cNvSpPr>
-            <a:spLocks noGrp="1"/>
-          </p:cNvSpPr>
-          <p:nvPr>
-            <p:ph type="title"/>
-          </p:nvPr>
-        </p:nvSpPr>
-        <p:spPr/>
-        <p:txBody>
-          <a:bodyPr/>
-          <a:lstStyle/>
-          <a:p>
-            <a:r>
-              <a:rPr lang="en-GB" dirty="0"/>
-              <a:t>The </a:t>
-            </a:r>
-            <a:r>
-              <a:rPr lang="en-GB" dirty="0">
-                <a:latin typeface="Courier New" panose="02070309020205020404" pitchFamily="49" charset="0"/>
-                <a:cs typeface="Courier New" panose="02070309020205020404" pitchFamily="49" charset="0"/>
-              </a:rPr>
-              <a:t>apply()</a:t>
-            </a:r>
-            <a:r>
-              <a:rPr lang="en-GB" dirty="0"/>
-              <a:t> family</a:t>
-            </a:r>
-          </a:p>
-        </p:txBody>
-      </p:sp>
-      <p:sp>
-        <p:nvSpPr>
-          <p:cNvPr id="3" name="Content Placeholder 2"/>
-          <p:cNvSpPr>
-            <a:spLocks noGrp="1"/>
-          </p:cNvSpPr>
-          <p:nvPr>
-            <p:ph idx="1"/>
-          </p:nvPr>
-        </p:nvSpPr>
-        <p:spPr/>
-        <p:txBody>
-          <a:bodyPr>
-            <a:normAutofit/>
-          </a:bodyPr>
-          <a:lstStyle/>
-          <a:p>
-            <a:r>
-              <a:rPr lang="en-GB" sz="2400" dirty="0" err="1">
-                <a:latin typeface="Courier New" panose="02070309020205020404" pitchFamily="49" charset="0"/>
-                <a:cs typeface="Courier New" panose="02070309020205020404" pitchFamily="49" charset="0"/>
-              </a:rPr>
-              <a:t>lapply</a:t>
-            </a:r>
-            <a:r>
-              <a:rPr lang="en-GB" sz="2400" dirty="0">
-                <a:latin typeface="Courier New" panose="02070309020205020404" pitchFamily="49" charset="0"/>
-                <a:cs typeface="Courier New" panose="02070309020205020404" pitchFamily="49" charset="0"/>
-              </a:rPr>
-              <a:t>()</a:t>
-            </a:r>
-          </a:p>
-          <a:p>
-            <a:pPr lvl="1"/>
-            <a:r>
-              <a:rPr lang="en-GB" sz="2000" dirty="0"/>
-              <a:t>Loop over a list and evaluate a function on each element</a:t>
-            </a:r>
-          </a:p>
-          <a:p>
-            <a:r>
-              <a:rPr lang="en-GB" sz="2400" dirty="0" err="1">
-                <a:latin typeface="Courier New" panose="02070309020205020404" pitchFamily="49" charset="0"/>
-                <a:cs typeface="Courier New" panose="02070309020205020404" pitchFamily="49" charset="0"/>
-              </a:rPr>
-              <a:t>sapply</a:t>
-            </a:r>
-            <a:r>
-              <a:rPr lang="en-GB" sz="2400" dirty="0">
-                <a:latin typeface="Courier New" panose="02070309020205020404" pitchFamily="49" charset="0"/>
-                <a:cs typeface="Courier New" panose="02070309020205020404" pitchFamily="49" charset="0"/>
-              </a:rPr>
-              <a:t>()</a:t>
-            </a:r>
-          </a:p>
-          <a:p>
-            <a:pPr lvl="1"/>
-            <a:r>
-              <a:rPr lang="en-GB" sz="2000" dirty="0"/>
-              <a:t>Same as </a:t>
-            </a:r>
-            <a:r>
-              <a:rPr lang="en-GB" sz="2000" dirty="0" err="1">
-                <a:latin typeface="Courier New" panose="02070309020205020404" pitchFamily="49" charset="0"/>
-                <a:cs typeface="Courier New" panose="02070309020205020404" pitchFamily="49" charset="0"/>
-              </a:rPr>
-              <a:t>lapply</a:t>
-            </a:r>
-            <a:r>
-              <a:rPr lang="en-GB" sz="2000" dirty="0"/>
-              <a:t> but try to simplify the result</a:t>
-            </a:r>
-          </a:p>
-          <a:p>
-            <a:r>
-              <a:rPr lang="en-GB" sz="2400" dirty="0">
-                <a:latin typeface="Courier New" panose="02070309020205020404" pitchFamily="49" charset="0"/>
-                <a:cs typeface="Courier New" panose="02070309020205020404" pitchFamily="49" charset="0"/>
-              </a:rPr>
-              <a:t>apply()</a:t>
-            </a:r>
-          </a:p>
-          <a:p>
-            <a:pPr lvl="1"/>
-            <a:r>
-              <a:rPr lang="en-GB" sz="2000" dirty="0"/>
-              <a:t>Apply a function over the margins of an array</a:t>
-            </a:r>
-          </a:p>
-          <a:p>
-            <a:r>
-              <a:rPr lang="en-GB" sz="2400" dirty="0" err="1">
-                <a:latin typeface="Courier New" panose="02070309020205020404" pitchFamily="49" charset="0"/>
-                <a:cs typeface="Courier New" panose="02070309020205020404" pitchFamily="49" charset="0"/>
-              </a:rPr>
-              <a:t>tapply</a:t>
-            </a:r>
-            <a:r>
-              <a:rPr lang="en-GB" sz="2400" dirty="0">
-                <a:latin typeface="Courier New" panose="02070309020205020404" pitchFamily="49" charset="0"/>
-                <a:cs typeface="Courier New" panose="02070309020205020404" pitchFamily="49" charset="0"/>
-              </a:rPr>
-              <a:t>()</a:t>
-            </a:r>
-          </a:p>
-          <a:p>
-            <a:pPr lvl="1"/>
-            <a:r>
-              <a:rPr lang="en-GB" sz="2000" dirty="0"/>
-              <a:t>Apply a function over subsets of a vector</a:t>
-            </a:r>
-          </a:p>
-          <a:p>
-            <a:r>
-              <a:rPr lang="en-GB" sz="2400" dirty="0" err="1">
-                <a:latin typeface="Courier New" panose="02070309020205020404" pitchFamily="49" charset="0"/>
-                <a:cs typeface="Courier New" panose="02070309020205020404" pitchFamily="49" charset="0"/>
-              </a:rPr>
-              <a:t>mapply</a:t>
-            </a:r>
-            <a:r>
-              <a:rPr lang="en-GB" sz="2400" dirty="0">
-                <a:latin typeface="Courier New" panose="02070309020205020404" pitchFamily="49" charset="0"/>
-                <a:cs typeface="Courier New" panose="02070309020205020404" pitchFamily="49" charset="0"/>
-              </a:rPr>
-              <a:t>()</a:t>
-            </a:r>
-          </a:p>
-          <a:p>
-            <a:pPr lvl="1"/>
-            <a:r>
-              <a:rPr lang="en-GB" sz="2000" dirty="0"/>
-              <a:t>Multivariate version of </a:t>
-            </a:r>
-            <a:r>
-              <a:rPr lang="en-GB" sz="2000" dirty="0" err="1">
-                <a:latin typeface="Courier New" panose="02070309020205020404" pitchFamily="49" charset="0"/>
-                <a:cs typeface="Courier New" panose="02070309020205020404" pitchFamily="49" charset="0"/>
-              </a:rPr>
-              <a:t>lapply</a:t>
-            </a:r>
-            <a:endParaRPr lang="en-GB" sz="2000" dirty="0">
-              <a:latin typeface="Courier New" panose="02070309020205020404" pitchFamily="49" charset="0"/>
-              <a:cs typeface="Courier New" panose="02070309020205020404" pitchFamily="49" charset="0"/>
-            </a:endParaRPr>
-          </a:p>
-          <a:p>
-            <a:endParaRPr lang="en-GB" dirty="0"/>
-          </a:p>
-        </p:txBody>
-      </p:sp>
-    </p:spTree>
-  </p:cSld>
-  <p:clrMapOvr>
-    <a:masterClrMapping/>
-  </p:clrMapOvr>
-</p:sld>
-</file>
-
-<file path=ppt/slides/slide26.xml><?xml version="1.0" encoding="utf-8"?>
-<p:sld xmlns:a="http://schemas.openxmlformats.org/drawingml/2006/main" xmlns:r="http://schemas.openxmlformats.org/officeDocument/2006/relationships" xmlns:p="http://schemas.openxmlformats.org/presentationml/2006/main">
-  <p:cSld>
-    <p:spTree>
-      <p:nvGrpSpPr>
-        <p:cNvPr id="1" name=""/>
-        <p:cNvGrpSpPr/>
-        <p:nvPr/>
-      </p:nvGrpSpPr>
-      <p:grpSpPr>
-        <a:xfrm>
-          <a:off x="0" y="0"/>
-          <a:ext cx="0" cy="0"/>
-          <a:chOff x="0" y="0"/>
-          <a:chExt cx="0" cy="0"/>
-        </a:xfrm>
-      </p:grpSpPr>
-      <p:sp>
-        <p:nvSpPr>
-          <p:cNvPr id="2" name="Title 1"/>
-          <p:cNvSpPr>
-            <a:spLocks noGrp="1"/>
-          </p:cNvSpPr>
-          <p:nvPr>
-            <p:ph type="title"/>
-          </p:nvPr>
-        </p:nvSpPr>
-        <p:spPr/>
-        <p:txBody>
-          <a:bodyPr/>
-          <a:lstStyle/>
-          <a:p>
-            <a:r>
-              <a:rPr lang="en-GB" dirty="0"/>
-              <a:t>Examples</a:t>
-            </a:r>
-          </a:p>
-        </p:txBody>
-      </p:sp>
-      <p:sp>
-        <p:nvSpPr>
-          <p:cNvPr id="3" name="Content Placeholder 2"/>
-          <p:cNvSpPr>
-            <a:spLocks noGrp="1"/>
-          </p:cNvSpPr>
-          <p:nvPr>
-            <p:ph idx="1"/>
-          </p:nvPr>
-        </p:nvSpPr>
-        <p:spPr/>
-        <p:txBody>
-          <a:bodyPr>
-            <a:normAutofit fontScale="77500" lnSpcReduction="20000"/>
-          </a:bodyPr>
-          <a:lstStyle/>
-          <a:p>
-            <a:pPr marL="0" indent="0">
-              <a:buNone/>
-            </a:pPr>
-            <a:r>
-              <a:rPr lang="en-GB" sz="2400" dirty="0">
-                <a:latin typeface="Courier New" panose="02070309020205020404" pitchFamily="49" charset="0"/>
-                <a:cs typeface="Courier New" panose="02070309020205020404" pitchFamily="49" charset="0"/>
-              </a:rPr>
-              <a:t>x &lt;- matrix(</a:t>
-            </a:r>
-            <a:r>
-              <a:rPr lang="en-GB" sz="2400" dirty="0" err="1">
-                <a:latin typeface="Courier New" panose="02070309020205020404" pitchFamily="49" charset="0"/>
-                <a:cs typeface="Courier New" panose="02070309020205020404" pitchFamily="49" charset="0"/>
-              </a:rPr>
-              <a:t>rnorm</a:t>
-            </a:r>
-            <a:r>
-              <a:rPr lang="en-GB" sz="2400" dirty="0">
-                <a:latin typeface="Courier New" panose="02070309020205020404" pitchFamily="49" charset="0"/>
-                <a:cs typeface="Courier New" panose="02070309020205020404" pitchFamily="49" charset="0"/>
-              </a:rPr>
-              <a:t>(200), 20, 10)</a:t>
-            </a:r>
-          </a:p>
-          <a:p>
-            <a:pPr marL="0" indent="0">
-              <a:buNone/>
-            </a:pPr>
-            <a:r>
-              <a:rPr lang="en-GB" sz="2400" dirty="0">
-                <a:latin typeface="Courier New" panose="02070309020205020404" pitchFamily="49" charset="0"/>
-                <a:cs typeface="Courier New" panose="02070309020205020404" pitchFamily="49" charset="0"/>
-              </a:rPr>
-              <a:t>apply(x, 2, mean)</a:t>
-            </a:r>
-          </a:p>
-          <a:p>
-            <a:pPr marL="0" indent="0">
-              <a:buNone/>
-            </a:pPr>
-            <a:endParaRPr lang="en-GB" sz="2400" dirty="0">
-              <a:latin typeface="Courier New" panose="02070309020205020404" pitchFamily="49" charset="0"/>
-              <a:cs typeface="Courier New" panose="02070309020205020404" pitchFamily="49" charset="0"/>
-            </a:endParaRPr>
-          </a:p>
-          <a:p>
-            <a:pPr marL="0" indent="0">
-              <a:buNone/>
-            </a:pPr>
-            <a:r>
-              <a:rPr lang="en-GB" sz="2400" dirty="0">
-                <a:latin typeface="Courier New" panose="02070309020205020404" pitchFamily="49" charset="0"/>
-                <a:cs typeface="Courier New" panose="02070309020205020404" pitchFamily="49" charset="0"/>
-              </a:rPr>
-              <a:t>x &lt;- list(a = 1:5, b = </a:t>
-            </a:r>
-            <a:r>
-              <a:rPr lang="en-GB" sz="2400" dirty="0" err="1">
-                <a:latin typeface="Courier New" panose="02070309020205020404" pitchFamily="49" charset="0"/>
-                <a:cs typeface="Courier New" panose="02070309020205020404" pitchFamily="49" charset="0"/>
-              </a:rPr>
-              <a:t>rnorm</a:t>
-            </a:r>
-            <a:r>
-              <a:rPr lang="en-GB" sz="2400" dirty="0">
-                <a:latin typeface="Courier New" panose="02070309020205020404" pitchFamily="49" charset="0"/>
-                <a:cs typeface="Courier New" panose="02070309020205020404" pitchFamily="49" charset="0"/>
-              </a:rPr>
-              <a:t>(10))</a:t>
-            </a:r>
-          </a:p>
-          <a:p>
-            <a:pPr marL="0" indent="0">
-              <a:buNone/>
-            </a:pPr>
-            <a:r>
-              <a:rPr lang="en-GB" sz="2400" dirty="0" err="1">
-                <a:latin typeface="Courier New" panose="02070309020205020404" pitchFamily="49" charset="0"/>
-                <a:cs typeface="Courier New" panose="02070309020205020404" pitchFamily="49" charset="0"/>
-              </a:rPr>
-              <a:t>lapply</a:t>
-            </a:r>
-            <a:r>
-              <a:rPr lang="en-GB" sz="2400" dirty="0">
-                <a:latin typeface="Courier New" panose="02070309020205020404" pitchFamily="49" charset="0"/>
-                <a:cs typeface="Courier New" panose="02070309020205020404" pitchFamily="49" charset="0"/>
-              </a:rPr>
-              <a:t>(x, mean)</a:t>
-            </a:r>
-          </a:p>
-          <a:p>
-            <a:pPr marL="0" indent="0">
-              <a:buNone/>
-            </a:pPr>
-            <a:r>
-              <a:rPr lang="en-GB" sz="2400" dirty="0" err="1">
-                <a:latin typeface="Courier New" panose="02070309020205020404" pitchFamily="49" charset="0"/>
-                <a:cs typeface="Courier New" panose="02070309020205020404" pitchFamily="49" charset="0"/>
-              </a:rPr>
-              <a:t>sapply</a:t>
-            </a:r>
-            <a:r>
-              <a:rPr lang="en-GB" sz="2400" dirty="0">
-                <a:latin typeface="Courier New" panose="02070309020205020404" pitchFamily="49" charset="0"/>
-                <a:cs typeface="Courier New" panose="02070309020205020404" pitchFamily="49" charset="0"/>
-              </a:rPr>
-              <a:t>(x, mean)</a:t>
-            </a:r>
-          </a:p>
-          <a:p>
-            <a:pPr marL="0" indent="0">
-              <a:buNone/>
-            </a:pPr>
-            <a:endParaRPr lang="en-GB" sz="2400" dirty="0">
-              <a:latin typeface="Courier New" panose="02070309020205020404" pitchFamily="49" charset="0"/>
-              <a:cs typeface="Courier New" panose="02070309020205020404" pitchFamily="49" charset="0"/>
-            </a:endParaRPr>
-          </a:p>
-          <a:p>
-            <a:pPr marL="0" indent="0">
-              <a:buNone/>
-            </a:pPr>
-            <a:r>
-              <a:rPr lang="en-GB" sz="2400" dirty="0">
-                <a:latin typeface="Courier New" panose="02070309020205020404" pitchFamily="49" charset="0"/>
-                <a:cs typeface="Courier New" panose="02070309020205020404" pitchFamily="49" charset="0"/>
-              </a:rPr>
-              <a:t>x &lt;- c(</a:t>
-            </a:r>
-            <a:r>
-              <a:rPr lang="en-GB" sz="2400" dirty="0" err="1">
-                <a:latin typeface="Courier New" panose="02070309020205020404" pitchFamily="49" charset="0"/>
-                <a:cs typeface="Courier New" panose="02070309020205020404" pitchFamily="49" charset="0"/>
-              </a:rPr>
-              <a:t>rnorm</a:t>
-            </a:r>
-            <a:r>
-              <a:rPr lang="en-GB" sz="2400" dirty="0">
-                <a:latin typeface="Courier New" panose="02070309020205020404" pitchFamily="49" charset="0"/>
-                <a:cs typeface="Courier New" panose="02070309020205020404" pitchFamily="49" charset="0"/>
-              </a:rPr>
-              <a:t>(10), </a:t>
-            </a:r>
-            <a:r>
-              <a:rPr lang="en-GB" sz="2400" dirty="0" err="1">
-                <a:latin typeface="Courier New" panose="02070309020205020404" pitchFamily="49" charset="0"/>
-                <a:cs typeface="Courier New" panose="02070309020205020404" pitchFamily="49" charset="0"/>
-              </a:rPr>
-              <a:t>runif</a:t>
-            </a:r>
-            <a:r>
-              <a:rPr lang="en-GB" sz="2400" dirty="0">
-                <a:latin typeface="Courier New" panose="02070309020205020404" pitchFamily="49" charset="0"/>
-                <a:cs typeface="Courier New" panose="02070309020205020404" pitchFamily="49" charset="0"/>
-              </a:rPr>
-              <a:t>(10), </a:t>
-            </a:r>
-            <a:r>
-              <a:rPr lang="en-GB" sz="2400" dirty="0" err="1">
-                <a:latin typeface="Courier New" panose="02070309020205020404" pitchFamily="49" charset="0"/>
-                <a:cs typeface="Courier New" panose="02070309020205020404" pitchFamily="49" charset="0"/>
-              </a:rPr>
-              <a:t>rnorm</a:t>
-            </a:r>
-            <a:r>
-              <a:rPr lang="en-GB" sz="2400" dirty="0">
-                <a:latin typeface="Courier New" panose="02070309020205020404" pitchFamily="49" charset="0"/>
-                <a:cs typeface="Courier New" panose="02070309020205020404" pitchFamily="49" charset="0"/>
-              </a:rPr>
-              <a:t>(10, 1))</a:t>
-            </a:r>
-          </a:p>
-          <a:p>
-            <a:pPr marL="0" indent="0">
-              <a:buNone/>
-            </a:pPr>
-            <a:r>
-              <a:rPr lang="en-GB" sz="2400" dirty="0">
-                <a:latin typeface="Courier New" panose="02070309020205020404" pitchFamily="49" charset="0"/>
-                <a:cs typeface="Courier New" panose="02070309020205020404" pitchFamily="49" charset="0"/>
-              </a:rPr>
-              <a:t>f &lt;- </a:t>
-            </a:r>
-            <a:r>
-              <a:rPr lang="en-GB" sz="2400" dirty="0" err="1">
-                <a:latin typeface="Courier New" panose="02070309020205020404" pitchFamily="49" charset="0"/>
-                <a:cs typeface="Courier New" panose="02070309020205020404" pitchFamily="49" charset="0"/>
-              </a:rPr>
-              <a:t>gl</a:t>
-            </a:r>
-            <a:r>
-              <a:rPr lang="en-GB" sz="2400" dirty="0">
-                <a:latin typeface="Courier New" panose="02070309020205020404" pitchFamily="49" charset="0"/>
-                <a:cs typeface="Courier New" panose="02070309020205020404" pitchFamily="49" charset="0"/>
-              </a:rPr>
-              <a:t>(3, 10)</a:t>
-            </a:r>
-          </a:p>
-          <a:p>
-            <a:pPr marL="0" indent="0">
-              <a:buNone/>
-            </a:pPr>
-            <a:r>
-              <a:rPr lang="en-GB" sz="2400" dirty="0" err="1">
-                <a:latin typeface="Courier New" panose="02070309020205020404" pitchFamily="49" charset="0"/>
-                <a:cs typeface="Courier New" panose="02070309020205020404" pitchFamily="49" charset="0"/>
-              </a:rPr>
-              <a:t>tapply</a:t>
-            </a:r>
-            <a:r>
-              <a:rPr lang="en-GB" sz="2400" dirty="0">
-                <a:latin typeface="Courier New" panose="02070309020205020404" pitchFamily="49" charset="0"/>
-                <a:cs typeface="Courier New" panose="02070309020205020404" pitchFamily="49" charset="0"/>
-              </a:rPr>
-              <a:t>(x, f, mean)</a:t>
-            </a:r>
-          </a:p>
-          <a:p>
-            <a:pPr marL="0" indent="0">
-              <a:buNone/>
-            </a:pPr>
-            <a:endParaRPr lang="en-GB" sz="2400" dirty="0">
-              <a:latin typeface="Courier New" panose="02070309020205020404" pitchFamily="49" charset="0"/>
-              <a:cs typeface="Courier New" panose="02070309020205020404" pitchFamily="49" charset="0"/>
-            </a:endParaRPr>
-          </a:p>
-          <a:p>
-            <a:pPr marL="0" indent="0">
-              <a:buNone/>
-            </a:pPr>
-            <a:r>
-              <a:rPr lang="en-GB" sz="2400" dirty="0" err="1">
-                <a:latin typeface="Courier New" panose="02070309020205020404" pitchFamily="49" charset="0"/>
-                <a:cs typeface="Courier New" panose="02070309020205020404" pitchFamily="49" charset="0"/>
-              </a:rPr>
-              <a:t>rowSums</a:t>
-            </a:r>
-            <a:r>
-              <a:rPr lang="en-GB" sz="2400" dirty="0">
-                <a:latin typeface="Courier New" panose="02070309020205020404" pitchFamily="49" charset="0"/>
-                <a:cs typeface="Courier New" panose="02070309020205020404" pitchFamily="49" charset="0"/>
-              </a:rPr>
-              <a:t> = apply(x, 1, sum) </a:t>
-            </a:r>
-          </a:p>
-          <a:p>
-            <a:pPr marL="0" indent="0">
-              <a:buNone/>
-            </a:pPr>
-            <a:r>
-              <a:rPr lang="en-GB" sz="2400" dirty="0" err="1">
-                <a:latin typeface="Courier New" panose="02070309020205020404" pitchFamily="49" charset="0"/>
-                <a:cs typeface="Courier New" panose="02070309020205020404" pitchFamily="49" charset="0"/>
-              </a:rPr>
-              <a:t>rowMeans</a:t>
-            </a:r>
-            <a:r>
-              <a:rPr lang="en-GB" sz="2400" dirty="0">
-                <a:latin typeface="Courier New" panose="02070309020205020404" pitchFamily="49" charset="0"/>
-                <a:cs typeface="Courier New" panose="02070309020205020404" pitchFamily="49" charset="0"/>
-              </a:rPr>
-              <a:t> = apply(x, 1, mean) </a:t>
-            </a:r>
-          </a:p>
-          <a:p>
-            <a:pPr marL="0" indent="0">
-              <a:buNone/>
-            </a:pPr>
-            <a:r>
-              <a:rPr lang="en-GB" sz="2400" dirty="0" err="1">
-                <a:latin typeface="Courier New" panose="02070309020205020404" pitchFamily="49" charset="0"/>
-                <a:cs typeface="Courier New" panose="02070309020205020404" pitchFamily="49" charset="0"/>
-              </a:rPr>
-              <a:t>colSums</a:t>
-            </a:r>
-            <a:r>
-              <a:rPr lang="en-GB" sz="2400" dirty="0">
-                <a:latin typeface="Courier New" panose="02070309020205020404" pitchFamily="49" charset="0"/>
-                <a:cs typeface="Courier New" panose="02070309020205020404" pitchFamily="49" charset="0"/>
-              </a:rPr>
-              <a:t> = apply(x, 2, sum) </a:t>
-            </a:r>
-          </a:p>
-          <a:p>
-            <a:pPr marL="0" indent="0">
-              <a:buNone/>
-            </a:pPr>
-            <a:r>
-              <a:rPr lang="en-GB" sz="2400" dirty="0" err="1">
-                <a:latin typeface="Courier New" panose="02070309020205020404" pitchFamily="49" charset="0"/>
-                <a:cs typeface="Courier New" panose="02070309020205020404" pitchFamily="49" charset="0"/>
-              </a:rPr>
-              <a:t>colMeans</a:t>
-            </a:r>
-            <a:r>
-              <a:rPr lang="en-GB" sz="2400" dirty="0">
-                <a:latin typeface="Courier New" panose="02070309020205020404" pitchFamily="49" charset="0"/>
-                <a:cs typeface="Courier New" panose="02070309020205020404" pitchFamily="49" charset="0"/>
-              </a:rPr>
-              <a:t> = apply(x, 2, mean) </a:t>
-            </a:r>
-          </a:p>
-          <a:p>
-            <a:endParaRPr lang="en-GB" dirty="0"/>
-          </a:p>
-          <a:p>
-            <a:endParaRPr lang="en-GB" dirty="0"/>
-          </a:p>
-        </p:txBody>
-      </p:sp>
-    </p:spTree>
-  </p:cSld>
-  <p:clrMapOvr>
-    <a:masterClrMapping/>
-  </p:clrMapOvr>
-</p:sld>
-</file>
-
-<file path=ppt/slides/slide27.xml><?xml version="1.0" encoding="utf-8"?>
-<p:sld xmlns:a="http://schemas.openxmlformats.org/drawingml/2006/main" xmlns:r="http://schemas.openxmlformats.org/officeDocument/2006/relationships" xmlns:p="http://schemas.openxmlformats.org/presentationml/2006/main">
-  <p:cSld>
-    <p:spTree>
-      <p:nvGrpSpPr>
-        <p:cNvPr id="1" name=""/>
-        <p:cNvGrpSpPr/>
-        <p:nvPr/>
-      </p:nvGrpSpPr>
-      <p:grpSpPr>
-        <a:xfrm>
-          <a:off x="0" y="0"/>
-          <a:ext cx="0" cy="0"/>
-          <a:chOff x="0" y="0"/>
-          <a:chExt cx="0" cy="0"/>
-        </a:xfrm>
-      </p:grpSpPr>
-      <p:sp>
-        <p:nvSpPr>
-          <p:cNvPr id="2" name="Title 1"/>
-          <p:cNvSpPr>
-            <a:spLocks noGrp="1"/>
-          </p:cNvSpPr>
-          <p:nvPr>
-            <p:ph type="title"/>
-          </p:nvPr>
-        </p:nvSpPr>
-        <p:spPr/>
-        <p:txBody>
-          <a:bodyPr/>
-          <a:lstStyle/>
-          <a:p>
-            <a:r>
-              <a:rPr lang="en-GB" dirty="0"/>
-              <a:t>“Tidy” data</a:t>
-            </a:r>
-          </a:p>
-        </p:txBody>
-      </p:sp>
-      <p:sp>
-        <p:nvSpPr>
-          <p:cNvPr id="3" name="Content Placeholder 2"/>
-          <p:cNvSpPr>
-            <a:spLocks noGrp="1"/>
-          </p:cNvSpPr>
-          <p:nvPr>
-            <p:ph idx="1"/>
-          </p:nvPr>
-        </p:nvSpPr>
-        <p:spPr/>
-        <p:txBody>
-          <a:bodyPr/>
-          <a:lstStyle/>
-          <a:p>
             <a:r>
               <a:rPr lang="en-GB" i="1" dirty="0"/>
               <a:t>Happy families are all alike; every unhappy family is unhappy in its own way </a:t>
@@ -8459,434 +7262,6 @@
           </a:p>
           <a:p>
             <a:endParaRPr lang="en-GB" dirty="0"/>
-          </a:p>
-        </p:txBody>
-      </p:sp>
-    </p:spTree>
-  </p:cSld>
-  <p:clrMapOvr>
-    <a:masterClrMapping/>
-  </p:clrMapOvr>
-</p:sld>
-</file>
-
-<file path=ppt/slides/slide28.xml><?xml version="1.0" encoding="utf-8"?>
-<p:sld xmlns:a="http://schemas.openxmlformats.org/drawingml/2006/main" xmlns:r="http://schemas.openxmlformats.org/officeDocument/2006/relationships" xmlns:p="http://schemas.openxmlformats.org/presentationml/2006/main">
-  <p:cSld>
-    <p:spTree>
-      <p:nvGrpSpPr>
-        <p:cNvPr id="1" name=""/>
-        <p:cNvGrpSpPr/>
-        <p:nvPr/>
-      </p:nvGrpSpPr>
-      <p:grpSpPr>
-        <a:xfrm>
-          <a:off x="0" y="0"/>
-          <a:ext cx="0" cy="0"/>
-          <a:chOff x="0" y="0"/>
-          <a:chExt cx="0" cy="0"/>
-        </a:xfrm>
-      </p:grpSpPr>
-      <p:sp>
-        <p:nvSpPr>
-          <p:cNvPr id="2" name="Title 1"/>
-          <p:cNvSpPr>
-            <a:spLocks noGrp="1"/>
-          </p:cNvSpPr>
-          <p:nvPr>
-            <p:ph type="title"/>
-          </p:nvPr>
-        </p:nvSpPr>
-        <p:spPr/>
-        <p:txBody>
-          <a:bodyPr/>
-          <a:lstStyle/>
-          <a:p>
-            <a:r>
-              <a:rPr lang="en-GB" dirty="0"/>
-              <a:t>TB incidence data</a:t>
-            </a:r>
-          </a:p>
-        </p:txBody>
-      </p:sp>
-      <p:sp>
-        <p:nvSpPr>
-          <p:cNvPr id="3" name="Content Placeholder 2"/>
-          <p:cNvSpPr>
-            <a:spLocks noGrp="1"/>
-          </p:cNvSpPr>
-          <p:nvPr>
-            <p:ph idx="1"/>
-          </p:nvPr>
-        </p:nvSpPr>
-        <p:spPr/>
-        <p:txBody>
-          <a:bodyPr/>
-          <a:lstStyle/>
-          <a:p>
-            <a:pPr marL="0" indent="0">
-              <a:buNone/>
-            </a:pPr>
-            <a:r>
-              <a:rPr lang="en-GB" sz="2400" dirty="0" err="1">
-                <a:latin typeface="Courier New" pitchFamily="49" charset="0"/>
-                <a:cs typeface="Courier New" pitchFamily="49" charset="0"/>
-              </a:rPr>
-              <a:t>tb</a:t>
-            </a:r>
-            <a:r>
-              <a:rPr lang="en-GB" sz="2400" dirty="0">
-                <a:latin typeface="Courier New" pitchFamily="49" charset="0"/>
-                <a:cs typeface="Courier New" pitchFamily="49" charset="0"/>
-              </a:rPr>
-              <a:t> &lt;- read.csv(file = "http://stat405.had.co.nz/data/tb.csv", header = TRUE, </a:t>
-            </a:r>
-            <a:r>
-              <a:rPr lang="en-GB" sz="2400" dirty="0" err="1">
-                <a:latin typeface="Courier New" pitchFamily="49" charset="0"/>
-                <a:cs typeface="Courier New" pitchFamily="49" charset="0"/>
-              </a:rPr>
-              <a:t>stringsAsFactors</a:t>
-            </a:r>
-            <a:r>
-              <a:rPr lang="en-GB" sz="2400" dirty="0">
-                <a:latin typeface="Courier New" pitchFamily="49" charset="0"/>
-                <a:cs typeface="Courier New" pitchFamily="49" charset="0"/>
-              </a:rPr>
-              <a:t> = FALSE) </a:t>
-            </a:r>
-          </a:p>
-          <a:p>
-            <a:endParaRPr lang="en-GB" sz="2400" dirty="0">
-              <a:latin typeface="+mj-lt"/>
-            </a:endParaRPr>
-          </a:p>
-          <a:p>
-            <a:r>
-              <a:rPr lang="en-GB" sz="2400" dirty="0">
-                <a:latin typeface="+mj-lt"/>
-              </a:rPr>
-              <a:t>Except for </a:t>
-            </a:r>
-            <a:r>
-              <a:rPr lang="en-GB" sz="2400" dirty="0">
-                <a:latin typeface="Courier New" panose="02070309020205020404" pitchFamily="49" charset="0"/>
-                <a:cs typeface="Courier New" panose="02070309020205020404" pitchFamily="49" charset="0"/>
-              </a:rPr>
-              <a:t>iso2</a:t>
-            </a:r>
-            <a:r>
-              <a:rPr lang="en-GB" sz="2400" dirty="0">
-                <a:latin typeface="+mj-lt"/>
-              </a:rPr>
-              <a:t> and </a:t>
-            </a:r>
-            <a:r>
-              <a:rPr lang="en-GB" sz="2400" dirty="0">
-                <a:latin typeface="Courier New" panose="02070309020205020404" pitchFamily="49" charset="0"/>
-                <a:cs typeface="Courier New" panose="02070309020205020404" pitchFamily="49" charset="0"/>
-              </a:rPr>
-              <a:t>year</a:t>
-            </a:r>
-            <a:r>
-              <a:rPr lang="en-GB" sz="2400" dirty="0">
-                <a:latin typeface="+mj-lt"/>
-              </a:rPr>
-              <a:t>, the rest of the columns headers are actually values of a lurking variable, in fact combination of two lurking variables, </a:t>
-            </a:r>
-            <a:r>
-              <a:rPr lang="en-GB" sz="2400" dirty="0">
-                <a:latin typeface="Courier New" panose="02070309020205020404" pitchFamily="49" charset="0"/>
-                <a:cs typeface="Courier New" panose="02070309020205020404" pitchFamily="49" charset="0"/>
-              </a:rPr>
-              <a:t>gender</a:t>
-            </a:r>
-            <a:r>
-              <a:rPr lang="en-GB" sz="2400" dirty="0">
-                <a:latin typeface="+mj-lt"/>
-              </a:rPr>
-              <a:t> and </a:t>
-            </a:r>
-            <a:r>
-              <a:rPr lang="en-GB" sz="2400" dirty="0">
-                <a:latin typeface="Courier New" panose="02070309020205020404" pitchFamily="49" charset="0"/>
-                <a:cs typeface="Courier New" panose="02070309020205020404" pitchFamily="49" charset="0"/>
-              </a:rPr>
-              <a:t>age</a:t>
-            </a:r>
-            <a:r>
-              <a:rPr lang="en-GB" sz="2400" dirty="0">
-                <a:latin typeface="+mj-lt"/>
-              </a:rPr>
-              <a:t>.</a:t>
-            </a:r>
-            <a:r>
-              <a:rPr lang="en-GB" sz="2400" dirty="0">
-                <a:latin typeface="+mj-lt"/>
-                <a:cs typeface="Courier New" pitchFamily="49" charset="0"/>
-              </a:rPr>
-              <a:t>)</a:t>
-            </a:r>
-          </a:p>
-        </p:txBody>
-      </p:sp>
-    </p:spTree>
-  </p:cSld>
-  <p:clrMapOvr>
-    <a:masterClrMapping/>
-  </p:clrMapOvr>
-</p:sld>
-</file>
-
-<file path=ppt/slides/slide29.xml><?xml version="1.0" encoding="utf-8"?>
-<p:sld xmlns:a="http://schemas.openxmlformats.org/drawingml/2006/main" xmlns:r="http://schemas.openxmlformats.org/officeDocument/2006/relationships" xmlns:p="http://schemas.openxmlformats.org/presentationml/2006/main">
-  <p:cSld>
-    <p:spTree>
-      <p:nvGrpSpPr>
-        <p:cNvPr id="1" name=""/>
-        <p:cNvGrpSpPr/>
-        <p:nvPr/>
-      </p:nvGrpSpPr>
-      <p:grpSpPr>
-        <a:xfrm>
-          <a:off x="0" y="0"/>
-          <a:ext cx="0" cy="0"/>
-          <a:chOff x="0" y="0"/>
-          <a:chExt cx="0" cy="0"/>
-        </a:xfrm>
-      </p:grpSpPr>
-      <p:sp>
-        <p:nvSpPr>
-          <p:cNvPr id="2" name="Title 1"/>
-          <p:cNvSpPr>
-            <a:spLocks noGrp="1"/>
-          </p:cNvSpPr>
-          <p:nvPr>
-            <p:ph type="title"/>
-          </p:nvPr>
-        </p:nvSpPr>
-        <p:spPr/>
-        <p:txBody>
-          <a:bodyPr/>
-          <a:lstStyle/>
-          <a:p>
-            <a:r>
-              <a:rPr lang="en-GB" dirty="0"/>
-              <a:t>Reshape(2)</a:t>
-            </a:r>
-          </a:p>
-        </p:txBody>
-      </p:sp>
-      <p:sp>
-        <p:nvSpPr>
-          <p:cNvPr id="3" name="Content Placeholder 2"/>
-          <p:cNvSpPr>
-            <a:spLocks noGrp="1"/>
-          </p:cNvSpPr>
-          <p:nvPr>
-            <p:ph idx="1"/>
-          </p:nvPr>
-        </p:nvSpPr>
-        <p:spPr/>
-        <p:txBody>
-          <a:bodyPr>
-            <a:normAutofit/>
-          </a:bodyPr>
-          <a:lstStyle/>
-          <a:p>
-            <a:r>
-              <a:rPr lang="en-GB" dirty="0"/>
-              <a:t>Create categorical values</a:t>
-            </a:r>
-          </a:p>
-          <a:p>
-            <a:pPr marL="0" indent="0">
-              <a:buNone/>
-            </a:pPr>
-            <a:endParaRPr lang="en-GB" dirty="0"/>
-          </a:p>
-          <a:p>
-            <a:pPr marL="0" indent="0">
-              <a:buNone/>
-            </a:pPr>
-            <a:r>
-              <a:rPr lang="en-GB" sz="2000" dirty="0" err="1">
-                <a:latin typeface="Courier New" pitchFamily="49" charset="0"/>
-                <a:cs typeface="Courier New" pitchFamily="49" charset="0"/>
-              </a:rPr>
-              <a:t>data$zipGroups</a:t>
-            </a:r>
-            <a:r>
-              <a:rPr lang="en-GB" sz="2000" dirty="0">
-                <a:latin typeface="Courier New" pitchFamily="49" charset="0"/>
-                <a:cs typeface="Courier New" pitchFamily="49" charset="0"/>
-              </a:rPr>
-              <a:t> &lt;- cut(</a:t>
-            </a:r>
-            <a:r>
-              <a:rPr lang="en-GB" sz="2000" dirty="0" err="1">
-                <a:latin typeface="Courier New" pitchFamily="49" charset="0"/>
-                <a:cs typeface="Courier New" pitchFamily="49" charset="0"/>
-              </a:rPr>
-              <a:t>data$zipCode,breaks</a:t>
-            </a:r>
-            <a:r>
-              <a:rPr lang="en-GB" sz="2000" dirty="0">
-                <a:latin typeface="Courier New" pitchFamily="49" charset="0"/>
-                <a:cs typeface="Courier New" pitchFamily="49" charset="0"/>
-              </a:rPr>
-              <a:t>=quantile(</a:t>
-            </a:r>
-            <a:r>
-              <a:rPr lang="en-GB" sz="2000" dirty="0" err="1">
-                <a:latin typeface="Courier New" pitchFamily="49" charset="0"/>
-                <a:cs typeface="Courier New" pitchFamily="49" charset="0"/>
-              </a:rPr>
-              <a:t>data$zipCode</a:t>
-            </a:r>
-            <a:r>
-              <a:rPr lang="en-GB" sz="2000" dirty="0">
-                <a:latin typeface="Courier New" pitchFamily="49" charset="0"/>
-                <a:cs typeface="Courier New" pitchFamily="49" charset="0"/>
-              </a:rPr>
-              <a:t>))</a:t>
-            </a:r>
-          </a:p>
-          <a:p>
-            <a:pPr marL="0" indent="0">
-              <a:buNone/>
-            </a:pPr>
-            <a:endParaRPr lang="en-GB" sz="2000" dirty="0">
-              <a:latin typeface="Courier New" pitchFamily="49" charset="0"/>
-              <a:cs typeface="Courier New" pitchFamily="49" charset="0"/>
-            </a:endParaRPr>
-          </a:p>
-          <a:p>
-            <a:pPr marL="0" indent="0">
-              <a:buNone/>
-            </a:pPr>
-            <a:r>
-              <a:rPr lang="en-GB" sz="2000" dirty="0" err="1">
-                <a:latin typeface="Courier New" pitchFamily="49" charset="0"/>
-                <a:cs typeface="Courier New" pitchFamily="49" charset="0"/>
-              </a:rPr>
-              <a:t>install.packages</a:t>
-            </a:r>
-            <a:r>
-              <a:rPr lang="en-GB" sz="2000" dirty="0">
-                <a:latin typeface="Courier New" pitchFamily="49" charset="0"/>
-                <a:cs typeface="Courier New" pitchFamily="49" charset="0"/>
-              </a:rPr>
-              <a:t>("</a:t>
-            </a:r>
-            <a:r>
-              <a:rPr lang="en-GB" sz="2000" dirty="0" err="1">
-                <a:latin typeface="Courier New" pitchFamily="49" charset="0"/>
-                <a:cs typeface="Courier New" pitchFamily="49" charset="0"/>
-              </a:rPr>
-              <a:t>Hmisc</a:t>
-            </a:r>
-            <a:r>
-              <a:rPr lang="en-GB" sz="2000" dirty="0">
-                <a:latin typeface="Courier New" pitchFamily="49" charset="0"/>
-                <a:cs typeface="Courier New" pitchFamily="49" charset="0"/>
-              </a:rPr>
-              <a:t>") </a:t>
-            </a:r>
-          </a:p>
-          <a:p>
-            <a:pPr marL="0" indent="0">
-              <a:buNone/>
-            </a:pPr>
-            <a:r>
-              <a:rPr lang="en-GB" sz="2000" dirty="0">
-                <a:latin typeface="Courier New" pitchFamily="49" charset="0"/>
-                <a:cs typeface="Courier New" pitchFamily="49" charset="0"/>
-              </a:rPr>
-              <a:t>library(</a:t>
-            </a:r>
-            <a:r>
-              <a:rPr lang="en-GB" sz="2000" dirty="0" err="1">
-                <a:latin typeface="Courier New" pitchFamily="49" charset="0"/>
-                <a:cs typeface="Courier New" pitchFamily="49" charset="0"/>
-              </a:rPr>
-              <a:t>Hmisc</a:t>
-            </a:r>
-            <a:r>
-              <a:rPr lang="en-GB" sz="2000" dirty="0">
-                <a:latin typeface="Courier New" pitchFamily="49" charset="0"/>
-                <a:cs typeface="Courier New" pitchFamily="49" charset="0"/>
-              </a:rPr>
-              <a:t>)</a:t>
-            </a:r>
-          </a:p>
-          <a:p>
-            <a:pPr marL="0" indent="0">
-              <a:buNone/>
-            </a:pPr>
-            <a:endParaRPr lang="en-GB" sz="2000" dirty="0">
-              <a:latin typeface="Courier New" pitchFamily="49" charset="0"/>
-              <a:cs typeface="Courier New" pitchFamily="49" charset="0"/>
-            </a:endParaRPr>
-          </a:p>
-          <a:p>
-            <a:pPr marL="0" indent="0">
-              <a:buNone/>
-            </a:pPr>
-            <a:r>
-              <a:rPr lang="en-GB" sz="2000" dirty="0" err="1">
-                <a:latin typeface="Courier New" pitchFamily="49" charset="0"/>
-                <a:cs typeface="Courier New" pitchFamily="49" charset="0"/>
-              </a:rPr>
-              <a:t>data$zipGroups</a:t>
-            </a:r>
-            <a:r>
-              <a:rPr lang="en-GB" sz="2000" dirty="0">
-                <a:latin typeface="Courier New" pitchFamily="49" charset="0"/>
-                <a:cs typeface="Courier New" pitchFamily="49" charset="0"/>
-              </a:rPr>
-              <a:t> &lt;- cut2(</a:t>
-            </a:r>
-            <a:r>
-              <a:rPr lang="en-GB" sz="2000" dirty="0" err="1">
-                <a:latin typeface="Courier New" pitchFamily="49" charset="0"/>
-                <a:cs typeface="Courier New" pitchFamily="49" charset="0"/>
-              </a:rPr>
-              <a:t>data$zipCode</a:t>
-            </a:r>
-            <a:r>
-              <a:rPr lang="en-GB" sz="2000" dirty="0">
-                <a:latin typeface="Courier New" pitchFamily="49" charset="0"/>
-                <a:cs typeface="Courier New" pitchFamily="49" charset="0"/>
-              </a:rPr>
-              <a:t>, g=4)</a:t>
-            </a:r>
-          </a:p>
-          <a:p>
-            <a:pPr marL="0" indent="0">
-              <a:buNone/>
-            </a:pPr>
-            <a:r>
-              <a:rPr lang="en-GB" sz="2000" dirty="0">
-                <a:latin typeface="Courier New" pitchFamily="49" charset="0"/>
-                <a:cs typeface="Courier New" pitchFamily="49" charset="0"/>
-              </a:rPr>
-              <a:t>table(</a:t>
-            </a:r>
-            <a:r>
-              <a:rPr lang="en-GB" sz="2000" dirty="0" err="1">
-                <a:latin typeface="Courier New" pitchFamily="49" charset="0"/>
-                <a:cs typeface="Courier New" pitchFamily="49" charset="0"/>
-              </a:rPr>
-              <a:t>data$zipGroups</a:t>
-            </a:r>
-            <a:r>
-              <a:rPr lang="en-GB" sz="2000" dirty="0">
-                <a:latin typeface="Courier New" pitchFamily="49" charset="0"/>
-                <a:cs typeface="Courier New" pitchFamily="49" charset="0"/>
-              </a:rPr>
-              <a:t>)</a:t>
-            </a:r>
           </a:p>
         </p:txBody>
       </p:sp>
@@ -9052,1000 +7427,6 @@
     <p:extLst>
       <p:ext uri="{BB962C8B-B14F-4D97-AF65-F5344CB8AC3E}">
         <p14:creationId xmlns:p14="http://schemas.microsoft.com/office/powerpoint/2010/main" val="924224308"/>
-      </p:ext>
-    </p:extLst>
-  </p:cSld>
-  <p:clrMapOvr>
-    <a:masterClrMapping/>
-  </p:clrMapOvr>
-</p:sld>
-</file>
-
-<file path=ppt/slides/slide30.xml><?xml version="1.0" encoding="utf-8"?>
-<p:sld xmlns:a="http://schemas.openxmlformats.org/drawingml/2006/main" xmlns:r="http://schemas.openxmlformats.org/officeDocument/2006/relationships" xmlns:p="http://schemas.openxmlformats.org/presentationml/2006/main">
-  <p:cSld>
-    <p:spTree>
-      <p:nvGrpSpPr>
-        <p:cNvPr id="1" name=""/>
-        <p:cNvGrpSpPr/>
-        <p:nvPr/>
-      </p:nvGrpSpPr>
-      <p:grpSpPr>
-        <a:xfrm>
-          <a:off x="0" y="0"/>
-          <a:ext cx="0" cy="0"/>
-          <a:chOff x="0" y="0"/>
-          <a:chExt cx="0" cy="0"/>
-        </a:xfrm>
-      </p:grpSpPr>
-      <p:sp>
-        <p:nvSpPr>
-          <p:cNvPr id="2" name="Title 1"/>
-          <p:cNvSpPr>
-            <a:spLocks noGrp="1"/>
-          </p:cNvSpPr>
-          <p:nvPr>
-            <p:ph type="title"/>
-          </p:nvPr>
-        </p:nvSpPr>
-        <p:spPr/>
-        <p:txBody>
-          <a:bodyPr>
-            <a:normAutofit fontScale="90000"/>
-          </a:bodyPr>
-          <a:lstStyle/>
-          <a:p>
-            <a:r>
-              <a:rPr lang="en-GB" b="1" dirty="0"/>
-              <a:t>Transformations</a:t>
-            </a:r>
-            <a:br>
-              <a:rPr lang="en-GB" b="1" dirty="0"/>
-            </a:br>
-            <a:endParaRPr lang="en-GB" dirty="0"/>
-          </a:p>
-        </p:txBody>
-      </p:sp>
-      <p:sp>
-        <p:nvSpPr>
-          <p:cNvPr id="3" name="Content Placeholder 2"/>
-          <p:cNvSpPr>
-            <a:spLocks noGrp="1"/>
-          </p:cNvSpPr>
-          <p:nvPr>
-            <p:ph idx="1"/>
-          </p:nvPr>
-        </p:nvSpPr>
-        <p:spPr>
-          <a:xfrm>
-            <a:off x="457200" y="1572217"/>
-            <a:ext cx="3034680" cy="4525963"/>
-          </a:xfrm>
-        </p:spPr>
-        <p:txBody>
-          <a:bodyPr>
-            <a:noAutofit/>
-          </a:bodyPr>
-          <a:lstStyle/>
-          <a:p>
-            <a:r>
-              <a:rPr lang="en-GB" sz="1800" dirty="0">
-                <a:latin typeface="+mj-lt"/>
-                <a:cs typeface="Courier New" pitchFamily="49" charset="0"/>
-              </a:rPr>
-              <a:t>absolute value</a:t>
-            </a:r>
-          </a:p>
-          <a:p>
-            <a:pPr marL="0" indent="0">
-              <a:buNone/>
-            </a:pPr>
-            <a:r>
-              <a:rPr lang="en-GB" sz="1800" dirty="0">
-                <a:latin typeface="Courier New" pitchFamily="49" charset="0"/>
-                <a:cs typeface="Courier New" pitchFamily="49" charset="0"/>
-              </a:rPr>
-              <a:t>	</a:t>
-            </a:r>
-            <a:r>
-              <a:rPr lang="en-GB" sz="1800" dirty="0">
-                <a:solidFill>
-                  <a:srgbClr val="0070C0"/>
-                </a:solidFill>
-                <a:latin typeface="Courier New" pitchFamily="49" charset="0"/>
-                <a:cs typeface="Courier New" pitchFamily="49" charset="0"/>
-              </a:rPr>
-              <a:t>abs(x) </a:t>
-            </a:r>
-          </a:p>
-          <a:p>
-            <a:endParaRPr lang="en-GB" sz="1800" dirty="0">
-              <a:latin typeface="Courier New" pitchFamily="49" charset="0"/>
-              <a:cs typeface="Courier New" pitchFamily="49" charset="0"/>
-            </a:endParaRPr>
-          </a:p>
-          <a:p>
-            <a:r>
-              <a:rPr lang="en-GB" sz="1800" dirty="0">
-                <a:latin typeface="+mj-lt"/>
-                <a:cs typeface="Courier New" pitchFamily="49" charset="0"/>
-              </a:rPr>
-              <a:t>square root </a:t>
-            </a:r>
-          </a:p>
-          <a:p>
-            <a:pPr marL="0" indent="0">
-              <a:buNone/>
-            </a:pPr>
-            <a:r>
-              <a:rPr lang="en-GB" sz="1800" dirty="0">
-                <a:latin typeface="Courier New" pitchFamily="49" charset="0"/>
-                <a:cs typeface="Courier New" pitchFamily="49" charset="0"/>
-              </a:rPr>
-              <a:t>	</a:t>
-            </a:r>
-            <a:r>
-              <a:rPr lang="en-GB" sz="1800" dirty="0" err="1">
-                <a:solidFill>
-                  <a:srgbClr val="0070C0"/>
-                </a:solidFill>
-                <a:latin typeface="Courier New" pitchFamily="49" charset="0"/>
-                <a:cs typeface="Courier New" pitchFamily="49" charset="0"/>
-              </a:rPr>
-              <a:t>sqrt</a:t>
-            </a:r>
-            <a:r>
-              <a:rPr lang="en-GB" sz="1800" dirty="0">
-                <a:solidFill>
-                  <a:srgbClr val="0070C0"/>
-                </a:solidFill>
-                <a:latin typeface="Courier New" pitchFamily="49" charset="0"/>
-                <a:cs typeface="Courier New" pitchFamily="49" charset="0"/>
-              </a:rPr>
-              <a:t>(x) </a:t>
-            </a:r>
-          </a:p>
-          <a:p>
-            <a:pPr marL="0" indent="0">
-              <a:buNone/>
-            </a:pPr>
-            <a:endParaRPr lang="en-GB" sz="1800" dirty="0">
-              <a:latin typeface="+mj-lt"/>
-              <a:cs typeface="Courier New" pitchFamily="49" charset="0"/>
-            </a:endParaRPr>
-          </a:p>
-          <a:p>
-            <a:r>
-              <a:rPr lang="en-GB" sz="1800" dirty="0">
-                <a:latin typeface="+mj-lt"/>
-                <a:cs typeface="Courier New" pitchFamily="49" charset="0"/>
-              </a:rPr>
-              <a:t>ceiling(3.4) is 4 </a:t>
-            </a:r>
-          </a:p>
-          <a:p>
-            <a:pPr marL="0" indent="0">
-              <a:buNone/>
-            </a:pPr>
-            <a:r>
-              <a:rPr lang="en-GB" sz="1800" dirty="0">
-                <a:latin typeface="Courier New" pitchFamily="49" charset="0"/>
-                <a:cs typeface="Courier New" pitchFamily="49" charset="0"/>
-              </a:rPr>
-              <a:t>	</a:t>
-            </a:r>
-            <a:r>
-              <a:rPr lang="en-GB" sz="1800" dirty="0">
-                <a:solidFill>
-                  <a:srgbClr val="0070C0"/>
-                </a:solidFill>
-                <a:latin typeface="Courier New" pitchFamily="49" charset="0"/>
-                <a:cs typeface="Courier New" pitchFamily="49" charset="0"/>
-              </a:rPr>
-              <a:t>ceiling(x) </a:t>
-            </a:r>
-          </a:p>
-          <a:p>
-            <a:endParaRPr lang="en-GB" sz="1800" dirty="0">
-              <a:latin typeface="Courier New" pitchFamily="49" charset="0"/>
-              <a:cs typeface="Courier New" pitchFamily="49" charset="0"/>
-            </a:endParaRPr>
-          </a:p>
-          <a:p>
-            <a:r>
-              <a:rPr lang="en-GB" sz="1800" dirty="0">
-                <a:latin typeface="+mj-lt"/>
-                <a:cs typeface="Courier New" pitchFamily="49" charset="0"/>
-              </a:rPr>
-              <a:t>floor(3.4) is 3 </a:t>
-            </a:r>
-          </a:p>
-          <a:p>
-            <a:pPr marL="0" indent="0">
-              <a:buNone/>
-            </a:pPr>
-            <a:r>
-              <a:rPr lang="en-GB" sz="1800" dirty="0">
-                <a:latin typeface="Courier New" pitchFamily="49" charset="0"/>
-                <a:cs typeface="Courier New" pitchFamily="49" charset="0"/>
-              </a:rPr>
-              <a:t>	</a:t>
-            </a:r>
-            <a:r>
-              <a:rPr lang="en-GB" sz="1800" dirty="0">
-                <a:solidFill>
-                  <a:srgbClr val="0070C0"/>
-                </a:solidFill>
-                <a:latin typeface="Courier New" pitchFamily="49" charset="0"/>
-                <a:cs typeface="Courier New" pitchFamily="49" charset="0"/>
-              </a:rPr>
-              <a:t>floor(x) </a:t>
-            </a:r>
-          </a:p>
-          <a:p>
-            <a:endParaRPr lang="en-GB" sz="1800" dirty="0">
-              <a:latin typeface="Courier New" pitchFamily="49" charset="0"/>
-              <a:cs typeface="Courier New" pitchFamily="49" charset="0"/>
-            </a:endParaRPr>
-          </a:p>
-        </p:txBody>
-      </p:sp>
-      <p:sp>
-        <p:nvSpPr>
-          <p:cNvPr id="4" name="Content Placeholder 2"/>
-          <p:cNvSpPr txBox="1">
-            <a:spLocks/>
-          </p:cNvSpPr>
-          <p:nvPr/>
-        </p:nvSpPr>
-        <p:spPr>
-          <a:xfrm>
-            <a:off x="4644008" y="1572217"/>
-            <a:ext cx="3960440" cy="4525963"/>
-          </a:xfrm>
-          <a:prstGeom prst="rect">
-            <a:avLst/>
-          </a:prstGeom>
-        </p:spPr>
-        <p:txBody>
-          <a:bodyPr vert="horz" lIns="91440" tIns="45720" rIns="91440" bIns="45720" rtlCol="0">
-            <a:noAutofit/>
-          </a:bodyPr>
-          <a:lstStyle>
-            <a:lvl1pPr marL="342900" indent="-342900" algn="l" defTabSz="914400" rtl="0" eaLnBrk="1" latinLnBrk="0" hangingPunct="1">
-              <a:spcBef>
-                <a:spcPct val="20000"/>
-              </a:spcBef>
-              <a:buFont typeface="Arial" pitchFamily="34" charset="0"/>
-              <a:buChar char="•"/>
-              <a:defRPr sz="3200" kern="1200">
-                <a:solidFill>
-                  <a:schemeClr val="tx1"/>
-                </a:solidFill>
-                <a:latin typeface="+mn-lt"/>
-                <a:ea typeface="+mn-ea"/>
-                <a:cs typeface="+mn-cs"/>
-              </a:defRPr>
-            </a:lvl1pPr>
-            <a:lvl2pPr marL="742950" indent="-285750" algn="l" defTabSz="914400" rtl="0" eaLnBrk="1" latinLnBrk="0" hangingPunct="1">
-              <a:spcBef>
-                <a:spcPct val="20000"/>
-              </a:spcBef>
-              <a:buFont typeface="Arial" pitchFamily="34" charset="0"/>
-              <a:buChar char="–"/>
-              <a:defRPr sz="2800" kern="1200">
-                <a:solidFill>
-                  <a:schemeClr val="tx1"/>
-                </a:solidFill>
-                <a:latin typeface="+mn-lt"/>
-                <a:ea typeface="+mn-ea"/>
-                <a:cs typeface="+mn-cs"/>
-              </a:defRPr>
-            </a:lvl2pPr>
-            <a:lvl3pPr marL="1143000" indent="-228600" algn="l" defTabSz="914400" rtl="0" eaLnBrk="1" latinLnBrk="0" hangingPunct="1">
-              <a:spcBef>
-                <a:spcPct val="20000"/>
-              </a:spcBef>
-              <a:buFont typeface="Arial" pitchFamily="34" charset="0"/>
-              <a:buChar char="•"/>
-              <a:defRPr sz="2400" kern="1200">
-                <a:solidFill>
-                  <a:schemeClr val="tx1"/>
-                </a:solidFill>
-                <a:latin typeface="+mn-lt"/>
-                <a:ea typeface="+mn-ea"/>
-                <a:cs typeface="+mn-cs"/>
-              </a:defRPr>
-            </a:lvl3pPr>
-            <a:lvl4pPr marL="1600200" indent="-228600" algn="l" defTabSz="914400" rtl="0" eaLnBrk="1" latinLnBrk="0" hangingPunct="1">
-              <a:spcBef>
-                <a:spcPct val="20000"/>
-              </a:spcBef>
-              <a:buFont typeface="Arial" pitchFamily="34" charset="0"/>
-              <a:buChar char="–"/>
-              <a:defRPr sz="2000" kern="1200">
-                <a:solidFill>
-                  <a:schemeClr val="tx1"/>
-                </a:solidFill>
-                <a:latin typeface="+mn-lt"/>
-                <a:ea typeface="+mn-ea"/>
-                <a:cs typeface="+mn-cs"/>
-              </a:defRPr>
-            </a:lvl4pPr>
-            <a:lvl5pPr marL="2057400" indent="-228600" algn="l" defTabSz="914400" rtl="0" eaLnBrk="1" latinLnBrk="0" hangingPunct="1">
-              <a:spcBef>
-                <a:spcPct val="20000"/>
-              </a:spcBef>
-              <a:buFont typeface="Arial" pitchFamily="34" charset="0"/>
-              <a:buChar char="»"/>
-              <a:defRPr sz="2000" kern="1200">
-                <a:solidFill>
-                  <a:schemeClr val="tx1"/>
-                </a:solidFill>
-                <a:latin typeface="+mn-lt"/>
-                <a:ea typeface="+mn-ea"/>
-                <a:cs typeface="+mn-cs"/>
-              </a:defRPr>
-            </a:lvl5pPr>
-            <a:lvl6pPr marL="2514600" indent="-228600" algn="l" defTabSz="914400" rtl="0" eaLnBrk="1" latinLnBrk="0" hangingPunct="1">
-              <a:spcBef>
-                <a:spcPct val="20000"/>
-              </a:spcBef>
-              <a:buFont typeface="Arial" pitchFamily="34" charset="0"/>
-              <a:buChar char="•"/>
-              <a:defRPr sz="2000" kern="1200">
-                <a:solidFill>
-                  <a:schemeClr val="tx1"/>
-                </a:solidFill>
-                <a:latin typeface="+mn-lt"/>
-                <a:ea typeface="+mn-ea"/>
-                <a:cs typeface="+mn-cs"/>
-              </a:defRPr>
-            </a:lvl6pPr>
-            <a:lvl7pPr marL="2971800" indent="-228600" algn="l" defTabSz="914400" rtl="0" eaLnBrk="1" latinLnBrk="0" hangingPunct="1">
-              <a:spcBef>
-                <a:spcPct val="20000"/>
-              </a:spcBef>
-              <a:buFont typeface="Arial" pitchFamily="34" charset="0"/>
-              <a:buChar char="•"/>
-              <a:defRPr sz="2000" kern="1200">
-                <a:solidFill>
-                  <a:schemeClr val="tx1"/>
-                </a:solidFill>
-                <a:latin typeface="+mn-lt"/>
-                <a:ea typeface="+mn-ea"/>
-                <a:cs typeface="+mn-cs"/>
-              </a:defRPr>
-            </a:lvl7pPr>
-            <a:lvl8pPr marL="3429000" indent="-228600" algn="l" defTabSz="914400" rtl="0" eaLnBrk="1" latinLnBrk="0" hangingPunct="1">
-              <a:spcBef>
-                <a:spcPct val="20000"/>
-              </a:spcBef>
-              <a:buFont typeface="Arial" pitchFamily="34" charset="0"/>
-              <a:buChar char="•"/>
-              <a:defRPr sz="2000" kern="1200">
-                <a:solidFill>
-                  <a:schemeClr val="tx1"/>
-                </a:solidFill>
-                <a:latin typeface="+mn-lt"/>
-                <a:ea typeface="+mn-ea"/>
-                <a:cs typeface="+mn-cs"/>
-              </a:defRPr>
-            </a:lvl8pPr>
-            <a:lvl9pPr marL="3886200" indent="-228600" algn="l" defTabSz="914400" rtl="0" eaLnBrk="1" latinLnBrk="0" hangingPunct="1">
-              <a:spcBef>
-                <a:spcPct val="20000"/>
-              </a:spcBef>
-              <a:buFont typeface="Arial" pitchFamily="34" charset="0"/>
-              <a:buChar char="•"/>
-              <a:defRPr sz="2000" kern="1200">
-                <a:solidFill>
-                  <a:schemeClr val="tx1"/>
-                </a:solidFill>
-                <a:latin typeface="+mn-lt"/>
-                <a:ea typeface="+mn-ea"/>
-                <a:cs typeface="+mn-cs"/>
-              </a:defRPr>
-            </a:lvl9pPr>
-          </a:lstStyle>
-          <a:p>
-            <a:r>
-              <a:rPr lang="en-GB" sz="1800" dirty="0">
-                <a:latin typeface="+mj-lt"/>
-                <a:cs typeface="Courier New" pitchFamily="49" charset="0"/>
-              </a:rPr>
-              <a:t>rounding </a:t>
-            </a:r>
-          </a:p>
-          <a:p>
-            <a:pPr marL="0" indent="0">
-              <a:buFont typeface="Arial" pitchFamily="34" charset="0"/>
-              <a:buNone/>
-            </a:pPr>
-            <a:r>
-              <a:rPr lang="en-GB" sz="1800" dirty="0">
-                <a:latin typeface="Courier New" pitchFamily="49" charset="0"/>
-                <a:cs typeface="Courier New" pitchFamily="49" charset="0"/>
-              </a:rPr>
-              <a:t>	</a:t>
-            </a:r>
-            <a:r>
-              <a:rPr lang="en-GB" sz="1800" dirty="0">
-                <a:solidFill>
-                  <a:srgbClr val="0070C0"/>
-                </a:solidFill>
-                <a:latin typeface="Courier New" pitchFamily="49" charset="0"/>
-                <a:cs typeface="Courier New" pitchFamily="49" charset="0"/>
-              </a:rPr>
-              <a:t>round(x, digits=n) </a:t>
-            </a:r>
-          </a:p>
-          <a:p>
-            <a:endParaRPr lang="en-GB" sz="1800" dirty="0">
-              <a:latin typeface="Courier New" pitchFamily="49" charset="0"/>
-              <a:cs typeface="Courier New" pitchFamily="49" charset="0"/>
-            </a:endParaRPr>
-          </a:p>
-          <a:p>
-            <a:r>
-              <a:rPr lang="en-GB" sz="1800" dirty="0" err="1">
-                <a:latin typeface="+mj-lt"/>
-                <a:cs typeface="Courier New" pitchFamily="49" charset="0"/>
-              </a:rPr>
-              <a:t>signif</a:t>
-            </a:r>
-            <a:r>
-              <a:rPr lang="en-GB" sz="1800" dirty="0">
-                <a:latin typeface="+mj-lt"/>
-                <a:cs typeface="Courier New" pitchFamily="49" charset="0"/>
-              </a:rPr>
-              <a:t>(3.475, digits=2) is 3.5</a:t>
-            </a:r>
-          </a:p>
-          <a:p>
-            <a:pPr marL="0" indent="0">
-              <a:buFont typeface="Arial" pitchFamily="34" charset="0"/>
-              <a:buNone/>
-            </a:pPr>
-            <a:r>
-              <a:rPr lang="en-GB" sz="1800" dirty="0">
-                <a:latin typeface="Courier New" pitchFamily="49" charset="0"/>
-                <a:cs typeface="Courier New" pitchFamily="49" charset="0"/>
-              </a:rPr>
-              <a:t>	</a:t>
-            </a:r>
-            <a:r>
-              <a:rPr lang="en-GB" sz="1800" dirty="0" err="1">
-                <a:solidFill>
-                  <a:srgbClr val="0070C0"/>
-                </a:solidFill>
-                <a:latin typeface="Courier New" pitchFamily="49" charset="0"/>
-                <a:cs typeface="Courier New" pitchFamily="49" charset="0"/>
-              </a:rPr>
-              <a:t>signif</a:t>
-            </a:r>
-            <a:r>
-              <a:rPr lang="en-GB" sz="1800" dirty="0">
-                <a:solidFill>
-                  <a:srgbClr val="0070C0"/>
-                </a:solidFill>
-                <a:latin typeface="Courier New" pitchFamily="49" charset="0"/>
-                <a:cs typeface="Courier New" pitchFamily="49" charset="0"/>
-              </a:rPr>
-              <a:t>(x, digits=n)</a:t>
-            </a:r>
-          </a:p>
-          <a:p>
-            <a:pPr marL="0" indent="0">
-              <a:buFont typeface="Arial" pitchFamily="34" charset="0"/>
-              <a:buNone/>
-            </a:pPr>
-            <a:endParaRPr lang="en-GB" sz="1800" dirty="0">
-              <a:latin typeface="Courier New" pitchFamily="49" charset="0"/>
-              <a:cs typeface="Courier New" pitchFamily="49" charset="0"/>
-            </a:endParaRPr>
-          </a:p>
-          <a:p>
-            <a:r>
-              <a:rPr lang="en-GB" sz="1800" dirty="0">
-                <a:latin typeface="+mj-lt"/>
-                <a:cs typeface="Courier New" pitchFamily="49" charset="0"/>
-              </a:rPr>
-              <a:t>natural logarithm</a:t>
-            </a:r>
-          </a:p>
-          <a:p>
-            <a:pPr marL="0" indent="0">
-              <a:buFont typeface="Arial" pitchFamily="34" charset="0"/>
-              <a:buNone/>
-            </a:pPr>
-            <a:r>
-              <a:rPr lang="en-GB" sz="1800" dirty="0">
-                <a:solidFill>
-                  <a:srgbClr val="0070C0"/>
-                </a:solidFill>
-                <a:latin typeface="Courier New" pitchFamily="49" charset="0"/>
-                <a:cs typeface="Courier New" pitchFamily="49" charset="0"/>
-              </a:rPr>
-              <a:t>	log(x) </a:t>
-            </a:r>
-          </a:p>
-          <a:p>
-            <a:endParaRPr lang="en-GB" sz="1800" dirty="0">
-              <a:latin typeface="Courier New" pitchFamily="49" charset="0"/>
-              <a:cs typeface="Courier New" pitchFamily="49" charset="0"/>
-            </a:endParaRPr>
-          </a:p>
-          <a:p>
-            <a:r>
-              <a:rPr lang="en-GB" sz="1800" dirty="0" err="1">
-                <a:latin typeface="+mj-lt"/>
-                <a:cs typeface="Courier New" pitchFamily="49" charset="0"/>
-              </a:rPr>
-              <a:t>exponentiating</a:t>
-            </a:r>
-            <a:r>
-              <a:rPr lang="en-GB" sz="1800" dirty="0">
-                <a:latin typeface="+mj-lt"/>
-                <a:cs typeface="Courier New" pitchFamily="49" charset="0"/>
-              </a:rPr>
-              <a:t> x </a:t>
-            </a:r>
-          </a:p>
-          <a:p>
-            <a:pPr marL="0" indent="0">
-              <a:buFont typeface="Arial" pitchFamily="34" charset="0"/>
-              <a:buNone/>
-            </a:pPr>
-            <a:r>
-              <a:rPr lang="en-GB" sz="1800" dirty="0">
-                <a:latin typeface="Courier New" pitchFamily="49" charset="0"/>
-                <a:cs typeface="Courier New" pitchFamily="49" charset="0"/>
-              </a:rPr>
-              <a:t>	</a:t>
-            </a:r>
-            <a:r>
-              <a:rPr lang="en-GB" sz="1800" dirty="0" err="1">
-                <a:solidFill>
-                  <a:srgbClr val="0070C0"/>
-                </a:solidFill>
-                <a:latin typeface="Courier New" pitchFamily="49" charset="0"/>
-                <a:cs typeface="Courier New" pitchFamily="49" charset="0"/>
-              </a:rPr>
-              <a:t>exp</a:t>
-            </a:r>
-            <a:r>
-              <a:rPr lang="en-GB" sz="1800" dirty="0">
-                <a:solidFill>
-                  <a:srgbClr val="0070C0"/>
-                </a:solidFill>
-                <a:latin typeface="Courier New" pitchFamily="49" charset="0"/>
-                <a:cs typeface="Courier New" pitchFamily="49" charset="0"/>
-              </a:rPr>
-              <a:t>(x)</a:t>
-            </a:r>
-          </a:p>
-        </p:txBody>
-      </p:sp>
-      <p:sp>
-        <p:nvSpPr>
-          <p:cNvPr id="5" name="TextBox 4">
-            <a:extLst>
-              <a:ext uri="{FF2B5EF4-FFF2-40B4-BE49-F238E27FC236}">
-                <a16:creationId xmlns:a16="http://schemas.microsoft.com/office/drawing/2014/main" id="{23859935-4A67-4F7D-BCCF-954BC6D53B60}"/>
-              </a:ext>
-            </a:extLst>
-          </p:cNvPr>
-          <p:cNvSpPr txBox="1"/>
-          <p:nvPr/>
-        </p:nvSpPr>
-        <p:spPr>
-          <a:xfrm>
-            <a:off x="6156176" y="5852461"/>
-            <a:ext cx="2808312" cy="369332"/>
-          </a:xfrm>
-          <a:prstGeom prst="rect">
-            <a:avLst/>
-          </a:prstGeom>
-          <a:noFill/>
-        </p:spPr>
-        <p:txBody>
-          <a:bodyPr wrap="square" rtlCol="0">
-            <a:spAutoFit/>
-          </a:bodyPr>
-          <a:lstStyle/>
-          <a:p>
-            <a:r>
-              <a:rPr lang="en-GB" dirty="0"/>
-              <a:t>*useful for table formatting</a:t>
-            </a:r>
-          </a:p>
-        </p:txBody>
-      </p:sp>
-    </p:spTree>
-  </p:cSld>
-  <p:clrMapOvr>
-    <a:masterClrMapping/>
-  </p:clrMapOvr>
-</p:sld>
-</file>
-
-<file path=ppt/slides/slide31.xml><?xml version="1.0" encoding="utf-8"?>
-<p:sld xmlns:a="http://schemas.openxmlformats.org/drawingml/2006/main" xmlns:r="http://schemas.openxmlformats.org/officeDocument/2006/relationships" xmlns:p="http://schemas.openxmlformats.org/presentationml/2006/main">
-  <p:cSld>
-    <p:spTree>
-      <p:nvGrpSpPr>
-        <p:cNvPr id="1" name=""/>
-        <p:cNvGrpSpPr/>
-        <p:nvPr/>
-      </p:nvGrpSpPr>
-      <p:grpSpPr>
-        <a:xfrm>
-          <a:off x="0" y="0"/>
-          <a:ext cx="0" cy="0"/>
-          <a:chOff x="0" y="0"/>
-          <a:chExt cx="0" cy="0"/>
-        </a:xfrm>
-      </p:grpSpPr>
-      <p:sp>
-        <p:nvSpPr>
-          <p:cNvPr id="2" name="Title 1"/>
-          <p:cNvSpPr>
-            <a:spLocks noGrp="1"/>
-          </p:cNvSpPr>
-          <p:nvPr>
-            <p:ph type="title"/>
-          </p:nvPr>
-        </p:nvSpPr>
-        <p:spPr/>
-        <p:txBody>
-          <a:bodyPr/>
-          <a:lstStyle/>
-          <a:p>
-            <a:r>
-              <a:rPr lang="en-GB" dirty="0"/>
-              <a:t>Sorting</a:t>
-            </a:r>
-          </a:p>
-        </p:txBody>
-      </p:sp>
-      <p:sp>
-        <p:nvSpPr>
-          <p:cNvPr id="3" name="Content Placeholder 2"/>
-          <p:cNvSpPr>
-            <a:spLocks noGrp="1"/>
-          </p:cNvSpPr>
-          <p:nvPr>
-            <p:ph idx="1"/>
-          </p:nvPr>
-        </p:nvSpPr>
-        <p:spPr/>
-        <p:txBody>
-          <a:bodyPr>
-            <a:noAutofit/>
-          </a:bodyPr>
-          <a:lstStyle/>
-          <a:p>
-            <a:pPr marL="0" indent="0">
-              <a:buNone/>
-            </a:pPr>
-            <a:r>
-              <a:rPr lang="pt-BR" sz="2000" dirty="0">
-                <a:latin typeface="Courier New" pitchFamily="49" charset="0"/>
-                <a:cs typeface="Courier New" pitchFamily="49" charset="0"/>
-              </a:rPr>
-              <a:t>data &lt;- data.frame( "column1"=sample(1:5), "column2"=sample(6:10), "column3"=sample(11:15))</a:t>
-            </a:r>
-          </a:p>
-          <a:p>
-            <a:pPr marL="0" indent="0">
-              <a:buNone/>
-            </a:pPr>
-            <a:endParaRPr lang="pt-BR" sz="2000" dirty="0">
-              <a:latin typeface="Courier New" pitchFamily="49" charset="0"/>
-              <a:cs typeface="Courier New" pitchFamily="49" charset="0"/>
-            </a:endParaRPr>
-          </a:p>
-          <a:p>
-            <a:pPr marL="0" indent="0">
-              <a:buNone/>
-            </a:pPr>
-            <a:r>
-              <a:rPr lang="pt-BR" sz="2000" dirty="0">
-                <a:latin typeface="Courier New" pitchFamily="49" charset="0"/>
-                <a:cs typeface="Courier New" pitchFamily="49" charset="0"/>
-              </a:rPr>
-              <a:t>data &lt;- data[sample(1:5),]</a:t>
-            </a:r>
-          </a:p>
-          <a:p>
-            <a:pPr marL="0" indent="0">
-              <a:buNone/>
-            </a:pPr>
-            <a:endParaRPr lang="pt-BR" sz="2000" dirty="0">
-              <a:latin typeface="Courier New" pitchFamily="49" charset="0"/>
-              <a:cs typeface="Courier New" pitchFamily="49" charset="0"/>
-            </a:endParaRPr>
-          </a:p>
-          <a:p>
-            <a:pPr marL="0" indent="0">
-              <a:buNone/>
-            </a:pPr>
-            <a:r>
-              <a:rPr lang="pt-BR" sz="2000" dirty="0">
-                <a:latin typeface="Courier New" pitchFamily="49" charset="0"/>
-                <a:cs typeface="Courier New" pitchFamily="49" charset="0"/>
-              </a:rPr>
-              <a:t>data$column2[c(1,3)]&lt;-NA</a:t>
-            </a:r>
-          </a:p>
-          <a:p>
-            <a:pPr marL="0" indent="0">
-              <a:buNone/>
-            </a:pPr>
-            <a:endParaRPr lang="en-GB" sz="2000" dirty="0">
-              <a:latin typeface="Courier New" pitchFamily="49" charset="0"/>
-              <a:cs typeface="Courier New" pitchFamily="49" charset="0"/>
-            </a:endParaRPr>
-          </a:p>
-          <a:p>
-            <a:pPr marL="0" indent="0">
-              <a:buNone/>
-            </a:pPr>
-            <a:r>
-              <a:rPr lang="en-GB" sz="2000" dirty="0">
-                <a:latin typeface="Courier New" pitchFamily="49" charset="0"/>
-                <a:cs typeface="Courier New" pitchFamily="49" charset="0"/>
-              </a:rPr>
-              <a:t>sort(data$column1, decreasing=FALSE)</a:t>
-            </a:r>
-          </a:p>
-          <a:p>
-            <a:pPr marL="0" indent="0">
-              <a:buNone/>
-            </a:pPr>
-            <a:endParaRPr lang="en-GB" sz="2000" dirty="0">
-              <a:latin typeface="Courier New" pitchFamily="49" charset="0"/>
-              <a:cs typeface="Courier New" pitchFamily="49" charset="0"/>
-            </a:endParaRPr>
-          </a:p>
-          <a:p>
-            <a:pPr marL="0" indent="0">
-              <a:buNone/>
-            </a:pPr>
-            <a:r>
-              <a:rPr lang="en-GB" sz="2000" dirty="0">
-                <a:latin typeface="Courier New" pitchFamily="49" charset="0"/>
-                <a:cs typeface="Courier New" pitchFamily="49" charset="0"/>
-              </a:rPr>
-              <a:t>sort(data$column2, decreasing=FALSE, </a:t>
-            </a:r>
-            <a:r>
-              <a:rPr lang="en-GB" sz="2000" dirty="0" err="1">
-                <a:solidFill>
-                  <a:srgbClr val="FF0000"/>
-                </a:solidFill>
-                <a:latin typeface="Courier New" pitchFamily="49" charset="0"/>
-                <a:cs typeface="Courier New" pitchFamily="49" charset="0"/>
-              </a:rPr>
-              <a:t>na.last</a:t>
-            </a:r>
-            <a:r>
-              <a:rPr lang="en-GB" sz="2000" dirty="0">
-                <a:solidFill>
-                  <a:srgbClr val="FF0000"/>
-                </a:solidFill>
-                <a:latin typeface="Courier New" pitchFamily="49" charset="0"/>
-                <a:cs typeface="Courier New" pitchFamily="49" charset="0"/>
-              </a:rPr>
-              <a:t>=TRUE</a:t>
-            </a:r>
-            <a:r>
-              <a:rPr lang="en-GB" sz="2000" dirty="0">
-                <a:latin typeface="Courier New" pitchFamily="49" charset="0"/>
-                <a:cs typeface="Courier New" pitchFamily="49" charset="0"/>
-              </a:rPr>
-              <a:t>)</a:t>
-            </a:r>
-          </a:p>
-          <a:p>
-            <a:pPr marL="0" indent="0">
-              <a:buNone/>
-            </a:pPr>
-            <a:r>
-              <a:rPr lang="en-GB" sz="2000" dirty="0">
-                <a:latin typeface="Courier New" pitchFamily="49" charset="0"/>
-                <a:cs typeface="Courier New" pitchFamily="49" charset="0"/>
-              </a:rPr>
-              <a:t>data[order(data$column1),]</a:t>
-            </a:r>
-          </a:p>
-        </p:txBody>
-      </p:sp>
-    </p:spTree>
-  </p:cSld>
-  <p:clrMapOvr>
-    <a:masterClrMapping/>
-  </p:clrMapOvr>
-</p:sld>
-</file>
-
-<file path=ppt/slides/slide32.xml><?xml version="1.0" encoding="utf-8"?>
-<p:sld xmlns:a="http://schemas.openxmlformats.org/drawingml/2006/main" xmlns:r="http://schemas.openxmlformats.org/officeDocument/2006/relationships" xmlns:p="http://schemas.openxmlformats.org/presentationml/2006/main">
-  <p:cSld>
-    <p:spTree>
-      <p:nvGrpSpPr>
-        <p:cNvPr id="1" name=""/>
-        <p:cNvGrpSpPr/>
-        <p:nvPr/>
-      </p:nvGrpSpPr>
-      <p:grpSpPr>
-        <a:xfrm>
-          <a:off x="0" y="0"/>
-          <a:ext cx="0" cy="0"/>
-          <a:chOff x="0" y="0"/>
-          <a:chExt cx="0" cy="0"/>
-        </a:xfrm>
-      </p:grpSpPr>
-      <p:sp>
-        <p:nvSpPr>
-          <p:cNvPr id="2" name="Title 1"/>
-          <p:cNvSpPr>
-            <a:spLocks noGrp="1"/>
-          </p:cNvSpPr>
-          <p:nvPr>
-            <p:ph type="title"/>
-          </p:nvPr>
-        </p:nvSpPr>
-        <p:spPr/>
-        <p:txBody>
-          <a:bodyPr/>
-          <a:lstStyle/>
-          <a:p>
-            <a:r>
-              <a:rPr lang="en-GB" dirty="0"/>
-              <a:t>Running example</a:t>
-            </a:r>
-          </a:p>
-        </p:txBody>
-      </p:sp>
-      <p:sp>
-        <p:nvSpPr>
-          <p:cNvPr id="3" name="Content Placeholder 2"/>
-          <p:cNvSpPr>
-            <a:spLocks noGrp="1"/>
-          </p:cNvSpPr>
-          <p:nvPr>
-            <p:ph idx="1"/>
-          </p:nvPr>
-        </p:nvSpPr>
-        <p:spPr/>
-        <p:txBody>
-          <a:bodyPr>
-            <a:normAutofit/>
-          </a:bodyPr>
-          <a:lstStyle/>
-          <a:p>
-            <a:pPr marL="0" indent="0">
-              <a:buNone/>
-            </a:pPr>
-            <a:r>
-              <a:rPr lang="en-GB" sz="2000" dirty="0">
-                <a:latin typeface="Courier New" panose="02070309020205020404" pitchFamily="49" charset="0"/>
-                <a:cs typeface="Courier New" panose="02070309020205020404" pitchFamily="49" charset="0"/>
-              </a:rPr>
-              <a:t>conception &lt;- conception[order(</a:t>
-            </a:r>
-            <a:r>
-              <a:rPr lang="en-GB" sz="2000" dirty="0" err="1">
-                <a:latin typeface="Courier New" panose="02070309020205020404" pitchFamily="49" charset="0"/>
-                <a:cs typeface="Courier New" panose="02070309020205020404" pitchFamily="49" charset="0"/>
-              </a:rPr>
-              <a:t>conception$Name</a:t>
-            </a:r>
-            <a:r>
-              <a:rPr lang="en-GB" sz="2000" dirty="0">
-                <a:latin typeface="Courier New" panose="02070309020205020404" pitchFamily="49" charset="0"/>
-                <a:cs typeface="Courier New" panose="02070309020205020404" pitchFamily="49" charset="0"/>
-              </a:rPr>
-              <a:t>),]</a:t>
-            </a:r>
-          </a:p>
-          <a:p>
-            <a:pPr marL="0" indent="0">
-              <a:buNone/>
-            </a:pPr>
-            <a:endParaRPr lang="en-GB" sz="2000" dirty="0">
-              <a:latin typeface="Courier New" panose="02070309020205020404" pitchFamily="49" charset="0"/>
-              <a:cs typeface="Courier New" panose="02070309020205020404" pitchFamily="49" charset="0"/>
-            </a:endParaRPr>
-          </a:p>
-          <a:p>
-            <a:pPr marL="0" indent="0">
-              <a:buNone/>
-            </a:pPr>
-            <a:r>
-              <a:rPr lang="en-GB" sz="2000" dirty="0">
-                <a:latin typeface="Courier New" panose="02070309020205020404" pitchFamily="49" charset="0"/>
-                <a:cs typeface="Courier New" panose="02070309020205020404" pitchFamily="49" charset="0"/>
-              </a:rPr>
-              <a:t>conception &lt;- within(conception, new &lt;- `Number of Conceptions`*2)</a:t>
-            </a:r>
-          </a:p>
-          <a:p>
-            <a:pPr marL="0" indent="0">
-              <a:buNone/>
-            </a:pPr>
-            <a:endParaRPr lang="en-GB" sz="2000" dirty="0">
-              <a:latin typeface="Courier New" panose="02070309020205020404" pitchFamily="49" charset="0"/>
-              <a:cs typeface="Courier New" panose="02070309020205020404" pitchFamily="49" charset="0"/>
-            </a:endParaRPr>
-          </a:p>
-          <a:p>
-            <a:pPr marL="0" indent="0">
-              <a:buNone/>
-            </a:pPr>
-            <a:r>
-              <a:rPr lang="en-GB" sz="2000" dirty="0">
-                <a:latin typeface="Courier New" panose="02070309020205020404" pitchFamily="49" charset="0"/>
-                <a:cs typeface="Courier New" panose="02070309020205020404" pitchFamily="49" charset="0"/>
-              </a:rPr>
-              <a:t>conception &lt;- conception[order(conception $`Conception rate per 1,000 women in age group`),]</a:t>
-            </a:r>
-          </a:p>
-          <a:p>
-            <a:pPr marL="0" indent="0">
-              <a:buNone/>
-            </a:pPr>
-            <a:endParaRPr lang="en-GB" sz="2000" dirty="0">
-              <a:latin typeface="Courier New" panose="02070309020205020404" pitchFamily="49" charset="0"/>
-              <a:cs typeface="Courier New" panose="02070309020205020404" pitchFamily="49" charset="0"/>
-            </a:endParaRPr>
-          </a:p>
-          <a:p>
-            <a:pPr marL="0" indent="0">
-              <a:buNone/>
-            </a:pPr>
-            <a:r>
-              <a:rPr lang="en-GB" sz="2000" dirty="0">
-                <a:latin typeface="Courier New" panose="02070309020205020404" pitchFamily="49" charset="0"/>
-                <a:cs typeface="Courier New" panose="02070309020205020404" pitchFamily="49" charset="0"/>
-              </a:rPr>
-              <a:t>conception &lt;- conception[order(conception $`Conception rate per 1,000 women in age group`, </a:t>
-            </a:r>
-            <a:r>
-              <a:rPr lang="en-GB" sz="2000" dirty="0">
-                <a:solidFill>
-                  <a:srgbClr val="FF0000"/>
-                </a:solidFill>
-                <a:latin typeface="Courier New" panose="02070309020205020404" pitchFamily="49" charset="0"/>
-                <a:cs typeface="Courier New" panose="02070309020205020404" pitchFamily="49" charset="0"/>
-              </a:rPr>
-              <a:t>decreasing = T</a:t>
-            </a:r>
-            <a:r>
-              <a:rPr lang="en-GB" sz="2000" dirty="0">
-                <a:latin typeface="Courier New" panose="02070309020205020404" pitchFamily="49" charset="0"/>
-                <a:cs typeface="Courier New" panose="02070309020205020404" pitchFamily="49" charset="0"/>
-              </a:rPr>
-              <a:t>),]</a:t>
-            </a:r>
-          </a:p>
-          <a:p>
-            <a:endParaRPr lang="en-GB" dirty="0">
-              <a:latin typeface="Courier New" panose="02070309020205020404" pitchFamily="49" charset="0"/>
-              <a:cs typeface="Courier New" panose="02070309020205020404" pitchFamily="49" charset="0"/>
-            </a:endParaRPr>
-          </a:p>
-          <a:p>
-            <a:endParaRPr lang="en-GB" dirty="0"/>
-          </a:p>
-        </p:txBody>
-      </p:sp>
-    </p:spTree>
-    <p:extLst>
-      <p:ext uri="{BB962C8B-B14F-4D97-AF65-F5344CB8AC3E}">
-        <p14:creationId xmlns:p14="http://schemas.microsoft.com/office/powerpoint/2010/main" val="1291988380"/>
       </p:ext>
     </p:extLst>
   </p:cSld>
